--- a/fuentes/contenidos/grado06/guion04/MA_06_04_CO_Mapa conceptual.pptx
+++ b/fuentes/contenidos/grado06/guion04/MA_06_04_CO_Mapa conceptual.pptx
@@ -4,6 +4,9 @@
   <p:sldMasterIdLst>
     <p:sldMasterId id="2147483660" r:id="rId1"/>
   </p:sldMasterIdLst>
+  <p:notesMasterIdLst>
+    <p:notesMasterId r:id="rId3"/>
+  </p:notesMasterIdLst>
   <p:sldIdLst>
     <p:sldId id="256" r:id="rId2"/>
   </p:sldIdLst>
@@ -106,10 +109,444 @@
   </p:defaultTextStyle>
   <p:extLst>
     <p:ext uri="{EFAFB233-063F-42B5-8137-9DF3F51BA10A}">
-      <p15:sldGuideLst xmlns="" xmlns:p15="http://schemas.microsoft.com/office/powerpoint/2012/main"/>
+      <p15:sldGuideLst xmlns:p15="http://schemas.microsoft.com/office/powerpoint/2012/main"/>
     </p:ext>
   </p:extLst>
 </p:presentation>
+</file>
+
+<file path=ppt/notesMasters/notesMaster1.xml><?xml version="1.0" encoding="utf-8"?>
+<p:notesMaster xmlns:a="http://schemas.openxmlformats.org/drawingml/2006/main" xmlns:r="http://schemas.openxmlformats.org/officeDocument/2006/relationships" xmlns:p="http://schemas.openxmlformats.org/presentationml/2006/main">
+  <p:cSld>
+    <p:bg>
+      <p:bgRef idx="1001">
+        <a:schemeClr val="bg1"/>
+      </p:bgRef>
+    </p:bg>
+    <p:spTree>
+      <p:nvGrpSpPr>
+        <p:cNvPr id="1" name=""/>
+        <p:cNvGrpSpPr/>
+        <p:nvPr/>
+      </p:nvGrpSpPr>
+      <p:grpSpPr>
+        <a:xfrm>
+          <a:off x="0" y="0"/>
+          <a:ext cx="0" cy="0"/>
+          <a:chOff x="0" y="0"/>
+          <a:chExt cx="0" cy="0"/>
+        </a:xfrm>
+      </p:grpSpPr>
+      <p:sp>
+        <p:nvSpPr>
+          <p:cNvPr id="2" name="Marcador de encabezado 1"/>
+          <p:cNvSpPr>
+            <a:spLocks noGrp="1"/>
+          </p:cNvSpPr>
+          <p:nvPr>
+            <p:ph type="hdr" sz="quarter"/>
+          </p:nvPr>
+        </p:nvSpPr>
+        <p:spPr>
+          <a:xfrm>
+            <a:off x="0" y="0"/>
+            <a:ext cx="2944813" cy="496888"/>
+          </a:xfrm>
+          <a:prstGeom prst="rect">
+            <a:avLst/>
+          </a:prstGeom>
+        </p:spPr>
+        <p:txBody>
+          <a:bodyPr vert="horz" lIns="91440" tIns="45720" rIns="91440" bIns="45720" rtlCol="0"/>
+          <a:lstStyle>
+            <a:lvl1pPr algn="l">
+              <a:defRPr sz="1200"/>
+            </a:lvl1pPr>
+          </a:lstStyle>
+          <a:p>
+            <a:endParaRPr lang="es-CO"/>
+          </a:p>
+        </p:txBody>
+      </p:sp>
+      <p:sp>
+        <p:nvSpPr>
+          <p:cNvPr id="3" name="Marcador de fecha 2"/>
+          <p:cNvSpPr>
+            <a:spLocks noGrp="1"/>
+          </p:cNvSpPr>
+          <p:nvPr>
+            <p:ph type="dt" idx="1"/>
+          </p:nvPr>
+        </p:nvSpPr>
+        <p:spPr>
+          <a:xfrm>
+            <a:off x="3848100" y="0"/>
+            <a:ext cx="2944813" cy="496888"/>
+          </a:xfrm>
+          <a:prstGeom prst="rect">
+            <a:avLst/>
+          </a:prstGeom>
+        </p:spPr>
+        <p:txBody>
+          <a:bodyPr vert="horz" lIns="91440" tIns="45720" rIns="91440" bIns="45720" rtlCol="0"/>
+          <a:lstStyle>
+            <a:lvl1pPr algn="r">
+              <a:defRPr sz="1200"/>
+            </a:lvl1pPr>
+          </a:lstStyle>
+          <a:p>
+            <a:fld id="{7A3C5493-B8A1-4477-8B1C-2F671EBCDBF5}" type="datetimeFigureOut">
+              <a:rPr lang="es-CO" smtClean="0"/>
+              <a:t>23/10/2015</a:t>
+            </a:fld>
+            <a:endParaRPr lang="es-CO"/>
+          </a:p>
+        </p:txBody>
+      </p:sp>
+      <p:sp>
+        <p:nvSpPr>
+          <p:cNvPr id="4" name="Marcador de imagen de diapositiva 3"/>
+          <p:cNvSpPr>
+            <a:spLocks noGrp="1" noRot="1" noChangeAspect="1"/>
+          </p:cNvSpPr>
+          <p:nvPr>
+            <p:ph type="sldImg" idx="2"/>
+          </p:nvPr>
+        </p:nvSpPr>
+        <p:spPr>
+          <a:xfrm>
+            <a:off x="1165225" y="1239838"/>
+            <a:ext cx="4464050" cy="3348037"/>
+          </a:xfrm>
+          <a:prstGeom prst="rect">
+            <a:avLst/>
+          </a:prstGeom>
+          <a:noFill/>
+          <a:ln w="12700">
+            <a:solidFill>
+              <a:prstClr val="black"/>
+            </a:solidFill>
+          </a:ln>
+        </p:spPr>
+        <p:txBody>
+          <a:bodyPr vert="horz" lIns="91440" tIns="45720" rIns="91440" bIns="45720" rtlCol="0" anchor="ctr"/>
+          <a:lstStyle/>
+          <a:p>
+            <a:endParaRPr lang="es-CO"/>
+          </a:p>
+        </p:txBody>
+      </p:sp>
+      <p:sp>
+        <p:nvSpPr>
+          <p:cNvPr id="5" name="Marcador de notas 4"/>
+          <p:cNvSpPr>
+            <a:spLocks noGrp="1"/>
+          </p:cNvSpPr>
+          <p:nvPr>
+            <p:ph type="body" sz="quarter" idx="3"/>
+          </p:nvPr>
+        </p:nvSpPr>
+        <p:spPr>
+          <a:xfrm>
+            <a:off x="679450" y="4773613"/>
+            <a:ext cx="5435600" cy="3905250"/>
+          </a:xfrm>
+          <a:prstGeom prst="rect">
+            <a:avLst/>
+          </a:prstGeom>
+        </p:spPr>
+        <p:txBody>
+          <a:bodyPr vert="horz" lIns="91440" tIns="45720" rIns="91440" bIns="45720" rtlCol="0"/>
+          <a:lstStyle/>
+          <a:p>
+            <a:pPr lvl="0"/>
+            <a:r>
+              <a:rPr lang="es-ES" smtClean="0"/>
+              <a:t>Haga clic para modificar el estilo de texto del patrón</a:t>
+            </a:r>
+          </a:p>
+          <a:p>
+            <a:pPr lvl="1"/>
+            <a:r>
+              <a:rPr lang="es-ES" smtClean="0"/>
+              <a:t>Segundo nivel</a:t>
+            </a:r>
+          </a:p>
+          <a:p>
+            <a:pPr lvl="2"/>
+            <a:r>
+              <a:rPr lang="es-ES" smtClean="0"/>
+              <a:t>Tercer nivel</a:t>
+            </a:r>
+          </a:p>
+          <a:p>
+            <a:pPr lvl="3"/>
+            <a:r>
+              <a:rPr lang="es-ES" smtClean="0"/>
+              <a:t>Cuarto nivel</a:t>
+            </a:r>
+          </a:p>
+          <a:p>
+            <a:pPr lvl="4"/>
+            <a:r>
+              <a:rPr lang="es-ES" smtClean="0"/>
+              <a:t>Quinto nivel</a:t>
+            </a:r>
+            <a:endParaRPr lang="es-CO"/>
+          </a:p>
+        </p:txBody>
+      </p:sp>
+      <p:sp>
+        <p:nvSpPr>
+          <p:cNvPr id="6" name="Marcador de pie de página 5"/>
+          <p:cNvSpPr>
+            <a:spLocks noGrp="1"/>
+          </p:cNvSpPr>
+          <p:nvPr>
+            <p:ph type="ftr" sz="quarter" idx="4"/>
+          </p:nvPr>
+        </p:nvSpPr>
+        <p:spPr>
+          <a:xfrm>
+            <a:off x="0" y="9421813"/>
+            <a:ext cx="2944813" cy="496887"/>
+          </a:xfrm>
+          <a:prstGeom prst="rect">
+            <a:avLst/>
+          </a:prstGeom>
+        </p:spPr>
+        <p:txBody>
+          <a:bodyPr vert="horz" lIns="91440" tIns="45720" rIns="91440" bIns="45720" rtlCol="0" anchor="b"/>
+          <a:lstStyle>
+            <a:lvl1pPr algn="l">
+              <a:defRPr sz="1200"/>
+            </a:lvl1pPr>
+          </a:lstStyle>
+          <a:p>
+            <a:endParaRPr lang="es-CO"/>
+          </a:p>
+        </p:txBody>
+      </p:sp>
+      <p:sp>
+        <p:nvSpPr>
+          <p:cNvPr id="7" name="Marcador de número de diapositiva 6"/>
+          <p:cNvSpPr>
+            <a:spLocks noGrp="1"/>
+          </p:cNvSpPr>
+          <p:nvPr>
+            <p:ph type="sldNum" sz="quarter" idx="5"/>
+          </p:nvPr>
+        </p:nvSpPr>
+        <p:spPr>
+          <a:xfrm>
+            <a:off x="3848100" y="9421813"/>
+            <a:ext cx="2944813" cy="496887"/>
+          </a:xfrm>
+          <a:prstGeom prst="rect">
+            <a:avLst/>
+          </a:prstGeom>
+        </p:spPr>
+        <p:txBody>
+          <a:bodyPr vert="horz" lIns="91440" tIns="45720" rIns="91440" bIns="45720" rtlCol="0" anchor="b"/>
+          <a:lstStyle>
+            <a:lvl1pPr algn="r">
+              <a:defRPr sz="1200"/>
+            </a:lvl1pPr>
+          </a:lstStyle>
+          <a:p>
+            <a:fld id="{E8961AD8-D971-41FC-90C3-BA4227D69BFE}" type="slidenum">
+              <a:rPr lang="es-CO" smtClean="0"/>
+              <a:t>‹Nº›</a:t>
+            </a:fld>
+            <a:endParaRPr lang="es-CO"/>
+          </a:p>
+        </p:txBody>
+      </p:sp>
+    </p:spTree>
+    <p:extLst>
+      <p:ext uri="{BB962C8B-B14F-4D97-AF65-F5344CB8AC3E}">
+        <p14:creationId xmlns:p14="http://schemas.microsoft.com/office/powerpoint/2010/main" val="2298017044"/>
+      </p:ext>
+    </p:extLst>
+  </p:cSld>
+  <p:clrMap bg1="lt1" tx1="dk1" bg2="lt2" tx2="dk2" accent1="accent1" accent2="accent2" accent3="accent3" accent4="accent4" accent5="accent5" accent6="accent6" hlink="hlink" folHlink="folHlink"/>
+  <p:notesStyle>
+    <a:lvl1pPr marL="0" algn="l" defTabSz="914400" rtl="0" eaLnBrk="1" latinLnBrk="0" hangingPunct="1">
+      <a:defRPr sz="1200" kern="1200">
+        <a:solidFill>
+          <a:schemeClr val="tx1"/>
+        </a:solidFill>
+        <a:latin typeface="+mn-lt"/>
+        <a:ea typeface="+mn-ea"/>
+        <a:cs typeface="+mn-cs"/>
+      </a:defRPr>
+    </a:lvl1pPr>
+    <a:lvl2pPr marL="457200" algn="l" defTabSz="914400" rtl="0" eaLnBrk="1" latinLnBrk="0" hangingPunct="1">
+      <a:defRPr sz="1200" kern="1200">
+        <a:solidFill>
+          <a:schemeClr val="tx1"/>
+        </a:solidFill>
+        <a:latin typeface="+mn-lt"/>
+        <a:ea typeface="+mn-ea"/>
+        <a:cs typeface="+mn-cs"/>
+      </a:defRPr>
+    </a:lvl2pPr>
+    <a:lvl3pPr marL="914400" algn="l" defTabSz="914400" rtl="0" eaLnBrk="1" latinLnBrk="0" hangingPunct="1">
+      <a:defRPr sz="1200" kern="1200">
+        <a:solidFill>
+          <a:schemeClr val="tx1"/>
+        </a:solidFill>
+        <a:latin typeface="+mn-lt"/>
+        <a:ea typeface="+mn-ea"/>
+        <a:cs typeface="+mn-cs"/>
+      </a:defRPr>
+    </a:lvl3pPr>
+    <a:lvl4pPr marL="1371600" algn="l" defTabSz="914400" rtl="0" eaLnBrk="1" latinLnBrk="0" hangingPunct="1">
+      <a:defRPr sz="1200" kern="1200">
+        <a:solidFill>
+          <a:schemeClr val="tx1"/>
+        </a:solidFill>
+        <a:latin typeface="+mn-lt"/>
+        <a:ea typeface="+mn-ea"/>
+        <a:cs typeface="+mn-cs"/>
+      </a:defRPr>
+    </a:lvl4pPr>
+    <a:lvl5pPr marL="1828800" algn="l" defTabSz="914400" rtl="0" eaLnBrk="1" latinLnBrk="0" hangingPunct="1">
+      <a:defRPr sz="1200" kern="1200">
+        <a:solidFill>
+          <a:schemeClr val="tx1"/>
+        </a:solidFill>
+        <a:latin typeface="+mn-lt"/>
+        <a:ea typeface="+mn-ea"/>
+        <a:cs typeface="+mn-cs"/>
+      </a:defRPr>
+    </a:lvl5pPr>
+    <a:lvl6pPr marL="2286000" algn="l" defTabSz="914400" rtl="0" eaLnBrk="1" latinLnBrk="0" hangingPunct="1">
+      <a:defRPr sz="1200" kern="1200">
+        <a:solidFill>
+          <a:schemeClr val="tx1"/>
+        </a:solidFill>
+        <a:latin typeface="+mn-lt"/>
+        <a:ea typeface="+mn-ea"/>
+        <a:cs typeface="+mn-cs"/>
+      </a:defRPr>
+    </a:lvl6pPr>
+    <a:lvl7pPr marL="2743200" algn="l" defTabSz="914400" rtl="0" eaLnBrk="1" latinLnBrk="0" hangingPunct="1">
+      <a:defRPr sz="1200" kern="1200">
+        <a:solidFill>
+          <a:schemeClr val="tx1"/>
+        </a:solidFill>
+        <a:latin typeface="+mn-lt"/>
+        <a:ea typeface="+mn-ea"/>
+        <a:cs typeface="+mn-cs"/>
+      </a:defRPr>
+    </a:lvl7pPr>
+    <a:lvl8pPr marL="3200400" algn="l" defTabSz="914400" rtl="0" eaLnBrk="1" latinLnBrk="0" hangingPunct="1">
+      <a:defRPr sz="1200" kern="1200">
+        <a:solidFill>
+          <a:schemeClr val="tx1"/>
+        </a:solidFill>
+        <a:latin typeface="+mn-lt"/>
+        <a:ea typeface="+mn-ea"/>
+        <a:cs typeface="+mn-cs"/>
+      </a:defRPr>
+    </a:lvl8pPr>
+    <a:lvl9pPr marL="3657600" algn="l" defTabSz="914400" rtl="0" eaLnBrk="1" latinLnBrk="0" hangingPunct="1">
+      <a:defRPr sz="1200" kern="1200">
+        <a:solidFill>
+          <a:schemeClr val="tx1"/>
+        </a:solidFill>
+        <a:latin typeface="+mn-lt"/>
+        <a:ea typeface="+mn-ea"/>
+        <a:cs typeface="+mn-cs"/>
+      </a:defRPr>
+    </a:lvl9pPr>
+  </p:notesStyle>
+</p:notesMaster>
+</file>
+
+<file path=ppt/notesSlides/notesSlide1.xml><?xml version="1.0" encoding="utf-8"?>
+<p:notes xmlns:a="http://schemas.openxmlformats.org/drawingml/2006/main" xmlns:r="http://schemas.openxmlformats.org/officeDocument/2006/relationships" xmlns:p="http://schemas.openxmlformats.org/presentationml/2006/main">
+  <p:cSld>
+    <p:spTree>
+      <p:nvGrpSpPr>
+        <p:cNvPr id="1" name=""/>
+        <p:cNvGrpSpPr/>
+        <p:nvPr/>
+      </p:nvGrpSpPr>
+      <p:grpSpPr>
+        <a:xfrm>
+          <a:off x="0" y="0"/>
+          <a:ext cx="0" cy="0"/>
+          <a:chOff x="0" y="0"/>
+          <a:chExt cx="0" cy="0"/>
+        </a:xfrm>
+      </p:grpSpPr>
+      <p:sp>
+        <p:nvSpPr>
+          <p:cNvPr id="2" name="Marcador de imagen de diapositiva 1"/>
+          <p:cNvSpPr>
+            <a:spLocks noGrp="1" noRot="1" noChangeAspect="1"/>
+          </p:cNvSpPr>
+          <p:nvPr>
+            <p:ph type="sldImg"/>
+          </p:nvPr>
+        </p:nvSpPr>
+        <p:spPr/>
+      </p:sp>
+      <p:sp>
+        <p:nvSpPr>
+          <p:cNvPr id="3" name="Marcador de notas 2"/>
+          <p:cNvSpPr>
+            <a:spLocks noGrp="1"/>
+          </p:cNvSpPr>
+          <p:nvPr>
+            <p:ph type="body" idx="1"/>
+          </p:nvPr>
+        </p:nvSpPr>
+        <p:spPr/>
+        <p:txBody>
+          <a:bodyPr/>
+          <a:lstStyle/>
+          <a:p>
+            <a:endParaRPr lang="es-CO" dirty="0"/>
+          </a:p>
+        </p:txBody>
+      </p:sp>
+      <p:sp>
+        <p:nvSpPr>
+          <p:cNvPr id="4" name="Marcador de número de diapositiva 3"/>
+          <p:cNvSpPr>
+            <a:spLocks noGrp="1"/>
+          </p:cNvSpPr>
+          <p:nvPr>
+            <p:ph type="sldNum" sz="quarter" idx="10"/>
+          </p:nvPr>
+        </p:nvSpPr>
+        <p:spPr/>
+        <p:txBody>
+          <a:bodyPr/>
+          <a:lstStyle/>
+          <a:p>
+            <a:fld id="{E8961AD8-D971-41FC-90C3-BA4227D69BFE}" type="slidenum">
+              <a:rPr lang="es-CO" smtClean="0"/>
+              <a:t>1</a:t>
+            </a:fld>
+            <a:endParaRPr lang="es-CO"/>
+          </a:p>
+        </p:txBody>
+      </p:sp>
+    </p:spTree>
+    <p:extLst>
+      <p:ext uri="{BB962C8B-B14F-4D97-AF65-F5344CB8AC3E}">
+        <p14:creationId xmlns:p14="http://schemas.microsoft.com/office/powerpoint/2010/main" val="3443345948"/>
+      </p:ext>
+    </p:extLst>
+  </p:cSld>
+  <p:clrMapOvr>
+    <a:masterClrMapping/>
+  </p:clrMapOvr>
+</p:notes>
 </file>
 
 <file path=ppt/slideLayouts/slideLayout1.xml><?xml version="1.0" encoding="utf-8"?>
@@ -142,7 +579,7 @@
   <p:timing>
     <p:tnLst>
       <p:par>
-        <p:cTn xmlns:p14="http://schemas.microsoft.com/office/powerpoint/2010/main" id="1" dur="indefinite" restart="never" nodeType="tmRoot"/>
+        <p:cTn id="1" dur="indefinite" restart="never" nodeType="tmRoot"/>
       </p:par>
     </p:tnLst>
   </p:timing>
@@ -179,7 +616,7 @@
   <p:timing>
     <p:tnLst>
       <p:par>
-        <p:cTn xmlns:p14="http://schemas.microsoft.com/office/powerpoint/2010/main" id="1" dur="indefinite" restart="never" nodeType="tmRoot"/>
+        <p:cTn id="1" dur="indefinite" restart="never" nodeType="tmRoot"/>
       </p:par>
     </p:tnLst>
   </p:timing>
@@ -216,7 +653,7 @@
   <p:timing>
     <p:tnLst>
       <p:par>
-        <p:cTn xmlns:p14="http://schemas.microsoft.com/office/powerpoint/2010/main" id="1" dur="indefinite" restart="never" nodeType="tmRoot"/>
+        <p:cTn id="1" dur="indefinite" restart="never" nodeType="tmRoot"/>
       </p:par>
     </p:tnLst>
   </p:timing>
@@ -253,7 +690,7 @@
   <p:timing>
     <p:tnLst>
       <p:par>
-        <p:cTn xmlns:p14="http://schemas.microsoft.com/office/powerpoint/2010/main" id="1" dur="indefinite" restart="never" nodeType="tmRoot"/>
+        <p:cTn id="1" dur="indefinite" restart="never" nodeType="tmRoot"/>
       </p:par>
     </p:tnLst>
   </p:timing>
@@ -290,7 +727,7 @@
   <p:timing>
     <p:tnLst>
       <p:par>
-        <p:cTn xmlns:p14="http://schemas.microsoft.com/office/powerpoint/2010/main" id="1" dur="indefinite" restart="never" nodeType="tmRoot"/>
+        <p:cTn id="1" dur="indefinite" restart="never" nodeType="tmRoot"/>
       </p:par>
     </p:tnLst>
   </p:timing>
@@ -327,7 +764,7 @@
   <p:timing>
     <p:tnLst>
       <p:par>
-        <p:cTn xmlns:p14="http://schemas.microsoft.com/office/powerpoint/2010/main" id="1" dur="indefinite" restart="never" nodeType="tmRoot"/>
+        <p:cTn id="1" dur="indefinite" restart="never" nodeType="tmRoot"/>
       </p:par>
     </p:tnLst>
   </p:timing>
@@ -364,7 +801,7 @@
   <p:timing>
     <p:tnLst>
       <p:par>
-        <p:cTn xmlns:p14="http://schemas.microsoft.com/office/powerpoint/2010/main" id="1" dur="indefinite" restart="never" nodeType="tmRoot"/>
+        <p:cTn id="1" dur="indefinite" restart="never" nodeType="tmRoot"/>
       </p:par>
     </p:tnLst>
   </p:timing>
@@ -401,7 +838,7 @@
   <p:timing>
     <p:tnLst>
       <p:par>
-        <p:cTn xmlns:p14="http://schemas.microsoft.com/office/powerpoint/2010/main" id="1" dur="indefinite" restart="never" nodeType="tmRoot"/>
+        <p:cTn id="1" dur="indefinite" restart="never" nodeType="tmRoot"/>
       </p:par>
     </p:tnLst>
   </p:timing>
@@ -450,7 +887,7 @@
           <a:p>
             <a:fld id="{5001C876-01F7-4317-94B9-1AE222133113}" type="datetimeFigureOut">
               <a:rPr lang="es-ES" smtClean="0"/>
-              <a:t>3/08/15</a:t>
+              <a:t>23/10/2015</a:t>
             </a:fld>
             <a:endParaRPr lang="es-ES"/>
           </a:p>
@@ -508,7 +945,7 @@
           <a:p>
             <a:fld id="{58140F73-F5A2-4B82-A2FA-BF1850CF1309}" type="slidenum">
               <a:rPr lang="es-ES" smtClean="0"/>
-              <a:t>‹#›</a:t>
+              <a:t>‹Nº›</a:t>
             </a:fld>
             <a:endParaRPr lang="es-ES"/>
           </a:p>
@@ -527,7 +964,7 @@
   <p:timing>
     <p:tnLst>
       <p:par>
-        <p:cTn xmlns:p14="http://schemas.microsoft.com/office/powerpoint/2010/main" id="1" dur="indefinite" restart="never" nodeType="tmRoot"/>
+        <p:cTn id="1" dur="indefinite" restart="never" nodeType="tmRoot"/>
       </p:par>
     </p:tnLst>
   </p:timing>
@@ -564,7 +1001,7 @@
   <p:timing>
     <p:tnLst>
       <p:par>
-        <p:cTn xmlns:p14="http://schemas.microsoft.com/office/powerpoint/2010/main" id="1" dur="indefinite" restart="never" nodeType="tmRoot"/>
+        <p:cTn id="1" dur="indefinite" restart="never" nodeType="tmRoot"/>
       </p:par>
     </p:tnLst>
   </p:timing>
@@ -601,7 +1038,7 @@
   <p:timing>
     <p:tnLst>
       <p:par>
-        <p:cTn xmlns:p14="http://schemas.microsoft.com/office/powerpoint/2010/main" id="1" dur="indefinite" restart="never" nodeType="tmRoot"/>
+        <p:cTn id="1" dur="indefinite" restart="never" nodeType="tmRoot"/>
       </p:par>
     </p:tnLst>
   </p:timing>
@@ -638,8 +1075,8 @@
         </p:nvSpPr>
         <p:spPr>
           <a:xfrm rot="16200000">
-            <a:off x="-1144305" y="1666821"/>
-            <a:ext cx="2852256" cy="276999"/>
+            <a:off x="-1278861" y="1710405"/>
+            <a:ext cx="3121368" cy="276999"/>
           </a:xfrm>
           <a:prstGeom prst="rect">
             <a:avLst/>
@@ -652,11 +1089,18 @@
           </a:bodyPr>
           <a:lstStyle/>
           <a:p>
-            <a:r>
-              <a:rPr lang="es-ES" sz="1200" dirty="0" smtClean="0"/>
+            <a:pPr algn="ctr"/>
+            <a:r>
+              <a:rPr lang="es-ES" sz="1200" dirty="0" smtClean="0">
+                <a:latin typeface="Arial" panose="020B0604020202020204" pitchFamily="34" charset="0"/>
+                <a:cs typeface="Arial" panose="020B0604020202020204" pitchFamily="34" charset="0"/>
+              </a:rPr>
               <a:t>© Editorial Planeta Colombiana S.A., 2015.</a:t>
             </a:r>
-            <a:endParaRPr lang="es-ES" sz="1200" dirty="0"/>
+            <a:endParaRPr lang="es-ES" sz="1200" dirty="0">
+              <a:latin typeface="Arial" panose="020B0604020202020204" pitchFamily="34" charset="0"/>
+              <a:cs typeface="Arial" panose="020B0604020202020204" pitchFamily="34" charset="0"/>
+            </a:endParaRPr>
           </a:p>
         </p:txBody>
       </p:sp>
@@ -714,7 +1158,7 @@
   <p:timing>
     <p:tnLst>
       <p:par>
-        <p:cTn xmlns:p14="http://schemas.microsoft.com/office/powerpoint/2010/main" id="1" dur="indefinite" restart="never" nodeType="tmRoot"/>
+        <p:cTn id="1" dur="indefinite" restart="never" nodeType="tmRoot"/>
       </p:par>
     </p:tnLst>
   </p:timing>
@@ -1026,8 +1470,8 @@
         </p:nvSpPr>
         <p:spPr>
           <a:xfrm>
-            <a:off x="1911731" y="195412"/>
-            <a:ext cx="5679731" cy="352691"/>
+            <a:off x="2452220" y="101560"/>
+            <a:ext cx="4703754" cy="352691"/>
           </a:xfrm>
           <a:prstGeom prst="rect">
             <a:avLst/>
@@ -1061,27 +1505,487 @@
           <a:p>
             <a:pPr algn="ctr"/>
             <a:r>
-              <a:rPr lang="es-ES" sz="1600" dirty="0" smtClean="0"/>
-              <a:t>Teor</a:t>
-            </a:r>
-            <a:r>
-              <a:rPr lang="es-ES" sz="1600" dirty="0" smtClean="0"/>
-              <a:t>ía de números</a:t>
-            </a:r>
-            <a:endParaRPr lang="es-ES" sz="1600" dirty="0"/>
+              <a:rPr lang="es-ES" sz="1600" dirty="0" smtClean="0">
+                <a:latin typeface="Arial" panose="020B0604020202020204" pitchFamily="34" charset="0"/>
+                <a:cs typeface="Arial" panose="020B0604020202020204" pitchFamily="34" charset="0"/>
+              </a:rPr>
+              <a:t>Teoría de números</a:t>
+            </a:r>
+            <a:endParaRPr lang="es-ES" sz="1600" dirty="0">
+              <a:latin typeface="Arial" panose="020B0604020202020204" pitchFamily="34" charset="0"/>
+              <a:cs typeface="Arial" panose="020B0604020202020204" pitchFamily="34" charset="0"/>
+            </a:endParaRPr>
+          </a:p>
+        </p:txBody>
+      </p:sp>
+      <p:cxnSp>
+        <p:nvCxnSpPr>
+          <p:cNvPr id="12" name="Conector angular 11"/>
+          <p:cNvCxnSpPr/>
+          <p:nvPr/>
+        </p:nvCxnSpPr>
+        <p:spPr>
+          <a:xfrm rot="10800000" flipV="1">
+            <a:off x="1905444" y="1855350"/>
+            <a:ext cx="2818107" cy="110599"/>
+          </a:xfrm>
+          <a:prstGeom prst="bentConnector3">
+            <a:avLst>
+              <a:gd name="adj1" fmla="val 100248"/>
+            </a:avLst>
+          </a:prstGeom>
+          <a:ln w="12700">
+            <a:solidFill>
+              <a:schemeClr val="tx1"/>
+            </a:solidFill>
+          </a:ln>
+        </p:spPr>
+        <p:style>
+          <a:lnRef idx="1">
+            <a:schemeClr val="accent1"/>
+          </a:lnRef>
+          <a:fillRef idx="0">
+            <a:schemeClr val="accent1"/>
+          </a:fillRef>
+          <a:effectRef idx="0">
+            <a:schemeClr val="accent1"/>
+          </a:effectRef>
+          <a:fontRef idx="minor">
+            <a:schemeClr val="tx1"/>
+          </a:fontRef>
+        </p:style>
+      </p:cxnSp>
+      <p:sp>
+        <p:nvSpPr>
+          <p:cNvPr id="220" name="Rectángulo 219" descr="Nodo de segundo nivel" title="Nodo02"/>
+          <p:cNvSpPr/>
+          <p:nvPr/>
+        </p:nvSpPr>
+        <p:spPr>
+          <a:xfrm>
+            <a:off x="1311940" y="3012543"/>
+            <a:ext cx="1479027" cy="663843"/>
+          </a:xfrm>
+          <a:prstGeom prst="rect">
+            <a:avLst/>
+          </a:prstGeom>
+          <a:solidFill>
+            <a:schemeClr val="bg2">
+              <a:lumMod val="90000"/>
+            </a:schemeClr>
+          </a:solidFill>
+          <a:ln>
+            <a:solidFill>
+              <a:schemeClr val="tx1"/>
+            </a:solidFill>
+          </a:ln>
+        </p:spPr>
+        <p:style>
+          <a:lnRef idx="2">
+            <a:schemeClr val="accent6"/>
+          </a:lnRef>
+          <a:fillRef idx="1">
+            <a:schemeClr val="lt1"/>
+          </a:fillRef>
+          <a:effectRef idx="0">
+            <a:schemeClr val="accent6"/>
+          </a:effectRef>
+          <a:fontRef idx="minor">
+            <a:schemeClr val="dk1"/>
+          </a:fontRef>
+        </p:style>
+        <p:txBody>
+          <a:bodyPr rtlCol="0" anchor="ctr"/>
+          <a:lstStyle/>
+          <a:p>
+            <a:pPr algn="ctr"/>
+            <a:r>
+              <a:rPr lang="es-ES" sz="900" dirty="0" smtClean="0">
+                <a:solidFill>
+                  <a:schemeClr val="tx1"/>
+                </a:solidFill>
+                <a:latin typeface="Arial" panose="020B0604020202020204" pitchFamily="34" charset="0"/>
+                <a:cs typeface="Arial" panose="020B0604020202020204" pitchFamily="34" charset="0"/>
+              </a:rPr>
+              <a:t>todos </a:t>
+            </a:r>
+            <a:r>
+              <a:rPr lang="es-ES" sz="900" dirty="0" smtClean="0">
+                <a:solidFill>
+                  <a:schemeClr val="tx1"/>
+                </a:solidFill>
+                <a:latin typeface="Arial" panose="020B0604020202020204" pitchFamily="34" charset="0"/>
+                <a:cs typeface="Arial" panose="020B0604020202020204" pitchFamily="34" charset="0"/>
+              </a:rPr>
+              <a:t>los </a:t>
+            </a:r>
+            <a:r>
+              <a:rPr lang="es-ES" sz="900" dirty="0" smtClean="0">
+                <a:solidFill>
+                  <a:schemeClr val="tx1"/>
+                </a:solidFill>
+                <a:latin typeface="Arial" panose="020B0604020202020204" pitchFamily="34" charset="0"/>
+                <a:cs typeface="Arial" panose="020B0604020202020204" pitchFamily="34" charset="0"/>
+              </a:rPr>
+              <a:t>producto obtenidos al multiplicar </a:t>
+            </a:r>
+            <a:r>
+              <a:rPr lang="es-ES" sz="900" i="1" dirty="0" smtClean="0">
+                <a:solidFill>
+                  <a:schemeClr val="tx1"/>
+                </a:solidFill>
+                <a:latin typeface="Arial" panose="020B0604020202020204" pitchFamily="34" charset="0"/>
+                <a:cs typeface="Arial" panose="020B0604020202020204" pitchFamily="34" charset="0"/>
+              </a:rPr>
+              <a:t>n</a:t>
+            </a:r>
+            <a:r>
+              <a:rPr lang="es-ES" sz="900" dirty="0" smtClean="0">
+                <a:solidFill>
+                  <a:schemeClr val="tx1"/>
+                </a:solidFill>
+                <a:latin typeface="Arial" panose="020B0604020202020204" pitchFamily="34" charset="0"/>
+                <a:cs typeface="Arial" panose="020B0604020202020204" pitchFamily="34" charset="0"/>
+              </a:rPr>
+              <a:t> por todos los números naturales y cero</a:t>
+            </a:r>
+            <a:endParaRPr lang="es-ES" sz="900" dirty="0">
+              <a:solidFill>
+                <a:schemeClr val="tx1"/>
+              </a:solidFill>
+              <a:latin typeface="Arial" panose="020B0604020202020204" pitchFamily="34" charset="0"/>
+              <a:cs typeface="Arial" panose="020B0604020202020204" pitchFamily="34" charset="0"/>
+            </a:endParaRPr>
           </a:p>
         </p:txBody>
       </p:sp>
       <p:sp>
         <p:nvSpPr>
-          <p:cNvPr id="5" name="Rectángulo 4" descr="Nodo de primer nivel" title="Nodo01"/>
+          <p:cNvPr id="285" name="Rectángulo 284" descr="Nodo de cuarto nivel&#10;" title="Nodo04"/>
           <p:cNvSpPr/>
           <p:nvPr/>
         </p:nvSpPr>
         <p:spPr>
           <a:xfrm>
-            <a:off x="816655" y="1304796"/>
-            <a:ext cx="1124746" cy="439782"/>
+            <a:off x="145678" y="5146828"/>
+            <a:ext cx="705672" cy="488130"/>
+          </a:xfrm>
+          <a:prstGeom prst="rect">
+            <a:avLst/>
+          </a:prstGeom>
+          <a:noFill/>
+          <a:ln>
+            <a:solidFill>
+              <a:schemeClr val="tx1"/>
+            </a:solidFill>
+          </a:ln>
+        </p:spPr>
+        <p:style>
+          <a:lnRef idx="2">
+            <a:schemeClr val="accent6"/>
+          </a:lnRef>
+          <a:fillRef idx="1">
+            <a:schemeClr val="lt1"/>
+          </a:fillRef>
+          <a:effectRef idx="0">
+            <a:schemeClr val="accent6"/>
+          </a:effectRef>
+          <a:fontRef idx="minor">
+            <a:schemeClr val="dk1"/>
+          </a:fontRef>
+        </p:style>
+        <p:txBody>
+          <a:bodyPr rtlCol="0" anchor="ctr"/>
+          <a:lstStyle/>
+          <a:p>
+            <a:pPr algn="ctr"/>
+            <a:r>
+              <a:rPr lang="es-ES" sz="800" dirty="0" smtClean="0">
+                <a:solidFill>
+                  <a:schemeClr val="tx1"/>
+                </a:solidFill>
+                <a:latin typeface="Arial" panose="020B0604020202020204" pitchFamily="34" charset="0"/>
+                <a:cs typeface="Arial" panose="020B0604020202020204" pitchFamily="34" charset="0"/>
+              </a:rPr>
+              <a:t>todo número es múltiplo de sí mismo</a:t>
+            </a:r>
+            <a:endParaRPr lang="es-ES" sz="800" dirty="0">
+              <a:solidFill>
+                <a:schemeClr val="tx1"/>
+              </a:solidFill>
+              <a:latin typeface="Arial" panose="020B0604020202020204" pitchFamily="34" charset="0"/>
+              <a:cs typeface="Arial" panose="020B0604020202020204" pitchFamily="34" charset="0"/>
+            </a:endParaRPr>
+          </a:p>
+        </p:txBody>
+      </p:sp>
+      <p:sp>
+        <p:nvSpPr>
+          <p:cNvPr id="287" name="CuadroTexto 286" descr="Conector entre nodos" title="conector"/>
+          <p:cNvSpPr txBox="1"/>
+          <p:nvPr/>
+        </p:nvSpPr>
+        <p:spPr>
+          <a:xfrm>
+            <a:off x="443625" y="4621463"/>
+            <a:ext cx="1117174" cy="230832"/>
+          </a:xfrm>
+          <a:prstGeom prst="rect">
+            <a:avLst/>
+          </a:prstGeom>
+          <a:noFill/>
+        </p:spPr>
+        <p:txBody>
+          <a:bodyPr wrap="square" rtlCol="0">
+            <a:spAutoFit/>
+          </a:bodyPr>
+          <a:lstStyle/>
+          <a:p>
+            <a:pPr algn="ctr"/>
+            <a:r>
+              <a:rPr lang="es-ES" sz="900" dirty="0" smtClean="0">
+                <a:latin typeface="Arial" panose="020B0604020202020204" pitchFamily="34" charset="0"/>
+                <a:cs typeface="Arial" panose="020B0604020202020204" pitchFamily="34" charset="0"/>
+              </a:rPr>
+              <a:t>como</a:t>
+            </a:r>
+            <a:endParaRPr lang="es-ES" sz="900" dirty="0">
+              <a:latin typeface="Arial" panose="020B0604020202020204" pitchFamily="34" charset="0"/>
+              <a:cs typeface="Arial" panose="020B0604020202020204" pitchFamily="34" charset="0"/>
+            </a:endParaRPr>
+          </a:p>
+        </p:txBody>
+      </p:sp>
+      <p:cxnSp>
+        <p:nvCxnSpPr>
+          <p:cNvPr id="290" name="Conector angular 289"/>
+          <p:cNvCxnSpPr/>
+          <p:nvPr/>
+        </p:nvCxnSpPr>
+        <p:spPr>
+          <a:xfrm rot="10800000" flipV="1">
+            <a:off x="1030556" y="3817864"/>
+            <a:ext cx="1024083" cy="90179"/>
+          </a:xfrm>
+          <a:prstGeom prst="bentConnector2">
+            <a:avLst/>
+          </a:prstGeom>
+          <a:ln w="12700">
+            <a:solidFill>
+              <a:schemeClr val="tx1"/>
+            </a:solidFill>
+          </a:ln>
+        </p:spPr>
+        <p:style>
+          <a:lnRef idx="1">
+            <a:schemeClr val="accent1"/>
+          </a:lnRef>
+          <a:fillRef idx="0">
+            <a:schemeClr val="accent1"/>
+          </a:fillRef>
+          <a:effectRef idx="0">
+            <a:schemeClr val="accent1"/>
+          </a:effectRef>
+          <a:fontRef idx="minor">
+            <a:schemeClr val="tx1"/>
+          </a:fontRef>
+        </p:style>
+      </p:cxnSp>
+      <p:sp>
+        <p:nvSpPr>
+          <p:cNvPr id="308" name="Rectángulo 307" descr="Nodo de cuarto nivel&#10;" title="Nodo04"/>
+          <p:cNvSpPr/>
+          <p:nvPr/>
+        </p:nvSpPr>
+        <p:spPr>
+          <a:xfrm>
+            <a:off x="1004238" y="5146826"/>
+            <a:ext cx="744515" cy="488131"/>
+          </a:xfrm>
+          <a:prstGeom prst="rect">
+            <a:avLst/>
+          </a:prstGeom>
+          <a:noFill/>
+          <a:ln>
+            <a:solidFill>
+              <a:schemeClr val="tx1"/>
+            </a:solidFill>
+          </a:ln>
+        </p:spPr>
+        <p:style>
+          <a:lnRef idx="2">
+            <a:schemeClr val="accent6"/>
+          </a:lnRef>
+          <a:fillRef idx="1">
+            <a:schemeClr val="lt1"/>
+          </a:fillRef>
+          <a:effectRef idx="0">
+            <a:schemeClr val="accent6"/>
+          </a:effectRef>
+          <a:fontRef idx="minor">
+            <a:schemeClr val="dk1"/>
+          </a:fontRef>
+        </p:style>
+        <p:txBody>
+          <a:bodyPr rtlCol="0" anchor="ctr"/>
+          <a:lstStyle/>
+          <a:p>
+            <a:pPr algn="ctr"/>
+            <a:r>
+              <a:rPr lang="es-ES" sz="800" dirty="0" smtClean="0">
+                <a:solidFill>
+                  <a:schemeClr val="tx1"/>
+                </a:solidFill>
+                <a:latin typeface="Arial" panose="020B0604020202020204" pitchFamily="34" charset="0"/>
+                <a:cs typeface="Arial" panose="020B0604020202020204" pitchFamily="34" charset="0"/>
+              </a:rPr>
+              <a:t>cero es múltiplo de todos los números</a:t>
+            </a:r>
+            <a:endParaRPr lang="es-ES" sz="800" dirty="0">
+              <a:solidFill>
+                <a:schemeClr val="tx1"/>
+              </a:solidFill>
+              <a:latin typeface="Arial" panose="020B0604020202020204" pitchFamily="34" charset="0"/>
+              <a:cs typeface="Arial" panose="020B0604020202020204" pitchFamily="34" charset="0"/>
+            </a:endParaRPr>
+          </a:p>
+        </p:txBody>
+      </p:sp>
+      <p:cxnSp>
+        <p:nvCxnSpPr>
+          <p:cNvPr id="310" name="Conector angular 309"/>
+          <p:cNvCxnSpPr/>
+          <p:nvPr/>
+        </p:nvCxnSpPr>
+        <p:spPr>
+          <a:xfrm rot="10800000" flipV="1">
+            <a:off x="464570" y="5038032"/>
+            <a:ext cx="1234089" cy="99252"/>
+          </a:xfrm>
+          <a:prstGeom prst="bentConnector3">
+            <a:avLst>
+              <a:gd name="adj1" fmla="val 100134"/>
+            </a:avLst>
+          </a:prstGeom>
+          <a:ln w="12700">
+            <a:solidFill>
+              <a:schemeClr val="tx1"/>
+            </a:solidFill>
+          </a:ln>
+        </p:spPr>
+        <p:style>
+          <a:lnRef idx="1">
+            <a:schemeClr val="accent1"/>
+          </a:lnRef>
+          <a:fillRef idx="0">
+            <a:schemeClr val="accent1"/>
+          </a:fillRef>
+          <a:effectRef idx="0">
+            <a:schemeClr val="accent1"/>
+          </a:effectRef>
+          <a:fontRef idx="minor">
+            <a:schemeClr val="tx1"/>
+          </a:fontRef>
+        </p:style>
+      </p:cxnSp>
+      <p:cxnSp>
+        <p:nvCxnSpPr>
+          <p:cNvPr id="336" name="Conector angular 335"/>
+          <p:cNvCxnSpPr/>
+          <p:nvPr/>
+        </p:nvCxnSpPr>
+        <p:spPr>
+          <a:xfrm>
+            <a:off x="4726554" y="1865924"/>
+            <a:ext cx="1799423" cy="110748"/>
+          </a:xfrm>
+          <a:prstGeom prst="bentConnector3">
+            <a:avLst>
+              <a:gd name="adj1" fmla="val 91288"/>
+            </a:avLst>
+          </a:prstGeom>
+          <a:ln w="12700">
+            <a:solidFill>
+              <a:schemeClr val="tx1"/>
+            </a:solidFill>
+          </a:ln>
+        </p:spPr>
+        <p:style>
+          <a:lnRef idx="1">
+            <a:schemeClr val="accent1"/>
+          </a:lnRef>
+          <a:fillRef idx="0">
+            <a:schemeClr val="accent1"/>
+          </a:fillRef>
+          <a:effectRef idx="0">
+            <a:schemeClr val="accent1"/>
+          </a:effectRef>
+          <a:fontRef idx="minor">
+            <a:schemeClr val="tx1"/>
+          </a:fontRef>
+        </p:style>
+      </p:cxnSp>
+      <p:sp>
+        <p:nvSpPr>
+          <p:cNvPr id="111" name="CuadroTexto 110" descr="Conector entre nodos" title="conector"/>
+          <p:cNvSpPr txBox="1"/>
+          <p:nvPr/>
+        </p:nvSpPr>
+        <p:spPr>
+          <a:xfrm>
+            <a:off x="4107032" y="566860"/>
+            <a:ext cx="1243579" cy="230832"/>
+          </a:xfrm>
+          <a:prstGeom prst="rect">
+            <a:avLst/>
+          </a:prstGeom>
+          <a:noFill/>
+        </p:spPr>
+        <p:txBody>
+          <a:bodyPr wrap="square" rtlCol="0">
+            <a:spAutoFit/>
+          </a:bodyPr>
+          <a:lstStyle/>
+          <a:p>
+            <a:pPr algn="ctr"/>
+            <a:r>
+              <a:rPr lang="es-ES" sz="900" dirty="0">
+                <a:latin typeface="Arial" panose="020B0604020202020204" pitchFamily="34" charset="0"/>
+                <a:cs typeface="Arial" panose="020B0604020202020204" pitchFamily="34" charset="0"/>
+              </a:rPr>
+              <a:t>p</a:t>
+            </a:r>
+            <a:r>
+              <a:rPr lang="es-ES" sz="900" dirty="0" smtClean="0">
+                <a:latin typeface="Arial" panose="020B0604020202020204" pitchFamily="34" charset="0"/>
+                <a:cs typeface="Arial" panose="020B0604020202020204" pitchFamily="34" charset="0"/>
+              </a:rPr>
+              <a:t>ermite </a:t>
+            </a:r>
+            <a:r>
+              <a:rPr lang="es-ES" sz="900" dirty="0" smtClean="0">
+                <a:latin typeface="Arial" panose="020B0604020202020204" pitchFamily="34" charset="0"/>
+                <a:cs typeface="Arial" panose="020B0604020202020204" pitchFamily="34" charset="0"/>
+              </a:rPr>
+              <a:t>definir</a:t>
+            </a:r>
+            <a:endParaRPr lang="es-ES" sz="900" dirty="0">
+              <a:latin typeface="Arial" panose="020B0604020202020204" pitchFamily="34" charset="0"/>
+              <a:cs typeface="Arial" panose="020B0604020202020204" pitchFamily="34" charset="0"/>
+            </a:endParaRPr>
+          </a:p>
+        </p:txBody>
+      </p:sp>
+      <p:sp>
+        <p:nvSpPr>
+          <p:cNvPr id="117" name="Rectángulo 116" descr="Nodo de primer nivel" title="Nodo01"/>
+          <p:cNvSpPr/>
+          <p:nvPr/>
+        </p:nvSpPr>
+        <p:spPr>
+          <a:xfrm>
+            <a:off x="3790825" y="928839"/>
+            <a:ext cx="2026543" cy="439782"/>
           </a:xfrm>
           <a:prstGeom prst="rect">
             <a:avLst/>
@@ -1122,70 +2026,36 @@
           <a:p>
             <a:pPr algn="ctr"/>
             <a:r>
-              <a:rPr lang="es-ES" sz="1200" b="1" dirty="0" smtClean="0"/>
-              <a:t>M</a:t>
-            </a:r>
-            <a:r>
-              <a:rPr lang="es-ES" sz="1200" b="1" dirty="0" smtClean="0"/>
-              <a:t>últiplos de un número </a:t>
-            </a:r>
-            <a:r>
-              <a:rPr lang="es-ES" sz="1200" b="1" i="1" dirty="0" smtClean="0"/>
-              <a:t>t</a:t>
-            </a:r>
-            <a:endParaRPr lang="es-ES" sz="1200" b="1" i="1" dirty="0"/>
+              <a:rPr lang="es-ES" sz="1200" b="1" dirty="0" smtClean="0">
+                <a:latin typeface="Arial" panose="020B0604020202020204" pitchFamily="34" charset="0"/>
+                <a:cs typeface="Arial" panose="020B0604020202020204" pitchFamily="34" charset="0"/>
+              </a:rPr>
+              <a:t>Relaciones </a:t>
+            </a:r>
+            <a:r>
+              <a:rPr lang="es-ES" sz="1200" b="1" dirty="0" smtClean="0">
+                <a:latin typeface="Arial" panose="020B0604020202020204" pitchFamily="34" charset="0"/>
+                <a:cs typeface="Arial" panose="020B0604020202020204" pitchFamily="34" charset="0"/>
+              </a:rPr>
+              <a:t>multiplicativas</a:t>
+            </a:r>
+            <a:endParaRPr lang="es-ES" sz="1200" b="1" dirty="0">
+              <a:latin typeface="Arial" panose="020B0604020202020204" pitchFamily="34" charset="0"/>
+              <a:cs typeface="Arial" panose="020B0604020202020204" pitchFamily="34" charset="0"/>
+            </a:endParaRPr>
           </a:p>
         </p:txBody>
       </p:sp>
-      <p:cxnSp>
-        <p:nvCxnSpPr>
-          <p:cNvPr id="12" name="Conector angular 11"/>
-          <p:cNvCxnSpPr>
-            <a:stCxn id="4" idx="2"/>
-          </p:cNvCxnSpPr>
-          <p:nvPr/>
-        </p:nvCxnSpPr>
-        <p:spPr>
-          <a:xfrm rot="5400000">
-            <a:off x="2682274" y="-756300"/>
-            <a:ext cx="764921" cy="3373726"/>
-          </a:xfrm>
-          <a:prstGeom prst="bentConnector3">
-            <a:avLst>
-              <a:gd name="adj1" fmla="val 45573"/>
-            </a:avLst>
-          </a:prstGeom>
-          <a:ln w="12700">
-            <a:solidFill>
-              <a:schemeClr val="tx1"/>
-            </a:solidFill>
-          </a:ln>
-        </p:spPr>
-        <p:style>
-          <a:lnRef idx="1">
-            <a:schemeClr val="accent1"/>
-          </a:lnRef>
-          <a:fillRef idx="0">
-            <a:schemeClr val="accent1"/>
-          </a:fillRef>
-          <a:effectRef idx="0">
-            <a:schemeClr val="accent1"/>
-          </a:effectRef>
-          <a:fontRef idx="minor">
-            <a:schemeClr val="tx1"/>
-          </a:fontRef>
-        </p:style>
-      </p:cxnSp>
       <p:sp>
         <p:nvSpPr>
-          <p:cNvPr id="19" name="CuadroTexto 18" descr="Conector entre nodos" title="conector"/>
+          <p:cNvPr id="124" name="CuadroTexto 123" descr="Conector entre nodos" title="conector"/>
           <p:cNvSpPr txBox="1"/>
           <p:nvPr/>
         </p:nvSpPr>
         <p:spPr>
           <a:xfrm>
-            <a:off x="820160" y="1830159"/>
-            <a:ext cx="1122431" cy="230832"/>
+            <a:off x="4107032" y="1493919"/>
+            <a:ext cx="1243579" cy="230832"/>
           </a:xfrm>
           <a:prstGeom prst="rect">
             <a:avLst/>
@@ -1200,238 +2070,29 @@
           <a:p>
             <a:pPr algn="ctr"/>
             <a:r>
-              <a:rPr lang="es-ES" sz="900" dirty="0" smtClean="0"/>
-              <a:t>es</a:t>
-            </a:r>
-            <a:endParaRPr lang="es-ES" sz="900" dirty="0"/>
-          </a:p>
-        </p:txBody>
-      </p:sp>
-      <p:cxnSp>
-        <p:nvCxnSpPr>
-          <p:cNvPr id="31" name="Conector angular 30"/>
-          <p:cNvCxnSpPr>
-            <a:stCxn id="5" idx="2"/>
-            <a:endCxn id="19" idx="0"/>
-          </p:cNvCxnSpPr>
-          <p:nvPr/>
-        </p:nvCxnSpPr>
-        <p:spPr>
-          <a:xfrm rot="16200000" flipH="1">
-            <a:off x="1337412" y="1786194"/>
-            <a:ext cx="85581" cy="2348"/>
-          </a:xfrm>
-          <a:prstGeom prst="bentConnector3">
-            <a:avLst>
-              <a:gd name="adj1" fmla="val 50000"/>
-            </a:avLst>
-          </a:prstGeom>
-          <a:ln w="12700">
-            <a:solidFill>
-              <a:schemeClr val="tx1"/>
-            </a:solidFill>
-          </a:ln>
-        </p:spPr>
-        <p:style>
-          <a:lnRef idx="1">
-            <a:schemeClr val="accent1"/>
-          </a:lnRef>
-          <a:fillRef idx="0">
-            <a:schemeClr val="accent1"/>
-          </a:fillRef>
-          <a:effectRef idx="0">
-            <a:schemeClr val="accent1"/>
-          </a:effectRef>
-          <a:fontRef idx="minor">
-            <a:schemeClr val="tx1"/>
-          </a:fontRef>
-        </p:style>
-      </p:cxnSp>
-      <p:sp>
-        <p:nvSpPr>
-          <p:cNvPr id="44" name="Rectángulo 43" descr="Nodo de segundo nivel" title="Nodo02"/>
-          <p:cNvSpPr/>
-          <p:nvPr/>
-        </p:nvSpPr>
-        <p:spPr>
-          <a:xfrm>
-            <a:off x="819001" y="2204020"/>
-            <a:ext cx="1373865" cy="564580"/>
-          </a:xfrm>
-          <a:prstGeom prst="rect">
-            <a:avLst/>
-          </a:prstGeom>
-          <a:solidFill>
-            <a:schemeClr val="bg2">
-              <a:lumMod val="50000"/>
-            </a:schemeClr>
-          </a:solidFill>
-          <a:ln>
-            <a:solidFill>
-              <a:schemeClr val="tx1"/>
-            </a:solidFill>
-          </a:ln>
-        </p:spPr>
-        <p:style>
-          <a:lnRef idx="2">
-            <a:schemeClr val="accent6"/>
-          </a:lnRef>
-          <a:fillRef idx="1">
-            <a:schemeClr val="lt1"/>
-          </a:fillRef>
-          <a:effectRef idx="0">
-            <a:schemeClr val="accent6"/>
-          </a:effectRef>
-          <a:fontRef idx="minor">
-            <a:schemeClr val="dk1"/>
-          </a:fontRef>
-        </p:style>
-        <p:txBody>
-          <a:bodyPr rtlCol="0" anchor="ctr"/>
-          <a:lstStyle/>
-          <a:p>
-            <a:pPr algn="ctr"/>
-            <a:r>
-              <a:rPr lang="es-ES" sz="1050" dirty="0" smtClean="0">
-                <a:solidFill>
-                  <a:schemeClr val="bg1"/>
-                </a:solidFill>
-              </a:rPr>
-              <a:t>Conjunto formado por:</a:t>
-            </a:r>
-          </a:p>
-          <a:p>
-            <a:pPr algn="ctr"/>
-            <a:r>
-              <a:rPr lang="en-US" sz="1050" i="1" dirty="0">
-                <a:solidFill>
-                  <a:schemeClr val="bg1"/>
-                </a:solidFill>
-              </a:rPr>
-              <a:t>t</a:t>
-            </a:r>
-            <a:r>
-              <a:rPr lang="es-ES" sz="1050" dirty="0" smtClean="0">
-                <a:solidFill>
-                  <a:schemeClr val="bg1"/>
-                </a:solidFill>
-              </a:rPr>
-              <a:t> × 0, </a:t>
-            </a:r>
-            <a:r>
-              <a:rPr lang="en-US" sz="1050" i="1" dirty="0">
-                <a:solidFill>
-                  <a:schemeClr val="bg1"/>
-                </a:solidFill>
-              </a:rPr>
-              <a:t>t</a:t>
-            </a:r>
-            <a:r>
-              <a:rPr lang="es-ES" sz="1050" dirty="0">
-                <a:solidFill>
-                  <a:schemeClr val="bg1"/>
-                </a:solidFill>
-              </a:rPr>
-              <a:t> × </a:t>
-            </a:r>
-            <a:r>
-              <a:rPr lang="es-ES" sz="1050" dirty="0" smtClean="0">
-                <a:solidFill>
-                  <a:schemeClr val="bg1"/>
-                </a:solidFill>
-              </a:rPr>
-              <a:t>1, </a:t>
-            </a:r>
-            <a:r>
-              <a:rPr lang="en-US" sz="1050" i="1" dirty="0">
-                <a:solidFill>
-                  <a:schemeClr val="bg1"/>
-                </a:solidFill>
-              </a:rPr>
-              <a:t>t</a:t>
-            </a:r>
-            <a:r>
-              <a:rPr lang="es-ES" sz="1050" dirty="0">
-                <a:solidFill>
-                  <a:schemeClr val="bg1"/>
-                </a:solidFill>
-              </a:rPr>
-              <a:t> × </a:t>
-            </a:r>
-            <a:r>
-              <a:rPr lang="es-ES" sz="1050" dirty="0" smtClean="0">
-                <a:solidFill>
-                  <a:schemeClr val="bg1"/>
-                </a:solidFill>
-              </a:rPr>
-              <a:t>2, </a:t>
-            </a:r>
-            <a:r>
-              <a:rPr lang="en-US" sz="1050" dirty="0" smtClean="0">
-                <a:solidFill>
-                  <a:schemeClr val="bg1"/>
-                </a:solidFill>
-              </a:rPr>
-              <a:t>…</a:t>
-            </a:r>
-            <a:endParaRPr lang="es-ES" sz="1050" dirty="0">
-              <a:solidFill>
-                <a:schemeClr val="bg1"/>
-              </a:solidFill>
+              <a:rPr lang="es-ES" sz="900" dirty="0" smtClean="0">
+                <a:latin typeface="Arial" panose="020B0604020202020204" pitchFamily="34" charset="0"/>
+                <a:cs typeface="Arial" panose="020B0604020202020204" pitchFamily="34" charset="0"/>
+              </a:rPr>
+              <a:t>tales como </a:t>
+            </a:r>
+            <a:endParaRPr lang="es-ES" sz="900" dirty="0">
+              <a:latin typeface="Arial" panose="020B0604020202020204" pitchFamily="34" charset="0"/>
+              <a:cs typeface="Arial" panose="020B0604020202020204" pitchFamily="34" charset="0"/>
             </a:endParaRPr>
           </a:p>
         </p:txBody>
       </p:sp>
-      <p:cxnSp>
-        <p:nvCxnSpPr>
-          <p:cNvPr id="45" name="Conector angular 44"/>
-          <p:cNvCxnSpPr>
-            <a:stCxn id="19" idx="2"/>
-            <a:endCxn id="44" idx="0"/>
-          </p:cNvCxnSpPr>
-          <p:nvPr/>
-        </p:nvCxnSpPr>
-        <p:spPr>
-          <a:xfrm rot="16200000" flipH="1">
-            <a:off x="1372141" y="2070226"/>
-            <a:ext cx="143029" cy="124558"/>
-          </a:xfrm>
-          <a:prstGeom prst="bentConnector3">
-            <a:avLst>
-              <a:gd name="adj1" fmla="val 50000"/>
-            </a:avLst>
-          </a:prstGeom>
-          <a:ln w="12700">
-            <a:solidFill>
-              <a:schemeClr val="tx1"/>
-            </a:solidFill>
-          </a:ln>
-        </p:spPr>
-        <p:style>
-          <a:lnRef idx="1">
-            <a:schemeClr val="accent1"/>
-          </a:lnRef>
-          <a:fillRef idx="0">
-            <a:schemeClr val="accent1"/>
-          </a:fillRef>
-          <a:effectRef idx="0">
-            <a:schemeClr val="accent1"/>
-          </a:effectRef>
-          <a:fontRef idx="minor">
-            <a:schemeClr val="tx1"/>
-          </a:fontRef>
-        </p:style>
-      </p:cxnSp>
       <p:sp>
         <p:nvSpPr>
-          <p:cNvPr id="67" name="CuadroTexto 66" descr="Conector entre nodos" title="conector"/>
+          <p:cNvPr id="135" name="CuadroTexto 134" descr="Conector entre nodos" title="conector"/>
           <p:cNvSpPr txBox="1"/>
           <p:nvPr/>
         </p:nvSpPr>
         <p:spPr>
           <a:xfrm>
-            <a:off x="847312" y="2793418"/>
-            <a:ext cx="1117174" cy="230836"/>
+            <a:off x="585749" y="3858288"/>
+            <a:ext cx="998751" cy="230832"/>
           </a:xfrm>
           <a:prstGeom prst="rect">
             <a:avLst/>
@@ -1446,85 +2107,29 @@
           <a:p>
             <a:pPr algn="ctr"/>
             <a:r>
-              <a:rPr lang="es-ES" sz="900" dirty="0" smtClean="0"/>
-              <a:t>cumple</a:t>
-            </a:r>
-            <a:endParaRPr lang="es-ES" sz="900" dirty="0"/>
-          </a:p>
-        </p:txBody>
-      </p:sp>
-      <p:sp>
-        <p:nvSpPr>
-          <p:cNvPr id="72" name="Rectángulo 71" descr="Nodo de tercer nivel" title="Nodo03"/>
-          <p:cNvSpPr/>
-          <p:nvPr/>
-        </p:nvSpPr>
-        <p:spPr>
-          <a:xfrm>
-            <a:off x="820160" y="3230783"/>
-            <a:ext cx="1122431" cy="343441"/>
-          </a:xfrm>
-          <a:prstGeom prst="rect">
-            <a:avLst/>
-          </a:prstGeom>
-          <a:solidFill>
-            <a:schemeClr val="bg2">
-              <a:lumMod val="90000"/>
-            </a:schemeClr>
-          </a:solidFill>
-          <a:ln>
-            <a:solidFill>
-              <a:schemeClr val="tx1"/>
-            </a:solidFill>
-          </a:ln>
-        </p:spPr>
-        <p:style>
-          <a:lnRef idx="2">
-            <a:schemeClr val="accent6"/>
-          </a:lnRef>
-          <a:fillRef idx="1">
-            <a:schemeClr val="lt1"/>
-          </a:fillRef>
-          <a:effectRef idx="0">
-            <a:schemeClr val="accent6"/>
-          </a:effectRef>
-          <a:fontRef idx="minor">
-            <a:schemeClr val="dk1"/>
-          </a:fontRef>
-        </p:style>
-        <p:txBody>
-          <a:bodyPr rtlCol="0" anchor="ctr"/>
-          <a:lstStyle/>
-          <a:p>
-            <a:pPr algn="ctr"/>
-            <a:r>
               <a:rPr lang="es-ES" sz="900" dirty="0" smtClean="0">
-                <a:solidFill>
-                  <a:schemeClr val="tx1"/>
-                </a:solidFill>
-              </a:rPr>
-              <a:t>Propiedades</a:t>
+                <a:latin typeface="Arial" panose="020B0604020202020204" pitchFamily="34" charset="0"/>
+                <a:cs typeface="Arial" panose="020B0604020202020204" pitchFamily="34" charset="0"/>
+              </a:rPr>
+              <a:t>cumplen </a:t>
             </a:r>
             <a:endParaRPr lang="es-ES" sz="900" dirty="0">
-              <a:solidFill>
-                <a:schemeClr val="tx1"/>
-              </a:solidFill>
+              <a:latin typeface="Arial" panose="020B0604020202020204" pitchFamily="34" charset="0"/>
+              <a:cs typeface="Arial" panose="020B0604020202020204" pitchFamily="34" charset="0"/>
             </a:endParaRPr>
           </a:p>
         </p:txBody>
       </p:sp>
       <p:cxnSp>
         <p:nvCxnSpPr>
-          <p:cNvPr id="76" name="Conector angular 75"/>
-          <p:cNvCxnSpPr>
-            <a:endCxn id="72" idx="0"/>
-          </p:cNvCxnSpPr>
+          <p:cNvPr id="136" name="Conector angular 135"/>
+          <p:cNvCxnSpPr/>
           <p:nvPr/>
         </p:nvCxnSpPr>
         <p:spPr>
-          <a:xfrm rot="16200000" flipH="1">
-            <a:off x="1309423" y="3158829"/>
-            <a:ext cx="143029" cy="877"/>
+          <a:xfrm rot="5400000">
+            <a:off x="1826802" y="3752458"/>
+            <a:ext cx="143025" cy="876"/>
           </a:xfrm>
           <a:prstGeom prst="bentConnector3">
             <a:avLst>
@@ -1552,156 +2157,16 @@
           </a:fontRef>
         </p:style>
       </p:cxnSp>
-      <p:cxnSp>
-        <p:nvCxnSpPr>
-          <p:cNvPr id="254" name="Conector angular 253"/>
-          <p:cNvCxnSpPr/>
-          <p:nvPr/>
-        </p:nvCxnSpPr>
-        <p:spPr>
-          <a:xfrm rot="16200000" flipV="1">
-            <a:off x="1318867" y="6643096"/>
-            <a:ext cx="122687" cy="2332"/>
-          </a:xfrm>
-          <a:prstGeom prst="bentConnector3">
-            <a:avLst>
-              <a:gd name="adj1" fmla="val 50000"/>
-            </a:avLst>
-          </a:prstGeom>
-          <a:ln w="12700">
-            <a:solidFill>
-              <a:schemeClr val="tx1"/>
-            </a:solidFill>
-          </a:ln>
-        </p:spPr>
-        <p:style>
-          <a:lnRef idx="1">
-            <a:schemeClr val="accent1"/>
-          </a:lnRef>
-          <a:fillRef idx="0">
-            <a:schemeClr val="accent1"/>
-          </a:fillRef>
-          <a:effectRef idx="0">
-            <a:schemeClr val="accent1"/>
-          </a:effectRef>
-          <a:fontRef idx="minor">
-            <a:schemeClr val="tx1"/>
-          </a:fontRef>
-        </p:style>
-      </p:cxnSp>
       <p:sp>
         <p:nvSpPr>
-          <p:cNvPr id="335" name="Rectángulo 334" descr="Nodo de primer nivel" title="Nodo01"/>
-          <p:cNvSpPr/>
+          <p:cNvPr id="139" name="CuadroTexto 138" descr="Conector entre nodos" title="conector"/>
+          <p:cNvSpPr txBox="1"/>
           <p:nvPr/>
         </p:nvSpPr>
         <p:spPr>
           <a:xfrm>
-            <a:off x="4905779" y="1253996"/>
-            <a:ext cx="1124746" cy="439782"/>
-          </a:xfrm>
-          <a:prstGeom prst="rect">
-            <a:avLst/>
-          </a:prstGeom>
-          <a:solidFill>
-            <a:schemeClr val="bg1"/>
-          </a:solidFill>
-          <a:ln>
-            <a:solidFill>
-              <a:schemeClr val="tx1"/>
-            </a:solidFill>
-          </a:ln>
-          <a:effectLst>
-            <a:outerShdw blurRad="50800" dist="38100" dir="2700000" algn="tl" rotWithShape="0">
-              <a:prstClr val="black">
-                <a:alpha val="40000"/>
-              </a:prstClr>
-            </a:outerShdw>
-          </a:effectLst>
-        </p:spPr>
-        <p:style>
-          <a:lnRef idx="2">
-            <a:schemeClr val="accent6"/>
-          </a:lnRef>
-          <a:fillRef idx="1">
-            <a:schemeClr val="lt1"/>
-          </a:fillRef>
-          <a:effectRef idx="0">
-            <a:schemeClr val="accent6"/>
-          </a:effectRef>
-          <a:fontRef idx="minor">
-            <a:schemeClr val="dk1"/>
-          </a:fontRef>
-        </p:style>
-        <p:txBody>
-          <a:bodyPr rtlCol="0" anchor="ctr"/>
-          <a:lstStyle/>
-          <a:p>
-            <a:pPr algn="ctr"/>
-            <a:r>
-              <a:rPr lang="es-ES" sz="1200" b="1" dirty="0" smtClean="0"/>
-              <a:t>Divisores de un n</a:t>
-            </a:r>
-            <a:r>
-              <a:rPr lang="es-ES" sz="1200" b="1" dirty="0" smtClean="0"/>
-              <a:t>úmero </a:t>
-            </a:r>
-            <a:r>
-              <a:rPr lang="es-ES" sz="1200" b="1" i="1" dirty="0" smtClean="0"/>
-              <a:t>t</a:t>
-            </a:r>
-            <a:endParaRPr lang="es-ES" sz="1200" b="1" i="1" dirty="0"/>
-          </a:p>
-        </p:txBody>
-      </p:sp>
-      <p:cxnSp>
-        <p:nvCxnSpPr>
-          <p:cNvPr id="336" name="Conector angular 335"/>
-          <p:cNvCxnSpPr>
-            <a:stCxn id="4" idx="2"/>
-            <a:endCxn id="335" idx="0"/>
-          </p:cNvCxnSpPr>
-          <p:nvPr/>
-        </p:nvCxnSpPr>
-        <p:spPr>
-          <a:xfrm rot="16200000" flipH="1">
-            <a:off x="4756928" y="542771"/>
-            <a:ext cx="705893" cy="716555"/>
-          </a:xfrm>
-          <a:prstGeom prst="bentConnector3">
-            <a:avLst/>
-          </a:prstGeom>
-          <a:ln w="12700">
-            <a:solidFill>
-              <a:schemeClr val="tx1"/>
-            </a:solidFill>
-          </a:ln>
-        </p:spPr>
-        <p:style>
-          <a:lnRef idx="1">
-            <a:schemeClr val="accent1"/>
-          </a:lnRef>
-          <a:fillRef idx="0">
-            <a:schemeClr val="accent1"/>
-          </a:fillRef>
-          <a:effectRef idx="0">
-            <a:schemeClr val="accent1"/>
-          </a:effectRef>
-          <a:fontRef idx="minor">
-            <a:schemeClr val="tx1"/>
-          </a:fontRef>
-        </p:style>
-      </p:cxnSp>
-      <p:sp>
-        <p:nvSpPr>
-          <p:cNvPr id="337" name="CuadroTexto 336" descr="Conector entre nodos" title="conector"/>
-          <p:cNvSpPr txBox="1"/>
-          <p:nvPr/>
-        </p:nvSpPr>
-        <p:spPr>
-          <a:xfrm>
-            <a:off x="4909284" y="1779359"/>
-            <a:ext cx="1122431" cy="230832"/>
+            <a:off x="1262677" y="2623176"/>
+            <a:ext cx="1222439" cy="230832"/>
           </a:xfrm>
           <a:prstGeom prst="rect">
             <a:avLst/>
@@ -1716,149 +2181,36 @@
           <a:p>
             <a:pPr algn="ctr"/>
             <a:r>
-              <a:rPr lang="es-ES" sz="900" dirty="0" smtClean="0"/>
-              <a:t>es</a:t>
-            </a:r>
-            <a:endParaRPr lang="es-ES" sz="900" dirty="0"/>
-          </a:p>
-        </p:txBody>
-      </p:sp>
-      <p:cxnSp>
-        <p:nvCxnSpPr>
-          <p:cNvPr id="338" name="Conector angular 337"/>
-          <p:cNvCxnSpPr>
-            <a:stCxn id="335" idx="2"/>
-            <a:endCxn id="337" idx="0"/>
-          </p:cNvCxnSpPr>
-          <p:nvPr/>
-        </p:nvCxnSpPr>
-        <p:spPr>
-          <a:xfrm rot="16200000" flipH="1">
-            <a:off x="5426536" y="1735394"/>
-            <a:ext cx="85581" cy="2348"/>
-          </a:xfrm>
-          <a:prstGeom prst="bentConnector3">
-            <a:avLst>
-              <a:gd name="adj1" fmla="val 50000"/>
-            </a:avLst>
-          </a:prstGeom>
-          <a:ln w="12700">
-            <a:solidFill>
-              <a:schemeClr val="tx1"/>
-            </a:solidFill>
-          </a:ln>
-        </p:spPr>
-        <p:style>
-          <a:lnRef idx="1">
-            <a:schemeClr val="accent1"/>
-          </a:lnRef>
-          <a:fillRef idx="0">
-            <a:schemeClr val="accent1"/>
-          </a:fillRef>
-          <a:effectRef idx="0">
-            <a:schemeClr val="accent1"/>
-          </a:effectRef>
-          <a:fontRef idx="minor">
-            <a:schemeClr val="tx1"/>
-          </a:fontRef>
-        </p:style>
-      </p:cxnSp>
-      <p:sp>
-        <p:nvSpPr>
-          <p:cNvPr id="339" name="Rectángulo 338" descr="Nodo de segundo nivel" title="Nodo02"/>
-          <p:cNvSpPr/>
-          <p:nvPr/>
-        </p:nvSpPr>
-        <p:spPr>
-          <a:xfrm>
-            <a:off x="4514426" y="2153220"/>
-            <a:ext cx="2267374" cy="357473"/>
-          </a:xfrm>
-          <a:prstGeom prst="rect">
-            <a:avLst/>
-          </a:prstGeom>
-          <a:solidFill>
-            <a:schemeClr val="bg2">
-              <a:lumMod val="50000"/>
-            </a:schemeClr>
-          </a:solidFill>
-          <a:ln>
-            <a:solidFill>
-              <a:schemeClr val="tx1"/>
-            </a:solidFill>
-          </a:ln>
-        </p:spPr>
-        <p:style>
-          <a:lnRef idx="2">
-            <a:schemeClr val="accent6"/>
-          </a:lnRef>
-          <a:fillRef idx="1">
-            <a:schemeClr val="lt1"/>
-          </a:fillRef>
-          <a:effectRef idx="0">
-            <a:schemeClr val="accent6"/>
-          </a:effectRef>
-          <a:fontRef idx="minor">
-            <a:schemeClr val="dk1"/>
-          </a:fontRef>
-        </p:style>
-        <p:txBody>
-          <a:bodyPr rtlCol="0" anchor="ctr"/>
-          <a:lstStyle/>
-          <a:p>
-            <a:pPr algn="ctr"/>
-            <a:r>
-              <a:rPr lang="es-ES" sz="1050" dirty="0" smtClean="0">
-                <a:solidFill>
-                  <a:schemeClr val="bg1"/>
-                </a:solidFill>
-              </a:rPr>
-              <a:t>Conjunto formado por los n</a:t>
-            </a:r>
-            <a:r>
-              <a:rPr lang="es-ES" sz="1050" dirty="0" smtClean="0">
-                <a:solidFill>
-                  <a:schemeClr val="bg1"/>
-                </a:solidFill>
-              </a:rPr>
-              <a:t>úmeros que dividen a t</a:t>
-            </a:r>
-            <a:r>
-              <a:rPr lang="es-ES" sz="1050" i="1" dirty="0" smtClean="0">
-                <a:solidFill>
-                  <a:schemeClr val="bg1"/>
-                </a:solidFill>
-              </a:rPr>
-              <a:t> </a:t>
-            </a:r>
-            <a:r>
-              <a:rPr lang="es-ES" sz="1050" dirty="0" smtClean="0">
-                <a:solidFill>
-                  <a:schemeClr val="bg1"/>
-                </a:solidFill>
-              </a:rPr>
-              <a:t>exactamente</a:t>
-            </a:r>
-            <a:endParaRPr lang="es-ES" sz="1050" dirty="0">
-              <a:solidFill>
-                <a:schemeClr val="bg1"/>
-              </a:solidFill>
+              <a:rPr lang="es-ES" sz="900" dirty="0" smtClean="0">
+                <a:latin typeface="Arial" panose="020B0604020202020204" pitchFamily="34" charset="0"/>
+                <a:cs typeface="Arial" panose="020B0604020202020204" pitchFamily="34" charset="0"/>
+              </a:rPr>
+              <a:t>que corresponde </a:t>
+            </a:r>
+            <a:r>
+              <a:rPr lang="es-ES" sz="900" dirty="0" smtClean="0">
+                <a:latin typeface="Arial" panose="020B0604020202020204" pitchFamily="34" charset="0"/>
+                <a:cs typeface="Arial" panose="020B0604020202020204" pitchFamily="34" charset="0"/>
+              </a:rPr>
+              <a:t>a </a:t>
+            </a:r>
+            <a:endParaRPr lang="es-ES" sz="900" dirty="0">
+              <a:latin typeface="Arial" panose="020B0604020202020204" pitchFamily="34" charset="0"/>
+              <a:cs typeface="Arial" panose="020B0604020202020204" pitchFamily="34" charset="0"/>
             </a:endParaRPr>
           </a:p>
         </p:txBody>
       </p:sp>
       <p:cxnSp>
         <p:nvCxnSpPr>
-          <p:cNvPr id="340" name="Conector angular 339"/>
-          <p:cNvCxnSpPr>
-            <a:stCxn id="337" idx="2"/>
-          </p:cNvCxnSpPr>
+          <p:cNvPr id="140" name="Conector angular 139"/>
+          <p:cNvCxnSpPr/>
           <p:nvPr/>
         </p:nvCxnSpPr>
         <p:spPr>
           <a:xfrm rot="5400000">
-            <a:off x="5398893" y="2081612"/>
-            <a:ext cx="143029" cy="187"/>
+            <a:off x="1827679" y="2585145"/>
+            <a:ext cx="143025" cy="876"/>
           </a:xfrm>
           <a:prstGeom prst="bentConnector3">
             <a:avLst>
@@ -1886,16 +2238,148 @@
           </a:fontRef>
         </p:style>
       </p:cxnSp>
+      <p:cxnSp>
+        <p:nvCxnSpPr>
+          <p:cNvPr id="141" name="Conector angular 140"/>
+          <p:cNvCxnSpPr/>
+          <p:nvPr/>
+        </p:nvCxnSpPr>
+        <p:spPr>
+          <a:xfrm rot="16200000" flipH="1">
+            <a:off x="1827677" y="2931086"/>
+            <a:ext cx="143029" cy="877"/>
+          </a:xfrm>
+          <a:prstGeom prst="bentConnector3">
+            <a:avLst>
+              <a:gd name="adj1" fmla="val 9114"/>
+            </a:avLst>
+          </a:prstGeom>
+          <a:ln w="12700">
+            <a:solidFill>
+              <a:schemeClr val="tx1"/>
+            </a:solidFill>
+          </a:ln>
+        </p:spPr>
+        <p:style>
+          <a:lnRef idx="1">
+            <a:schemeClr val="accent1"/>
+          </a:lnRef>
+          <a:fillRef idx="0">
+            <a:schemeClr val="accent1"/>
+          </a:fillRef>
+          <a:effectRef idx="0">
+            <a:schemeClr val="accent1"/>
+          </a:effectRef>
+          <a:fontRef idx="minor">
+            <a:schemeClr val="tx1"/>
+          </a:fontRef>
+        </p:style>
+      </p:cxnSp>
       <p:sp>
         <p:nvSpPr>
-          <p:cNvPr id="341" name="CuadroTexto 340" descr="Conector entre nodos" title="conector"/>
+          <p:cNvPr id="142" name="Rectángulo 141" descr="Nodo de cuarto nivel&#10;" title="Nodo04"/>
+          <p:cNvSpPr/>
+          <p:nvPr/>
+        </p:nvSpPr>
+        <p:spPr>
+          <a:xfrm>
+            <a:off x="1952897" y="5148046"/>
+            <a:ext cx="895772" cy="486911"/>
+          </a:xfrm>
+          <a:prstGeom prst="rect">
+            <a:avLst/>
+          </a:prstGeom>
+          <a:noFill/>
+          <a:ln>
+            <a:solidFill>
+              <a:schemeClr val="tx1"/>
+            </a:solidFill>
+          </a:ln>
+        </p:spPr>
+        <p:style>
+          <a:lnRef idx="2">
+            <a:schemeClr val="accent6"/>
+          </a:lnRef>
+          <a:fillRef idx="1">
+            <a:schemeClr val="lt1"/>
+          </a:fillRef>
+          <a:effectRef idx="0">
+            <a:schemeClr val="accent6"/>
+          </a:effectRef>
+          <a:fontRef idx="minor">
+            <a:schemeClr val="dk1"/>
+          </a:fontRef>
+        </p:style>
+        <p:txBody>
+          <a:bodyPr rtlCol="0" anchor="ctr"/>
+          <a:lstStyle/>
+          <a:p>
+            <a:pPr algn="ctr"/>
+            <a:r>
+              <a:rPr lang="es-ES" sz="800" dirty="0" smtClean="0">
+                <a:solidFill>
+                  <a:schemeClr val="tx1"/>
+                </a:solidFill>
+                <a:latin typeface="Arial" panose="020B0604020202020204" pitchFamily="34" charset="0"/>
+                <a:cs typeface="Arial" panose="020B0604020202020204" pitchFamily="34" charset="0"/>
+              </a:rPr>
+              <a:t>los múltiplos de un número son infinitos</a:t>
+            </a:r>
+            <a:endParaRPr lang="es-ES" sz="800" dirty="0">
+              <a:solidFill>
+                <a:schemeClr val="tx1"/>
+              </a:solidFill>
+              <a:latin typeface="Arial" panose="020B0604020202020204" pitchFamily="34" charset="0"/>
+              <a:cs typeface="Arial" panose="020B0604020202020204" pitchFamily="34" charset="0"/>
+            </a:endParaRPr>
+          </a:p>
+        </p:txBody>
+      </p:sp>
+      <p:cxnSp>
+        <p:nvCxnSpPr>
+          <p:cNvPr id="143" name="Conector angular 142"/>
+          <p:cNvCxnSpPr/>
+          <p:nvPr/>
+        </p:nvCxnSpPr>
+        <p:spPr>
+          <a:xfrm>
+            <a:off x="1698659" y="5037234"/>
+            <a:ext cx="702266" cy="105986"/>
+          </a:xfrm>
+          <a:prstGeom prst="bentConnector2">
+            <a:avLst/>
+          </a:prstGeom>
+          <a:ln w="12700">
+            <a:solidFill>
+              <a:schemeClr val="tx1"/>
+            </a:solidFill>
+          </a:ln>
+        </p:spPr>
+        <p:style>
+          <a:lnRef idx="1">
+            <a:schemeClr val="accent1"/>
+          </a:lnRef>
+          <a:fillRef idx="0">
+            <a:schemeClr val="accent1"/>
+          </a:fillRef>
+          <a:effectRef idx="0">
+            <a:schemeClr val="accent1"/>
+          </a:effectRef>
+          <a:fontRef idx="minor">
+            <a:schemeClr val="tx1"/>
+          </a:fontRef>
+        </p:style>
+      </p:cxnSp>
+      <p:sp>
+        <p:nvSpPr>
+          <p:cNvPr id="152" name="CuadroTexto 151" descr="Conector entre nodos" title="conector"/>
           <p:cNvSpPr txBox="1"/>
           <p:nvPr/>
         </p:nvSpPr>
         <p:spPr>
           <a:xfrm>
-            <a:off x="4911036" y="2653718"/>
-            <a:ext cx="1117174" cy="230836"/>
+            <a:off x="2622438" y="3843779"/>
+            <a:ext cx="894796" cy="230836"/>
           </a:xfrm>
           <a:prstGeom prst="rect">
             <a:avLst/>
@@ -1910,33 +2394,29 @@
           <a:p>
             <a:pPr algn="ctr"/>
             <a:r>
-              <a:rPr lang="en-US" sz="900" dirty="0"/>
-              <a:t>t</a:t>
-            </a:r>
-            <a:r>
-              <a:rPr lang="es-ES" sz="900" dirty="0" err="1" smtClean="0"/>
-              <a:t>eniendo</a:t>
-            </a:r>
-            <a:r>
-              <a:rPr lang="es-ES" sz="900" dirty="0" smtClean="0"/>
-              <a:t> en cuenta</a:t>
-            </a:r>
-            <a:endParaRPr lang="es-ES" sz="900" dirty="0"/>
+              <a:rPr lang="es-ES" sz="900" dirty="0" smtClean="0">
+                <a:latin typeface="Arial" panose="020B0604020202020204" pitchFamily="34" charset="0"/>
+                <a:cs typeface="Arial" panose="020B0604020202020204" pitchFamily="34" charset="0"/>
+              </a:rPr>
+              <a:t>se establece</a:t>
+            </a:r>
+            <a:endParaRPr lang="es-ES" sz="900" dirty="0">
+              <a:latin typeface="Arial" panose="020B0604020202020204" pitchFamily="34" charset="0"/>
+              <a:cs typeface="Arial" panose="020B0604020202020204" pitchFamily="34" charset="0"/>
+            </a:endParaRPr>
           </a:p>
         </p:txBody>
       </p:sp>
       <p:cxnSp>
         <p:nvCxnSpPr>
-          <p:cNvPr id="342" name="Conector angular 341"/>
-          <p:cNvCxnSpPr>
-            <a:endCxn id="341" idx="0"/>
-          </p:cNvCxnSpPr>
+          <p:cNvPr id="153" name="Conector angular 152"/>
+          <p:cNvCxnSpPr/>
           <p:nvPr/>
         </p:nvCxnSpPr>
         <p:spPr>
           <a:xfrm rot="5400000">
-            <a:off x="5398456" y="2581860"/>
-            <a:ext cx="143025" cy="690"/>
+            <a:off x="1328083" y="5087996"/>
+            <a:ext cx="97700" cy="876"/>
           </a:xfrm>
           <a:prstGeom prst="bentConnector3">
             <a:avLst>
@@ -1966,23 +2446,19 @@
       </p:cxnSp>
       <p:sp>
         <p:nvSpPr>
-          <p:cNvPr id="343" name="Rectángulo 342" descr="Nodo de tercer nivel" title="Nodo03"/>
+          <p:cNvPr id="155" name="Rectángulo 154" descr="Nodo de tercer nivel" title="Nodo03"/>
           <p:cNvSpPr/>
           <p:nvPr/>
         </p:nvSpPr>
         <p:spPr>
           <a:xfrm>
-            <a:off x="4452084" y="3027583"/>
-            <a:ext cx="1122431" cy="343441"/>
+            <a:off x="2564597" y="5778776"/>
+            <a:ext cx="1219242" cy="456108"/>
           </a:xfrm>
           <a:prstGeom prst="rect">
             <a:avLst/>
           </a:prstGeom>
-          <a:solidFill>
-            <a:schemeClr val="bg2">
-              <a:lumMod val="90000"/>
-            </a:schemeClr>
-          </a:solidFill>
+          <a:noFill/>
           <a:ln>
             <a:solidFill>
               <a:schemeClr val="tx1"/>
@@ -2009,97 +2485,154 @@
           <a:p>
             <a:pPr algn="ctr"/>
             <a:r>
-              <a:rPr lang="es-ES" sz="900" dirty="0" smtClean="0">
+              <a:rPr lang="es-ES" sz="750" dirty="0" smtClean="0">
                 <a:solidFill>
                   <a:schemeClr val="tx1"/>
                 </a:solidFill>
-              </a:rPr>
-              <a:t>N</a:t>
-            </a:r>
-            <a:r>
-              <a:rPr lang="es-ES" sz="900" dirty="0" smtClean="0">
+                <a:latin typeface="Arial" panose="020B0604020202020204" pitchFamily="34" charset="0"/>
+                <a:cs typeface="Arial" panose="020B0604020202020204" pitchFamily="34" charset="0"/>
+              </a:rPr>
+              <a:t>el </a:t>
+            </a:r>
+            <a:r>
+              <a:rPr lang="es-ES" sz="750" dirty="0" smtClean="0">
                 <a:solidFill>
                   <a:schemeClr val="tx1"/>
                 </a:solidFill>
-              </a:rPr>
-              <a:t>úmeros compuestos</a:t>
-            </a:r>
-            <a:endParaRPr lang="es-ES" sz="900" dirty="0">
+                <a:latin typeface="Arial" panose="020B0604020202020204" pitchFamily="34" charset="0"/>
+                <a:cs typeface="Arial" panose="020B0604020202020204" pitchFamily="34" charset="0"/>
+              </a:rPr>
+              <a:t>menor de los múltiplos comunes entre dos o más números </a:t>
+            </a:r>
+            <a:endParaRPr lang="es-ES" sz="750" dirty="0">
               <a:solidFill>
                 <a:schemeClr val="tx1"/>
               </a:solidFill>
+              <a:latin typeface="Arial" panose="020B0604020202020204" pitchFamily="34" charset="0"/>
+              <a:cs typeface="Arial" panose="020B0604020202020204" pitchFamily="34" charset="0"/>
+            </a:endParaRPr>
+          </a:p>
+        </p:txBody>
+      </p:sp>
+      <p:cxnSp>
+        <p:nvCxnSpPr>
+          <p:cNvPr id="167" name="Conector angular 166"/>
+          <p:cNvCxnSpPr/>
+          <p:nvPr/>
+        </p:nvCxnSpPr>
+        <p:spPr>
+          <a:xfrm rot="5400000">
+            <a:off x="959481" y="4145690"/>
+            <a:ext cx="143025" cy="876"/>
+          </a:xfrm>
+          <a:prstGeom prst="bentConnector3">
+            <a:avLst>
+              <a:gd name="adj1" fmla="val 50000"/>
+            </a:avLst>
+          </a:prstGeom>
+          <a:ln w="12700">
+            <a:solidFill>
+              <a:schemeClr val="tx1"/>
+            </a:solidFill>
+          </a:ln>
+        </p:spPr>
+        <p:style>
+          <a:lnRef idx="1">
+            <a:schemeClr val="accent1"/>
+          </a:lnRef>
+          <a:fillRef idx="0">
+            <a:schemeClr val="accent1"/>
+          </a:fillRef>
+          <a:effectRef idx="0">
+            <a:schemeClr val="accent1"/>
+          </a:effectRef>
+          <a:fontRef idx="minor">
+            <a:schemeClr val="tx1"/>
+          </a:fontRef>
+        </p:style>
+      </p:cxnSp>
+      <p:sp>
+        <p:nvSpPr>
+          <p:cNvPr id="171" name="Rectángulo 170" descr="Nodo de cuarto nivel&#10;" title="Nodo04"/>
+          <p:cNvSpPr/>
+          <p:nvPr/>
+        </p:nvSpPr>
+        <p:spPr>
+          <a:xfrm>
+            <a:off x="3867203" y="5410261"/>
+            <a:ext cx="672123" cy="536201"/>
+          </a:xfrm>
+          <a:prstGeom prst="rect">
+            <a:avLst/>
+          </a:prstGeom>
+          <a:solidFill>
+            <a:schemeClr val="bg1"/>
+          </a:solidFill>
+          <a:ln>
+            <a:solidFill>
+              <a:schemeClr val="tx1"/>
+            </a:solidFill>
+          </a:ln>
+        </p:spPr>
+        <p:style>
+          <a:lnRef idx="2">
+            <a:schemeClr val="accent6"/>
+          </a:lnRef>
+          <a:fillRef idx="1">
+            <a:schemeClr val="lt1"/>
+          </a:fillRef>
+          <a:effectRef idx="0">
+            <a:schemeClr val="accent6"/>
+          </a:effectRef>
+          <a:fontRef idx="minor">
+            <a:schemeClr val="dk1"/>
+          </a:fontRef>
+        </p:style>
+        <p:txBody>
+          <a:bodyPr rtlCol="0" anchor="ctr"/>
+          <a:lstStyle/>
+          <a:p>
+            <a:pPr algn="ctr"/>
+            <a:r>
+              <a:rPr lang="es-ES" sz="800" dirty="0" smtClean="0">
+                <a:solidFill>
+                  <a:schemeClr val="tx1"/>
+                </a:solidFill>
+                <a:latin typeface="Arial" panose="020B0604020202020204" pitchFamily="34" charset="0"/>
+                <a:cs typeface="Arial" panose="020B0604020202020204" pitchFamily="34" charset="0"/>
+              </a:rPr>
+              <a:t>todo </a:t>
+            </a:r>
+            <a:r>
+              <a:rPr lang="es-ES" sz="800" dirty="0" smtClean="0">
+                <a:solidFill>
+                  <a:schemeClr val="tx1"/>
+                </a:solidFill>
+                <a:latin typeface="Arial" panose="020B0604020202020204" pitchFamily="34" charset="0"/>
+                <a:cs typeface="Arial" panose="020B0604020202020204" pitchFamily="34" charset="0"/>
+              </a:rPr>
+              <a:t>número es divisor de sí mismo</a:t>
+            </a:r>
+            <a:endParaRPr lang="es-ES" sz="800" dirty="0">
+              <a:solidFill>
+                <a:schemeClr val="tx1"/>
+              </a:solidFill>
+              <a:latin typeface="Arial" panose="020B0604020202020204" pitchFamily="34" charset="0"/>
+              <a:cs typeface="Arial" panose="020B0604020202020204" pitchFamily="34" charset="0"/>
             </a:endParaRPr>
           </a:p>
         </p:txBody>
       </p:sp>
       <p:sp>
         <p:nvSpPr>
-          <p:cNvPr id="344" name="Rectángulo 343" descr="Nodo de cuarto nivel&#10;" title="Nodo04"/>
-          <p:cNvSpPr/>
+          <p:cNvPr id="172" name="CuadroTexto 171" descr="Conector entre nodos" title="conector"/>
+          <p:cNvSpPr txBox="1"/>
           <p:nvPr/>
         </p:nvSpPr>
         <p:spPr>
           <a:xfrm>
-            <a:off x="4299684" y="3891182"/>
-            <a:ext cx="1122431" cy="353519"/>
-          </a:xfrm>
-          <a:prstGeom prst="rect">
-            <a:avLst/>
-          </a:prstGeom>
-          <a:solidFill>
-            <a:schemeClr val="bg1"/>
-          </a:solidFill>
-          <a:ln>
-            <a:solidFill>
-              <a:schemeClr val="tx1"/>
-            </a:solidFill>
-          </a:ln>
-        </p:spPr>
-        <p:style>
-          <a:lnRef idx="2">
-            <a:schemeClr val="accent6"/>
-          </a:lnRef>
-          <a:fillRef idx="1">
-            <a:schemeClr val="lt1"/>
-          </a:fillRef>
-          <a:effectRef idx="0">
-            <a:schemeClr val="accent6"/>
-          </a:effectRef>
-          <a:fontRef idx="minor">
-            <a:schemeClr val="dk1"/>
-          </a:fontRef>
-        </p:style>
-        <p:txBody>
-          <a:bodyPr rtlCol="0" anchor="ctr"/>
-          <a:lstStyle/>
-          <a:p>
-            <a:pPr algn="ctr"/>
-            <a:r>
-              <a:rPr lang="es-ES" sz="900" dirty="0" smtClean="0">
-                <a:solidFill>
-                  <a:schemeClr val="tx1"/>
-                </a:solidFill>
-              </a:rPr>
-              <a:t>Criterios de divisibilidad</a:t>
-            </a:r>
-            <a:endParaRPr lang="es-ES" sz="900" dirty="0">
-              <a:solidFill>
-                <a:schemeClr val="tx1"/>
-              </a:solidFill>
-            </a:endParaRPr>
-          </a:p>
-        </p:txBody>
-      </p:sp>
-      <p:sp>
-        <p:nvSpPr>
-          <p:cNvPr id="346" name="CuadroTexto 345" descr="Conector entre nodos" title="conector"/>
-          <p:cNvSpPr txBox="1"/>
-          <p:nvPr/>
-        </p:nvSpPr>
-        <p:spPr>
-          <a:xfrm>
-            <a:off x="4339537" y="3507699"/>
-            <a:ext cx="1117174" cy="230832"/>
+            <a:off x="4375954" y="4562279"/>
+            <a:ext cx="1117174" cy="215444"/>
           </a:xfrm>
           <a:prstGeom prst="rect">
             <a:avLst/>
@@ -2114,103 +2647,101 @@
           <a:p>
             <a:pPr algn="ctr"/>
             <a:r>
-              <a:rPr lang="en-US" sz="900" dirty="0"/>
-              <a:t>s</a:t>
-            </a:r>
-            <a:r>
-              <a:rPr lang="es-ES" sz="900" dirty="0" smtClean="0"/>
-              <a:t>e usan</a:t>
-            </a:r>
-            <a:endParaRPr lang="es-ES" sz="900" dirty="0"/>
+              <a:rPr lang="es-ES" sz="800" dirty="0" smtClean="0">
+                <a:latin typeface="Arial" panose="020B0604020202020204" pitchFamily="34" charset="0"/>
+                <a:cs typeface="Arial" panose="020B0604020202020204" pitchFamily="34" charset="0"/>
+              </a:rPr>
+              <a:t>como</a:t>
+            </a:r>
+            <a:endParaRPr lang="es-ES" sz="800" dirty="0">
+              <a:latin typeface="Arial" panose="020B0604020202020204" pitchFamily="34" charset="0"/>
+              <a:cs typeface="Arial" panose="020B0604020202020204" pitchFamily="34" charset="0"/>
+            </a:endParaRPr>
           </a:p>
         </p:txBody>
       </p:sp>
-      <p:cxnSp>
-        <p:nvCxnSpPr>
-          <p:cNvPr id="347" name="Conector angular 346"/>
-          <p:cNvCxnSpPr>
-            <a:stCxn id="341" idx="2"/>
-          </p:cNvCxnSpPr>
-          <p:nvPr/>
-        </p:nvCxnSpPr>
-        <p:spPr>
-          <a:xfrm rot="5400000">
-            <a:off x="5081048" y="2639007"/>
-            <a:ext cx="143029" cy="634123"/>
-          </a:xfrm>
-          <a:prstGeom prst="bentConnector3">
-            <a:avLst>
-              <a:gd name="adj1" fmla="val 50000"/>
-            </a:avLst>
-          </a:prstGeom>
-          <a:ln w="12700">
-            <a:solidFill>
-              <a:schemeClr val="tx1"/>
-            </a:solidFill>
-          </a:ln>
-        </p:spPr>
-        <p:style>
-          <a:lnRef idx="1">
-            <a:schemeClr val="accent1"/>
-          </a:lnRef>
-          <a:fillRef idx="0">
-            <a:schemeClr val="accent1"/>
-          </a:fillRef>
-          <a:effectRef idx="0">
-            <a:schemeClr val="accent1"/>
-          </a:effectRef>
-          <a:fontRef idx="minor">
-            <a:schemeClr val="tx1"/>
-          </a:fontRef>
-        </p:style>
-      </p:cxnSp>
-      <p:cxnSp>
-        <p:nvCxnSpPr>
-          <p:cNvPr id="349" name="Conector angular 348"/>
-          <p:cNvCxnSpPr/>
-          <p:nvPr/>
-        </p:nvCxnSpPr>
-        <p:spPr>
-          <a:xfrm rot="16200000" flipH="1">
-            <a:off x="4796837" y="3814418"/>
-            <a:ext cx="152651" cy="876"/>
-          </a:xfrm>
-          <a:prstGeom prst="bentConnector3">
-            <a:avLst>
-              <a:gd name="adj1" fmla="val 50000"/>
-            </a:avLst>
-          </a:prstGeom>
-          <a:ln w="12700">
-            <a:solidFill>
-              <a:schemeClr val="tx1"/>
-            </a:solidFill>
-          </a:ln>
-        </p:spPr>
-        <p:style>
-          <a:lnRef idx="1">
-            <a:schemeClr val="accent1"/>
-          </a:lnRef>
-          <a:fillRef idx="0">
-            <a:schemeClr val="accent1"/>
-          </a:fillRef>
-          <a:effectRef idx="0">
-            <a:schemeClr val="accent1"/>
-          </a:effectRef>
-          <a:fontRef idx="minor">
-            <a:schemeClr val="tx1"/>
-          </a:fontRef>
-        </p:style>
-      </p:cxnSp>
       <p:sp>
         <p:nvSpPr>
-          <p:cNvPr id="111" name="CuadroTexto 360" descr="Conector entre nodos" title="conector"/>
+          <p:cNvPr id="176" name="Rectángulo 175" descr="Nodo de cuarto nivel&#10;" title="Nodo04"/>
+          <p:cNvSpPr/>
+          <p:nvPr/>
+        </p:nvSpPr>
+        <p:spPr>
+          <a:xfrm>
+            <a:off x="4625520" y="5814820"/>
+            <a:ext cx="646249" cy="576405"/>
+          </a:xfrm>
+          <a:prstGeom prst="rect">
+            <a:avLst/>
+          </a:prstGeom>
+          <a:solidFill>
+            <a:schemeClr val="bg1"/>
+          </a:solidFill>
+          <a:ln>
+            <a:solidFill>
+              <a:schemeClr val="tx1"/>
+            </a:solidFill>
+          </a:ln>
+        </p:spPr>
+        <p:style>
+          <a:lnRef idx="2">
+            <a:schemeClr val="accent6"/>
+          </a:lnRef>
+          <a:fillRef idx="1">
+            <a:schemeClr val="lt1"/>
+          </a:fillRef>
+          <a:effectRef idx="0">
+            <a:schemeClr val="accent6"/>
+          </a:effectRef>
+          <a:fontRef idx="minor">
+            <a:schemeClr val="dk1"/>
+          </a:fontRef>
+        </p:style>
+        <p:txBody>
+          <a:bodyPr rtlCol="0" anchor="ctr"/>
+          <a:lstStyle/>
+          <a:p>
+            <a:pPr algn="ctr"/>
+            <a:r>
+              <a:rPr lang="es-ES" sz="800" dirty="0" smtClean="0">
+                <a:solidFill>
+                  <a:schemeClr val="tx1"/>
+                </a:solidFill>
+                <a:latin typeface="Arial" panose="020B0604020202020204" pitchFamily="34" charset="0"/>
+                <a:cs typeface="Arial" panose="020B0604020202020204" pitchFamily="34" charset="0"/>
+              </a:rPr>
+              <a:t>uno </a:t>
+            </a:r>
+            <a:r>
+              <a:rPr lang="es-ES" sz="800" dirty="0" smtClean="0">
+                <a:solidFill>
+                  <a:schemeClr val="tx1"/>
+                </a:solidFill>
+                <a:latin typeface="Arial" panose="020B0604020202020204" pitchFamily="34" charset="0"/>
+                <a:cs typeface="Arial" panose="020B0604020202020204" pitchFamily="34" charset="0"/>
+              </a:rPr>
+              <a:t>es divisor de todos los números</a:t>
+            </a:r>
+            <a:endParaRPr lang="es-ES" sz="800" dirty="0">
+              <a:solidFill>
+                <a:schemeClr val="tx1"/>
+              </a:solidFill>
+              <a:latin typeface="Arial" panose="020B0604020202020204" pitchFamily="34" charset="0"/>
+              <a:cs typeface="Arial" panose="020B0604020202020204" pitchFamily="34" charset="0"/>
+            </a:endParaRPr>
+          </a:p>
+        </p:txBody>
+      </p:sp>
+      <p:sp>
+        <p:nvSpPr>
+          <p:cNvPr id="178" name="CuadroTexto 177" descr="Conector entre nodos" title="conector"/>
           <p:cNvSpPr txBox="1"/>
           <p:nvPr/>
         </p:nvSpPr>
         <p:spPr>
           <a:xfrm>
-            <a:off x="4186153" y="608651"/>
-            <a:ext cx="1122431" cy="230832"/>
+            <a:off x="4490176" y="3800266"/>
+            <a:ext cx="941455" cy="215444"/>
           </a:xfrm>
           <a:prstGeom prst="rect">
             <a:avLst/>
@@ -2225,100 +2756,32 @@
           <a:p>
             <a:pPr algn="ctr"/>
             <a:r>
-              <a:rPr lang="en-US" sz="900" dirty="0"/>
-              <a:t>s</a:t>
-            </a:r>
-            <a:r>
-              <a:rPr lang="es-ES" sz="900" dirty="0" smtClean="0"/>
-              <a:t>e estudian</a:t>
-            </a:r>
-            <a:endParaRPr lang="es-ES" sz="900" dirty="0"/>
-          </a:p>
-        </p:txBody>
-      </p:sp>
-      <p:sp>
-        <p:nvSpPr>
-          <p:cNvPr id="145" name="Rectángulo 342" descr="Nodo de tercer nivel" title="Nodo03"/>
-          <p:cNvSpPr/>
-          <p:nvPr/>
-        </p:nvSpPr>
-        <p:spPr>
-          <a:xfrm>
-            <a:off x="5658584" y="3027583"/>
-            <a:ext cx="1122431" cy="343441"/>
-          </a:xfrm>
-          <a:prstGeom prst="rect">
-            <a:avLst/>
-          </a:prstGeom>
-          <a:solidFill>
-            <a:schemeClr val="bg2">
-              <a:lumMod val="90000"/>
-            </a:schemeClr>
-          </a:solidFill>
-          <a:ln>
-            <a:solidFill>
-              <a:schemeClr val="tx1"/>
-            </a:solidFill>
-          </a:ln>
-        </p:spPr>
-        <p:style>
-          <a:lnRef idx="2">
-            <a:schemeClr val="accent6"/>
-          </a:lnRef>
-          <a:fillRef idx="1">
-            <a:schemeClr val="lt1"/>
-          </a:fillRef>
-          <a:effectRef idx="0">
-            <a:schemeClr val="accent6"/>
-          </a:effectRef>
-          <a:fontRef idx="minor">
-            <a:schemeClr val="dk1"/>
-          </a:fontRef>
-        </p:style>
-        <p:txBody>
-          <a:bodyPr rtlCol="0" anchor="ctr"/>
-          <a:lstStyle/>
-          <a:p>
-            <a:pPr algn="ctr"/>
-            <a:r>
-              <a:rPr lang="es-ES" sz="900" dirty="0" smtClean="0">
-                <a:solidFill>
-                  <a:schemeClr val="tx1"/>
-                </a:solidFill>
-              </a:rPr>
-              <a:t>N</a:t>
-            </a:r>
-            <a:r>
-              <a:rPr lang="es-ES" sz="900" dirty="0" smtClean="0">
-                <a:solidFill>
-                  <a:schemeClr val="tx1"/>
-                </a:solidFill>
-              </a:rPr>
-              <a:t>úmeros primos</a:t>
-            </a:r>
-            <a:endParaRPr lang="es-ES" sz="900" dirty="0">
-              <a:solidFill>
-                <a:schemeClr val="tx1"/>
-              </a:solidFill>
+              <a:rPr lang="es-ES" sz="800" dirty="0" smtClean="0">
+                <a:latin typeface="Arial" panose="020B0604020202020204" pitchFamily="34" charset="0"/>
+                <a:cs typeface="Arial" panose="020B0604020202020204" pitchFamily="34" charset="0"/>
+              </a:rPr>
+              <a:t>cumplen</a:t>
+            </a:r>
+            <a:endParaRPr lang="es-ES" sz="800" dirty="0">
+              <a:latin typeface="Arial" panose="020B0604020202020204" pitchFamily="34" charset="0"/>
+              <a:cs typeface="Arial" panose="020B0604020202020204" pitchFamily="34" charset="0"/>
             </a:endParaRPr>
           </a:p>
         </p:txBody>
       </p:sp>
       <p:cxnSp>
         <p:nvCxnSpPr>
-          <p:cNvPr id="147" name="Conector angular 346"/>
+          <p:cNvPr id="179" name="Conector angular 178"/>
           <p:cNvCxnSpPr/>
           <p:nvPr/>
         </p:nvCxnSpPr>
         <p:spPr>
-          <a:xfrm>
-            <a:off x="5431525" y="2948054"/>
-            <a:ext cx="1020075" cy="176146"/>
-          </a:xfrm>
-          <a:prstGeom prst="bentConnector3">
-            <a:avLst>
-              <a:gd name="adj1" fmla="val 104780"/>
-            </a:avLst>
+          <a:xfrm rot="10800000" flipV="1">
+            <a:off x="4941786" y="3664531"/>
+            <a:ext cx="1534069" cy="170064"/>
+          </a:xfrm>
+          <a:prstGeom prst="bentConnector2">
+            <a:avLst/>
           </a:prstGeom>
           <a:ln w="12700">
             <a:solidFill>
@@ -2343,91 +2806,14 @@
       </p:cxnSp>
       <p:sp>
         <p:nvSpPr>
-          <p:cNvPr id="153" name="Rectángulo 4" descr="Nodo de primer nivel" title="Nodo01"/>
-          <p:cNvSpPr/>
+          <p:cNvPr id="180" name="CuadroTexto 179" descr="Conector entre nodos" title="conector"/>
+          <p:cNvSpPr txBox="1"/>
           <p:nvPr/>
         </p:nvSpPr>
         <p:spPr>
           <a:xfrm>
-            <a:off x="2670854" y="1304796"/>
-            <a:ext cx="1380445" cy="439782"/>
-          </a:xfrm>
-          <a:prstGeom prst="rect">
-            <a:avLst/>
-          </a:prstGeom>
-          <a:solidFill>
-            <a:schemeClr val="bg1"/>
-          </a:solidFill>
-          <a:ln>
-            <a:solidFill>
-              <a:schemeClr val="tx1"/>
-            </a:solidFill>
-          </a:ln>
-          <a:effectLst>
-            <a:outerShdw blurRad="50800" dist="38100" dir="2700000" algn="tl" rotWithShape="0">
-              <a:prstClr val="black">
-                <a:alpha val="40000"/>
-              </a:prstClr>
-            </a:outerShdw>
-          </a:effectLst>
-        </p:spPr>
-        <p:style>
-          <a:lnRef idx="2">
-            <a:schemeClr val="accent6"/>
-          </a:lnRef>
-          <a:fillRef idx="1">
-            <a:schemeClr val="lt1"/>
-          </a:fillRef>
-          <a:effectRef idx="0">
-            <a:schemeClr val="accent6"/>
-          </a:effectRef>
-          <a:fontRef idx="minor">
-            <a:schemeClr val="dk1"/>
-          </a:fontRef>
-        </p:style>
-        <p:txBody>
-          <a:bodyPr rtlCol="0" anchor="ctr"/>
-          <a:lstStyle/>
-          <a:p>
-            <a:pPr algn="ctr"/>
-            <a:r>
-              <a:rPr lang="es-ES" sz="1200" b="1" dirty="0" err="1" smtClean="0"/>
-              <a:t>m.c.m</a:t>
-            </a:r>
-            <a:r>
-              <a:rPr lang="es-ES" sz="1200" b="1" dirty="0" smtClean="0"/>
-              <a:t>. </a:t>
-            </a:r>
-            <a:r>
-              <a:rPr lang="en-US" sz="1200" b="1" dirty="0"/>
-              <a:t>e</a:t>
-            </a:r>
-            <a:r>
-              <a:rPr lang="es-ES" sz="1200" b="1" dirty="0" err="1" smtClean="0"/>
-              <a:t>ntre</a:t>
-            </a:r>
-            <a:r>
-              <a:rPr lang="es-ES" sz="1200" b="1" dirty="0" smtClean="0"/>
-              <a:t> varios n</a:t>
-            </a:r>
-            <a:r>
-              <a:rPr lang="es-ES" sz="1200" b="1" dirty="0" smtClean="0"/>
-              <a:t>úmeros</a:t>
-            </a:r>
-            <a:endParaRPr lang="es-ES" sz="1200" b="1" i="1" dirty="0"/>
-          </a:p>
-        </p:txBody>
-      </p:sp>
-      <p:sp>
-        <p:nvSpPr>
-          <p:cNvPr id="155" name="CuadroTexto 18" descr="Conector entre nodos" title="conector"/>
-          <p:cNvSpPr txBox="1"/>
-          <p:nvPr/>
-        </p:nvSpPr>
-        <p:spPr>
-          <a:xfrm>
-            <a:off x="2712460" y="1842859"/>
-            <a:ext cx="1122431" cy="230832"/>
+            <a:off x="5931256" y="2560938"/>
+            <a:ext cx="1211833" cy="230832"/>
           </a:xfrm>
           <a:prstGeom prst="rect">
             <a:avLst/>
@@ -2442,133 +2828,36 @@
           <a:p>
             <a:pPr algn="ctr"/>
             <a:r>
-              <a:rPr lang="es-ES" sz="900" dirty="0" smtClean="0"/>
-              <a:t>es</a:t>
-            </a:r>
-            <a:endParaRPr lang="es-ES" sz="900" dirty="0"/>
-          </a:p>
-        </p:txBody>
-      </p:sp>
-      <p:cxnSp>
-        <p:nvCxnSpPr>
-          <p:cNvPr id="156" name="Conector angular 30"/>
-          <p:cNvCxnSpPr>
-            <a:endCxn id="155" idx="0"/>
-          </p:cNvCxnSpPr>
-          <p:nvPr/>
-        </p:nvCxnSpPr>
-        <p:spPr>
-          <a:xfrm rot="16200000" flipH="1">
-            <a:off x="3229712" y="1798894"/>
-            <a:ext cx="85581" cy="2348"/>
-          </a:xfrm>
-          <a:prstGeom prst="bentConnector3">
-            <a:avLst>
-              <a:gd name="adj1" fmla="val 50000"/>
-            </a:avLst>
-          </a:prstGeom>
-          <a:ln w="12700">
-            <a:solidFill>
-              <a:schemeClr val="tx1"/>
-            </a:solidFill>
-          </a:ln>
-        </p:spPr>
-        <p:style>
-          <a:lnRef idx="1">
-            <a:schemeClr val="accent1"/>
-          </a:lnRef>
-          <a:fillRef idx="0">
-            <a:schemeClr val="accent1"/>
-          </a:fillRef>
-          <a:effectRef idx="0">
-            <a:schemeClr val="accent1"/>
-          </a:effectRef>
-          <a:fontRef idx="minor">
-            <a:schemeClr val="tx1"/>
-          </a:fontRef>
-        </p:style>
-      </p:cxnSp>
-      <p:sp>
-        <p:nvSpPr>
-          <p:cNvPr id="157" name="Rectángulo 43" descr="Nodo de segundo nivel" title="Nodo02"/>
-          <p:cNvSpPr/>
-          <p:nvPr/>
-        </p:nvSpPr>
-        <p:spPr>
-          <a:xfrm>
-            <a:off x="2711301" y="2216720"/>
-            <a:ext cx="1373865" cy="564580"/>
-          </a:xfrm>
-          <a:prstGeom prst="rect">
-            <a:avLst/>
-          </a:prstGeom>
-          <a:solidFill>
-            <a:schemeClr val="bg2">
-              <a:lumMod val="50000"/>
-            </a:schemeClr>
-          </a:solidFill>
-          <a:ln>
-            <a:solidFill>
-              <a:schemeClr val="tx1"/>
-            </a:solidFill>
-          </a:ln>
-        </p:spPr>
-        <p:style>
-          <a:lnRef idx="2">
-            <a:schemeClr val="accent6"/>
-          </a:lnRef>
-          <a:fillRef idx="1">
-            <a:schemeClr val="lt1"/>
-          </a:fillRef>
-          <a:effectRef idx="0">
-            <a:schemeClr val="accent6"/>
-          </a:effectRef>
-          <a:fontRef idx="minor">
-            <a:schemeClr val="dk1"/>
-          </a:fontRef>
-        </p:style>
-        <p:txBody>
-          <a:bodyPr rtlCol="0" anchor="ctr"/>
-          <a:lstStyle/>
-          <a:p>
-            <a:pPr algn="ctr"/>
-            <a:r>
-              <a:rPr lang="es-ES_tradnl" sz="1050" dirty="0" smtClean="0">
-                <a:solidFill>
-                  <a:schemeClr val="bg1"/>
-                </a:solidFill>
-              </a:rPr>
-              <a:t>El menor de los m</a:t>
-            </a:r>
-            <a:r>
-              <a:rPr lang="es-ES_tradnl" sz="1050" dirty="0" smtClean="0">
-                <a:solidFill>
-                  <a:schemeClr val="bg1"/>
-                </a:solidFill>
-              </a:rPr>
-              <a:t>últiplos comunes entre dichos números</a:t>
-            </a:r>
-            <a:endParaRPr lang="es-ES" sz="1050" dirty="0">
-              <a:solidFill>
-                <a:schemeClr val="bg1"/>
-              </a:solidFill>
+              <a:rPr lang="es-ES" sz="900" dirty="0" smtClean="0">
+                <a:latin typeface="Arial" panose="020B0604020202020204" pitchFamily="34" charset="0"/>
+                <a:cs typeface="Arial" panose="020B0604020202020204" pitchFamily="34" charset="0"/>
+              </a:rPr>
+              <a:t>que corresponde </a:t>
+            </a:r>
+            <a:r>
+              <a:rPr lang="es-ES" sz="900" dirty="0" smtClean="0">
+                <a:latin typeface="Arial" panose="020B0604020202020204" pitchFamily="34" charset="0"/>
+                <a:cs typeface="Arial" panose="020B0604020202020204" pitchFamily="34" charset="0"/>
+              </a:rPr>
+              <a:t>a </a:t>
+            </a:r>
+            <a:endParaRPr lang="es-ES" sz="900" dirty="0">
+              <a:latin typeface="Arial" panose="020B0604020202020204" pitchFamily="34" charset="0"/>
+              <a:cs typeface="Arial" panose="020B0604020202020204" pitchFamily="34" charset="0"/>
             </a:endParaRPr>
           </a:p>
         </p:txBody>
       </p:sp>
       <p:cxnSp>
         <p:nvCxnSpPr>
-          <p:cNvPr id="158" name="Conector angular 44"/>
-          <p:cNvCxnSpPr>
-            <a:stCxn id="155" idx="2"/>
-            <a:endCxn id="157" idx="0"/>
-          </p:cNvCxnSpPr>
+          <p:cNvPr id="181" name="Conector angular 180"/>
+          <p:cNvCxnSpPr/>
           <p:nvPr/>
         </p:nvCxnSpPr>
         <p:spPr>
-          <a:xfrm rot="16200000" flipH="1">
-            <a:off x="3264441" y="2082926"/>
-            <a:ext cx="143029" cy="124558"/>
+          <a:xfrm rot="5400000">
+            <a:off x="6285115" y="2545050"/>
+            <a:ext cx="143025" cy="876"/>
           </a:xfrm>
           <a:prstGeom prst="bentConnector3">
             <a:avLst>
@@ -2598,14 +2887,14 @@
       </p:cxnSp>
       <p:sp>
         <p:nvSpPr>
-          <p:cNvPr id="160" name="Rectángulo 4" descr="Nodo de primer nivel" title="Nodo01"/>
+          <p:cNvPr id="183" name="Rectángulo 182" descr="Nodo de cuarto nivel&#10;" title="Nodo04"/>
           <p:cNvSpPr/>
           <p:nvPr/>
         </p:nvSpPr>
         <p:spPr>
           <a:xfrm>
-            <a:off x="7306354" y="1203196"/>
-            <a:ext cx="1380445" cy="439782"/>
+            <a:off x="5475252" y="5427423"/>
+            <a:ext cx="805968" cy="576404"/>
           </a:xfrm>
           <a:prstGeom prst="rect">
             <a:avLst/>
@@ -2618,13 +2907,6 @@
               <a:schemeClr val="tx1"/>
             </a:solidFill>
           </a:ln>
-          <a:effectLst>
-            <a:outerShdw blurRad="50800" dist="38100" dir="2700000" algn="tl" rotWithShape="0">
-              <a:prstClr val="black">
-                <a:alpha val="40000"/>
-              </a:prstClr>
-            </a:outerShdw>
-          </a:effectLst>
         </p:spPr>
         <p:style>
           <a:lnRef idx="2">
@@ -2646,43 +2928,545 @@
           <a:p>
             <a:pPr algn="ctr"/>
             <a:r>
-              <a:rPr lang="es-ES" sz="1200" b="1" dirty="0" err="1" smtClean="0"/>
-              <a:t>m.c.d</a:t>
-            </a:r>
-            <a:r>
-              <a:rPr lang="es-ES" sz="1200" b="1" dirty="0" smtClean="0"/>
-              <a:t>. </a:t>
-            </a:r>
-            <a:r>
-              <a:rPr lang="en-US" sz="1200" b="1" dirty="0"/>
-              <a:t>e</a:t>
-            </a:r>
-            <a:r>
-              <a:rPr lang="es-ES" sz="1200" b="1" dirty="0" err="1" smtClean="0"/>
-              <a:t>ntre</a:t>
-            </a:r>
-            <a:r>
-              <a:rPr lang="es-ES" sz="1200" b="1" dirty="0" smtClean="0"/>
-              <a:t> varios n</a:t>
-            </a:r>
-            <a:r>
-              <a:rPr lang="es-ES" sz="1200" b="1" dirty="0" smtClean="0"/>
-              <a:t>úmeros</a:t>
-            </a:r>
-            <a:endParaRPr lang="es-ES" sz="1200" b="1" i="1" dirty="0"/>
+              <a:rPr lang="es-ES" sz="800" dirty="0" smtClean="0">
+                <a:solidFill>
+                  <a:schemeClr val="tx1"/>
+                </a:solidFill>
+                <a:latin typeface="Arial" panose="020B0604020202020204" pitchFamily="34" charset="0"/>
+                <a:cs typeface="Arial" panose="020B0604020202020204" pitchFamily="34" charset="0"/>
+              </a:rPr>
+              <a:t>los </a:t>
+            </a:r>
+            <a:r>
+              <a:rPr lang="es-ES" sz="800" dirty="0" smtClean="0">
+                <a:solidFill>
+                  <a:schemeClr val="tx1"/>
+                </a:solidFill>
+                <a:latin typeface="Arial" panose="020B0604020202020204" pitchFamily="34" charset="0"/>
+                <a:cs typeface="Arial" panose="020B0604020202020204" pitchFamily="34" charset="0"/>
+              </a:rPr>
+              <a:t>divisores de un número son finitos</a:t>
+            </a:r>
+            <a:endParaRPr lang="es-ES" sz="800" dirty="0">
+              <a:solidFill>
+                <a:schemeClr val="tx1"/>
+              </a:solidFill>
+              <a:latin typeface="Arial" panose="020B0604020202020204" pitchFamily="34" charset="0"/>
+              <a:cs typeface="Arial" panose="020B0604020202020204" pitchFamily="34" charset="0"/>
+            </a:endParaRPr>
+          </a:p>
+        </p:txBody>
+      </p:sp>
+      <p:cxnSp>
+        <p:nvCxnSpPr>
+          <p:cNvPr id="186" name="Conector angular 185"/>
+          <p:cNvCxnSpPr/>
+          <p:nvPr/>
+        </p:nvCxnSpPr>
+        <p:spPr>
+          <a:xfrm rot="5400000">
+            <a:off x="6285114" y="2824331"/>
+            <a:ext cx="143025" cy="876"/>
+          </a:xfrm>
+          <a:prstGeom prst="bentConnector3">
+            <a:avLst>
+              <a:gd name="adj1" fmla="val 50000"/>
+            </a:avLst>
+          </a:prstGeom>
+          <a:ln w="12700">
+            <a:solidFill>
+              <a:schemeClr val="tx1"/>
+            </a:solidFill>
+          </a:ln>
+        </p:spPr>
+        <p:style>
+          <a:lnRef idx="1">
+            <a:schemeClr val="accent1"/>
+          </a:lnRef>
+          <a:fillRef idx="0">
+            <a:schemeClr val="accent1"/>
+          </a:fillRef>
+          <a:effectRef idx="0">
+            <a:schemeClr val="accent1"/>
+          </a:effectRef>
+          <a:fontRef idx="minor">
+            <a:schemeClr val="tx1"/>
+          </a:fontRef>
+        </p:style>
+      </p:cxnSp>
+      <p:sp>
+        <p:nvSpPr>
+          <p:cNvPr id="187" name="Rectángulo 186" descr="Nodo de tercer nivel" title="Nodo03"/>
+          <p:cNvSpPr/>
+          <p:nvPr/>
+        </p:nvSpPr>
+        <p:spPr>
+          <a:xfrm>
+            <a:off x="5626907" y="4841695"/>
+            <a:ext cx="1234800" cy="374902"/>
+          </a:xfrm>
+          <a:prstGeom prst="rect">
+            <a:avLst/>
+          </a:prstGeom>
+          <a:noFill/>
+          <a:ln>
+            <a:solidFill>
+              <a:schemeClr val="tx1"/>
+            </a:solidFill>
+          </a:ln>
+        </p:spPr>
+        <p:style>
+          <a:lnRef idx="2">
+            <a:schemeClr val="accent6"/>
+          </a:lnRef>
+          <a:fillRef idx="1">
+            <a:schemeClr val="lt1"/>
+          </a:fillRef>
+          <a:effectRef idx="0">
+            <a:schemeClr val="accent6"/>
+          </a:effectRef>
+          <a:fontRef idx="minor">
+            <a:schemeClr val="dk1"/>
+          </a:fontRef>
+        </p:style>
+        <p:txBody>
+          <a:bodyPr rtlCol="0" anchor="ctr"/>
+          <a:lstStyle/>
+          <a:p>
+            <a:pPr algn="ctr"/>
+            <a:r>
+              <a:rPr lang="es-ES" sz="750" dirty="0" smtClean="0">
+                <a:solidFill>
+                  <a:schemeClr val="tx1"/>
+                </a:solidFill>
+                <a:latin typeface="Arial" panose="020B0604020202020204" pitchFamily="34" charset="0"/>
+                <a:cs typeface="Arial" panose="020B0604020202020204" pitchFamily="34" charset="0"/>
+              </a:rPr>
+              <a:t>el </a:t>
+            </a:r>
+            <a:r>
+              <a:rPr lang="es-ES" sz="750" dirty="0" smtClean="0">
+                <a:solidFill>
+                  <a:schemeClr val="tx1"/>
+                </a:solidFill>
+                <a:latin typeface="Arial" panose="020B0604020202020204" pitchFamily="34" charset="0"/>
+                <a:cs typeface="Arial" panose="020B0604020202020204" pitchFamily="34" charset="0"/>
+              </a:rPr>
+              <a:t>mayor de los divisores comunes entre dos o más números </a:t>
+            </a:r>
+            <a:endParaRPr lang="es-ES" sz="750" dirty="0">
+              <a:solidFill>
+                <a:schemeClr val="tx1"/>
+              </a:solidFill>
+              <a:latin typeface="Arial" panose="020B0604020202020204" pitchFamily="34" charset="0"/>
+              <a:cs typeface="Arial" panose="020B0604020202020204" pitchFamily="34" charset="0"/>
+            </a:endParaRPr>
+          </a:p>
+        </p:txBody>
+      </p:sp>
+      <p:cxnSp>
+        <p:nvCxnSpPr>
+          <p:cNvPr id="188" name="Conector angular 187"/>
+          <p:cNvCxnSpPr/>
+          <p:nvPr/>
+        </p:nvCxnSpPr>
+        <p:spPr>
+          <a:xfrm rot="5400000">
+            <a:off x="6284237" y="3613307"/>
+            <a:ext cx="143025" cy="876"/>
+          </a:xfrm>
+          <a:prstGeom prst="bentConnector3">
+            <a:avLst>
+              <a:gd name="adj1" fmla="val 50000"/>
+            </a:avLst>
+          </a:prstGeom>
+          <a:ln w="12700">
+            <a:solidFill>
+              <a:schemeClr val="tx1"/>
+            </a:solidFill>
+          </a:ln>
+        </p:spPr>
+        <p:style>
+          <a:lnRef idx="1">
+            <a:schemeClr val="accent1"/>
+          </a:lnRef>
+          <a:fillRef idx="0">
+            <a:schemeClr val="accent1"/>
+          </a:fillRef>
+          <a:effectRef idx="0">
+            <a:schemeClr val="accent1"/>
+          </a:effectRef>
+          <a:fontRef idx="minor">
+            <a:schemeClr val="tx1"/>
+          </a:fontRef>
+        </p:style>
+      </p:cxnSp>
+      <p:sp>
+        <p:nvSpPr>
+          <p:cNvPr id="194" name="Rectángulo 193" descr="Nodo de cuarto nivel&#10;" title="Nodo04"/>
+          <p:cNvSpPr/>
+          <p:nvPr/>
+        </p:nvSpPr>
+        <p:spPr>
+          <a:xfrm>
+            <a:off x="6904760" y="4122654"/>
+            <a:ext cx="812429" cy="353519"/>
+          </a:xfrm>
+          <a:prstGeom prst="rect">
+            <a:avLst/>
+          </a:prstGeom>
+          <a:noFill/>
+          <a:ln>
+            <a:solidFill>
+              <a:schemeClr val="tx1"/>
+            </a:solidFill>
+          </a:ln>
+        </p:spPr>
+        <p:style>
+          <a:lnRef idx="2">
+            <a:schemeClr val="accent6"/>
+          </a:lnRef>
+          <a:fillRef idx="1">
+            <a:schemeClr val="lt1"/>
+          </a:fillRef>
+          <a:effectRef idx="0">
+            <a:schemeClr val="accent6"/>
+          </a:effectRef>
+          <a:fontRef idx="minor">
+            <a:schemeClr val="dk1"/>
+          </a:fontRef>
+        </p:style>
+        <p:txBody>
+          <a:bodyPr rtlCol="0" anchor="ctr"/>
+          <a:lstStyle/>
+          <a:p>
+            <a:pPr algn="ctr"/>
+            <a:r>
+              <a:rPr lang="es-ES" sz="800" dirty="0" smtClean="0">
+                <a:solidFill>
+                  <a:schemeClr val="tx1"/>
+                </a:solidFill>
+                <a:latin typeface="Arial" panose="020B0604020202020204" pitchFamily="34" charset="0"/>
+                <a:cs typeface="Arial" panose="020B0604020202020204" pitchFamily="34" charset="0"/>
+              </a:rPr>
+              <a:t>criterios </a:t>
+            </a:r>
+            <a:r>
+              <a:rPr lang="es-ES" sz="800" dirty="0" smtClean="0">
+                <a:solidFill>
+                  <a:schemeClr val="tx1"/>
+                </a:solidFill>
+                <a:latin typeface="Arial" panose="020B0604020202020204" pitchFamily="34" charset="0"/>
+                <a:cs typeface="Arial" panose="020B0604020202020204" pitchFamily="34" charset="0"/>
+              </a:rPr>
+              <a:t>de divisibilidad</a:t>
+            </a:r>
+            <a:endParaRPr lang="es-ES" sz="800" dirty="0">
+              <a:solidFill>
+                <a:schemeClr val="tx1"/>
+              </a:solidFill>
+              <a:latin typeface="Arial" panose="020B0604020202020204" pitchFamily="34" charset="0"/>
+              <a:cs typeface="Arial" panose="020B0604020202020204" pitchFamily="34" charset="0"/>
+            </a:endParaRPr>
           </a:p>
         </p:txBody>
       </p:sp>
       <p:sp>
         <p:nvSpPr>
-          <p:cNvPr id="162" name="CuadroTexto 18" descr="Conector entre nodos" title="conector"/>
+          <p:cNvPr id="199" name="Rectángulo 198" descr="Nodo de cuarto nivel&#10;" title="Nodo04"/>
+          <p:cNvSpPr/>
+          <p:nvPr/>
+        </p:nvSpPr>
+        <p:spPr>
+          <a:xfrm>
+            <a:off x="7753036" y="4652290"/>
+            <a:ext cx="614563" cy="353519"/>
+          </a:xfrm>
+          <a:prstGeom prst="rect">
+            <a:avLst/>
+          </a:prstGeom>
+          <a:noFill/>
+          <a:ln>
+            <a:solidFill>
+              <a:schemeClr val="tx1"/>
+            </a:solidFill>
+          </a:ln>
+        </p:spPr>
+        <p:style>
+          <a:lnRef idx="2">
+            <a:schemeClr val="accent6"/>
+          </a:lnRef>
+          <a:fillRef idx="1">
+            <a:schemeClr val="lt1"/>
+          </a:fillRef>
+          <a:effectRef idx="0">
+            <a:schemeClr val="accent6"/>
+          </a:effectRef>
+          <a:fontRef idx="minor">
+            <a:schemeClr val="dk1"/>
+          </a:fontRef>
+        </p:style>
+        <p:txBody>
+          <a:bodyPr rtlCol="0" anchor="ctr"/>
+          <a:lstStyle/>
+          <a:p>
+            <a:pPr algn="ctr"/>
+            <a:r>
+              <a:rPr lang="es-ES" sz="800" dirty="0" smtClean="0">
+                <a:solidFill>
+                  <a:schemeClr val="tx1"/>
+                </a:solidFill>
+                <a:latin typeface="Arial" panose="020B0604020202020204" pitchFamily="34" charset="0"/>
+                <a:cs typeface="Arial" panose="020B0604020202020204" pitchFamily="34" charset="0"/>
+              </a:rPr>
+              <a:t>números </a:t>
+            </a:r>
+            <a:r>
+              <a:rPr lang="es-ES" sz="800" dirty="0" smtClean="0">
+                <a:solidFill>
+                  <a:schemeClr val="tx1"/>
+                </a:solidFill>
+                <a:latin typeface="Arial" panose="020B0604020202020204" pitchFamily="34" charset="0"/>
+                <a:cs typeface="Arial" panose="020B0604020202020204" pitchFamily="34" charset="0"/>
+              </a:rPr>
+              <a:t>primos </a:t>
+            </a:r>
+            <a:endParaRPr lang="es-ES" sz="800" dirty="0">
+              <a:solidFill>
+                <a:schemeClr val="tx1"/>
+              </a:solidFill>
+              <a:latin typeface="Arial" panose="020B0604020202020204" pitchFamily="34" charset="0"/>
+              <a:cs typeface="Arial" panose="020B0604020202020204" pitchFamily="34" charset="0"/>
+            </a:endParaRPr>
+          </a:p>
+        </p:txBody>
+      </p:sp>
+      <p:sp>
+        <p:nvSpPr>
+          <p:cNvPr id="201" name="Rectángulo 200" descr="Nodo de cuarto nivel&#10;" title="Nodo04"/>
+          <p:cNvSpPr/>
+          <p:nvPr/>
+        </p:nvSpPr>
+        <p:spPr>
+          <a:xfrm>
+            <a:off x="8270154" y="4081125"/>
+            <a:ext cx="802464" cy="353519"/>
+          </a:xfrm>
+          <a:prstGeom prst="rect">
+            <a:avLst/>
+          </a:prstGeom>
+          <a:noFill/>
+          <a:ln>
+            <a:solidFill>
+              <a:schemeClr val="tx1"/>
+            </a:solidFill>
+          </a:ln>
+        </p:spPr>
+        <p:style>
+          <a:lnRef idx="2">
+            <a:schemeClr val="accent6"/>
+          </a:lnRef>
+          <a:fillRef idx="1">
+            <a:schemeClr val="lt1"/>
+          </a:fillRef>
+          <a:effectRef idx="0">
+            <a:schemeClr val="accent6"/>
+          </a:effectRef>
+          <a:fontRef idx="minor">
+            <a:schemeClr val="dk1"/>
+          </a:fontRef>
+        </p:style>
+        <p:txBody>
+          <a:bodyPr rtlCol="0" anchor="ctr"/>
+          <a:lstStyle/>
+          <a:p>
+            <a:pPr algn="ctr"/>
+            <a:r>
+              <a:rPr lang="es-ES" sz="800" dirty="0" smtClean="0">
+                <a:solidFill>
+                  <a:schemeClr val="tx1"/>
+                </a:solidFill>
+                <a:latin typeface="Arial" panose="020B0604020202020204" pitchFamily="34" charset="0"/>
+                <a:cs typeface="Arial" panose="020B0604020202020204" pitchFamily="34" charset="0"/>
+              </a:rPr>
+              <a:t>números </a:t>
+            </a:r>
+            <a:r>
+              <a:rPr lang="es-ES" sz="800" dirty="0" smtClean="0">
+                <a:solidFill>
+                  <a:schemeClr val="tx1"/>
+                </a:solidFill>
+                <a:latin typeface="Arial" panose="020B0604020202020204" pitchFamily="34" charset="0"/>
+                <a:cs typeface="Arial" panose="020B0604020202020204" pitchFamily="34" charset="0"/>
+              </a:rPr>
+              <a:t>compuestos</a:t>
+            </a:r>
+            <a:endParaRPr lang="es-ES" sz="800" dirty="0">
+              <a:solidFill>
+                <a:schemeClr val="tx1"/>
+              </a:solidFill>
+              <a:latin typeface="Arial" panose="020B0604020202020204" pitchFamily="34" charset="0"/>
+              <a:cs typeface="Arial" panose="020B0604020202020204" pitchFamily="34" charset="0"/>
+            </a:endParaRPr>
+          </a:p>
+        </p:txBody>
+      </p:sp>
+      <p:cxnSp>
+        <p:nvCxnSpPr>
+          <p:cNvPr id="84" name="Conector angular 83"/>
+          <p:cNvCxnSpPr/>
+          <p:nvPr/>
+        </p:nvCxnSpPr>
+        <p:spPr>
+          <a:xfrm rot="5400000">
+            <a:off x="4863467" y="4524587"/>
+            <a:ext cx="143025" cy="876"/>
+          </a:xfrm>
+          <a:prstGeom prst="bentConnector3">
+            <a:avLst>
+              <a:gd name="adj1" fmla="val 50000"/>
+            </a:avLst>
+          </a:prstGeom>
+          <a:ln w="12700">
+            <a:solidFill>
+              <a:schemeClr val="tx1"/>
+            </a:solidFill>
+          </a:ln>
+        </p:spPr>
+        <p:style>
+          <a:lnRef idx="1">
+            <a:schemeClr val="accent1"/>
+          </a:lnRef>
+          <a:fillRef idx="0">
+            <a:schemeClr val="accent1"/>
+          </a:fillRef>
+          <a:effectRef idx="0">
+            <a:schemeClr val="accent1"/>
+          </a:effectRef>
+          <a:fontRef idx="minor">
+            <a:schemeClr val="tx1"/>
+          </a:fontRef>
+        </p:style>
+      </p:cxnSp>
+      <p:cxnSp>
+        <p:nvCxnSpPr>
+          <p:cNvPr id="86" name="Conector angular 85"/>
+          <p:cNvCxnSpPr/>
+          <p:nvPr/>
+        </p:nvCxnSpPr>
+        <p:spPr>
+          <a:xfrm rot="5400000">
+            <a:off x="7278660" y="4521263"/>
+            <a:ext cx="72000" cy="0"/>
+          </a:xfrm>
+          <a:prstGeom prst="bentConnector3">
+            <a:avLst>
+              <a:gd name="adj1" fmla="val 852472"/>
+            </a:avLst>
+          </a:prstGeom>
+          <a:ln w="12700">
+            <a:solidFill>
+              <a:schemeClr val="tx1"/>
+            </a:solidFill>
+          </a:ln>
+        </p:spPr>
+        <p:style>
+          <a:lnRef idx="1">
+            <a:schemeClr val="accent1"/>
+          </a:lnRef>
+          <a:fillRef idx="0">
+            <a:schemeClr val="accent1"/>
+          </a:fillRef>
+          <a:effectRef idx="0">
+            <a:schemeClr val="accent1"/>
+          </a:effectRef>
+          <a:fontRef idx="minor">
+            <a:schemeClr val="tx1"/>
+          </a:fontRef>
+        </p:style>
+      </p:cxnSp>
+      <p:sp>
+        <p:nvSpPr>
+          <p:cNvPr id="92" name="Rectángulo 91" descr="Nodo de cuarto nivel&#10;" title="Nodo04"/>
+          <p:cNvSpPr/>
+          <p:nvPr/>
+        </p:nvSpPr>
+        <p:spPr>
+          <a:xfrm>
+            <a:off x="6651668" y="5500895"/>
+            <a:ext cx="1235721" cy="485362"/>
+          </a:xfrm>
+          <a:prstGeom prst="rect">
+            <a:avLst/>
+          </a:prstGeom>
+          <a:solidFill>
+            <a:schemeClr val="bg1"/>
+          </a:solidFill>
+          <a:ln>
+            <a:solidFill>
+              <a:schemeClr val="tx1"/>
+            </a:solidFill>
+          </a:ln>
+        </p:spPr>
+        <p:style>
+          <a:lnRef idx="2">
+            <a:schemeClr val="accent6"/>
+          </a:lnRef>
+          <a:fillRef idx="1">
+            <a:schemeClr val="lt1"/>
+          </a:fillRef>
+          <a:effectRef idx="0">
+            <a:schemeClr val="accent6"/>
+          </a:effectRef>
+          <a:fontRef idx="minor">
+            <a:schemeClr val="dk1"/>
+          </a:fontRef>
+        </p:style>
+        <p:txBody>
+          <a:bodyPr rtlCol="0" anchor="ctr"/>
+          <a:lstStyle/>
+          <a:p>
+            <a:pPr algn="ctr"/>
+            <a:r>
+              <a:rPr lang="es-ES" sz="800" dirty="0" smtClean="0">
+                <a:solidFill>
+                  <a:schemeClr val="tx1"/>
+                </a:solidFill>
+                <a:latin typeface="Arial" panose="020B0604020202020204" pitchFamily="34" charset="0"/>
+                <a:cs typeface="Arial" panose="020B0604020202020204" pitchFamily="34" charset="0"/>
+              </a:rPr>
+              <a:t>reglas </a:t>
+            </a:r>
+            <a:r>
+              <a:rPr lang="es-ES" sz="800" dirty="0" smtClean="0">
+                <a:solidFill>
+                  <a:schemeClr val="tx1"/>
+                </a:solidFill>
+                <a:latin typeface="Arial" panose="020B0604020202020204" pitchFamily="34" charset="0"/>
+                <a:cs typeface="Arial" panose="020B0604020202020204" pitchFamily="34" charset="0"/>
+              </a:rPr>
+              <a:t>para determinar por inspección si un número es divisible entre otro</a:t>
+            </a:r>
+            <a:endParaRPr lang="es-ES" sz="800" dirty="0">
+              <a:solidFill>
+                <a:schemeClr val="tx1"/>
+              </a:solidFill>
+              <a:latin typeface="Arial" panose="020B0604020202020204" pitchFamily="34" charset="0"/>
+              <a:cs typeface="Arial" panose="020B0604020202020204" pitchFamily="34" charset="0"/>
+            </a:endParaRPr>
+          </a:p>
+        </p:txBody>
+      </p:sp>
+      <p:sp>
+        <p:nvSpPr>
+          <p:cNvPr id="93" name="CuadroTexto 92" descr="Conector entre nodos" title="conector"/>
           <p:cNvSpPr txBox="1"/>
           <p:nvPr/>
         </p:nvSpPr>
         <p:spPr>
           <a:xfrm>
-            <a:off x="7347960" y="1741259"/>
-            <a:ext cx="1122431" cy="230832"/>
+            <a:off x="6914777" y="5123493"/>
+            <a:ext cx="871361" cy="215444"/>
           </a:xfrm>
           <a:prstGeom prst="rect">
             <a:avLst/>
@@ -2697,23 +3481,1680 @@
           <a:p>
             <a:pPr algn="ctr"/>
             <a:r>
-              <a:rPr lang="es-ES" sz="900" dirty="0" smtClean="0"/>
-              <a:t>es</a:t>
-            </a:r>
-            <a:endParaRPr lang="es-ES" sz="900" dirty="0"/>
+              <a:rPr lang="es-ES" sz="800" dirty="0" smtClean="0">
+                <a:latin typeface="Arial" panose="020B0604020202020204" pitchFamily="34" charset="0"/>
+                <a:cs typeface="Arial" panose="020B0604020202020204" pitchFamily="34" charset="0"/>
+              </a:rPr>
+              <a:t>que son</a:t>
+            </a:r>
+            <a:endParaRPr lang="es-ES" sz="800" dirty="0">
+              <a:latin typeface="Arial" panose="020B0604020202020204" pitchFamily="34" charset="0"/>
+              <a:cs typeface="Arial" panose="020B0604020202020204" pitchFamily="34" charset="0"/>
+            </a:endParaRPr>
+          </a:p>
+        </p:txBody>
+      </p:sp>
+      <p:cxnSp>
+        <p:nvCxnSpPr>
+          <p:cNvPr id="94" name="Conector angular 93"/>
+          <p:cNvCxnSpPr/>
+          <p:nvPr/>
+        </p:nvCxnSpPr>
+        <p:spPr>
+          <a:xfrm rot="16200000" flipH="1">
+            <a:off x="7245369" y="5427566"/>
+            <a:ext cx="133174" cy="1963"/>
+          </a:xfrm>
+          <a:prstGeom prst="bentConnector3">
+            <a:avLst>
+              <a:gd name="adj1" fmla="val 50000"/>
+            </a:avLst>
+          </a:prstGeom>
+          <a:ln w="12700">
+            <a:solidFill>
+              <a:schemeClr val="tx1"/>
+            </a:solidFill>
+          </a:ln>
+        </p:spPr>
+        <p:style>
+          <a:lnRef idx="1">
+            <a:schemeClr val="accent1"/>
+          </a:lnRef>
+          <a:fillRef idx="0">
+            <a:schemeClr val="accent1"/>
+          </a:fillRef>
+          <a:effectRef idx="0">
+            <a:schemeClr val="accent1"/>
+          </a:effectRef>
+          <a:fontRef idx="minor">
+            <a:schemeClr val="tx1"/>
+          </a:fontRef>
+        </p:style>
+      </p:cxnSp>
+      <p:sp>
+        <p:nvSpPr>
+          <p:cNvPr id="96" name="Rectángulo 95" descr="Nodo de cuarto nivel&#10;" title="Nodo04"/>
+          <p:cNvSpPr/>
+          <p:nvPr/>
+        </p:nvSpPr>
+        <p:spPr>
+          <a:xfrm>
+            <a:off x="7143089" y="6083278"/>
+            <a:ext cx="1148200" cy="521369"/>
+          </a:xfrm>
+          <a:prstGeom prst="rect">
+            <a:avLst/>
+          </a:prstGeom>
+          <a:solidFill>
+            <a:schemeClr val="bg1"/>
+          </a:solidFill>
+          <a:ln>
+            <a:solidFill>
+              <a:schemeClr val="tx1"/>
+            </a:solidFill>
+          </a:ln>
+        </p:spPr>
+        <p:style>
+          <a:lnRef idx="2">
+            <a:schemeClr val="accent6"/>
+          </a:lnRef>
+          <a:fillRef idx="1">
+            <a:schemeClr val="lt1"/>
+          </a:fillRef>
+          <a:effectRef idx="0">
+            <a:schemeClr val="accent6"/>
+          </a:effectRef>
+          <a:fontRef idx="minor">
+            <a:schemeClr val="dk1"/>
+          </a:fontRef>
+        </p:style>
+        <p:txBody>
+          <a:bodyPr rtlCol="0" anchor="ctr"/>
+          <a:lstStyle/>
+          <a:p>
+            <a:pPr algn="ctr"/>
+            <a:r>
+              <a:rPr lang="es-ES" sz="800" dirty="0" smtClean="0">
+                <a:solidFill>
+                  <a:schemeClr val="tx1"/>
+                </a:solidFill>
+                <a:latin typeface="Arial" panose="020B0604020202020204" pitchFamily="34" charset="0"/>
+                <a:cs typeface="Arial" panose="020B0604020202020204" pitchFamily="34" charset="0"/>
+              </a:rPr>
+              <a:t>números </a:t>
+            </a:r>
+            <a:r>
+              <a:rPr lang="es-ES" sz="800" dirty="0" smtClean="0">
+                <a:solidFill>
+                  <a:schemeClr val="tx1"/>
+                </a:solidFill>
+                <a:latin typeface="Arial" panose="020B0604020202020204" pitchFamily="34" charset="0"/>
+                <a:cs typeface="Arial" panose="020B0604020202020204" pitchFamily="34" charset="0"/>
+              </a:rPr>
+              <a:t>que tienen dos </a:t>
+            </a:r>
+            <a:r>
+              <a:rPr lang="es-ES" sz="800" dirty="0" smtClean="0">
+                <a:solidFill>
+                  <a:schemeClr val="tx1"/>
+                </a:solidFill>
+                <a:latin typeface="Arial" panose="020B0604020202020204" pitchFamily="34" charset="0"/>
+                <a:cs typeface="Arial" panose="020B0604020202020204" pitchFamily="34" charset="0"/>
+              </a:rPr>
+              <a:t>divisores diferentes; </a:t>
+            </a:r>
+            <a:r>
+              <a:rPr lang="es-ES" sz="800" dirty="0" smtClean="0">
+                <a:solidFill>
+                  <a:schemeClr val="tx1"/>
+                </a:solidFill>
+                <a:latin typeface="Arial" panose="020B0604020202020204" pitchFamily="34" charset="0"/>
+                <a:cs typeface="Arial" panose="020B0604020202020204" pitchFamily="34" charset="0"/>
+              </a:rPr>
+              <a:t>1 y él mismo</a:t>
+            </a:r>
+            <a:endParaRPr lang="es-ES" sz="800" dirty="0">
+              <a:solidFill>
+                <a:schemeClr val="tx1"/>
+              </a:solidFill>
+              <a:latin typeface="Arial" panose="020B0604020202020204" pitchFamily="34" charset="0"/>
+              <a:cs typeface="Arial" panose="020B0604020202020204" pitchFamily="34" charset="0"/>
+            </a:endParaRPr>
           </a:p>
         </p:txBody>
       </p:sp>
       <p:sp>
         <p:nvSpPr>
-          <p:cNvPr id="163" name="Rectángulo 43" descr="Nodo de segundo nivel" title="Nodo02"/>
+          <p:cNvPr id="97" name="CuadroTexto 96" descr="Conector entre nodos" title="conector"/>
+          <p:cNvSpPr txBox="1"/>
+          <p:nvPr/>
+        </p:nvSpPr>
+        <p:spPr>
+          <a:xfrm>
+            <a:off x="7509838" y="5096437"/>
+            <a:ext cx="1117174" cy="215444"/>
+          </a:xfrm>
+          <a:prstGeom prst="rect">
+            <a:avLst/>
+          </a:prstGeom>
+          <a:noFill/>
+        </p:spPr>
+        <p:txBody>
+          <a:bodyPr wrap="square" rtlCol="0">
+            <a:spAutoFit/>
+          </a:bodyPr>
+          <a:lstStyle/>
+          <a:p>
+            <a:pPr algn="ctr"/>
+            <a:r>
+              <a:rPr lang="es-ES" sz="800" dirty="0" smtClean="0">
+                <a:latin typeface="Arial" panose="020B0604020202020204" pitchFamily="34" charset="0"/>
+                <a:cs typeface="Arial" panose="020B0604020202020204" pitchFamily="34" charset="0"/>
+              </a:rPr>
+              <a:t>corresponden a</a:t>
+            </a:r>
+            <a:endParaRPr lang="es-ES" sz="800" dirty="0">
+              <a:latin typeface="Arial" panose="020B0604020202020204" pitchFamily="34" charset="0"/>
+              <a:cs typeface="Arial" panose="020B0604020202020204" pitchFamily="34" charset="0"/>
+            </a:endParaRPr>
+          </a:p>
+        </p:txBody>
+      </p:sp>
+      <p:sp>
+        <p:nvSpPr>
+          <p:cNvPr id="100" name="Rectángulo 99" descr="Nodo de cuarto nivel&#10;" title="Nodo04"/>
           <p:cNvSpPr/>
           <p:nvPr/>
         </p:nvSpPr>
         <p:spPr>
           <a:xfrm>
-            <a:off x="7346801" y="2115120"/>
-            <a:ext cx="1373865" cy="564580"/>
+            <a:off x="8376180" y="5361284"/>
+            <a:ext cx="694923" cy="873600"/>
+          </a:xfrm>
+          <a:prstGeom prst="rect">
+            <a:avLst/>
+          </a:prstGeom>
+          <a:solidFill>
+            <a:schemeClr val="bg1"/>
+          </a:solidFill>
+          <a:ln>
+            <a:solidFill>
+              <a:schemeClr val="tx1"/>
+            </a:solidFill>
+          </a:ln>
+        </p:spPr>
+        <p:style>
+          <a:lnRef idx="2">
+            <a:schemeClr val="accent6"/>
+          </a:lnRef>
+          <a:fillRef idx="1">
+            <a:schemeClr val="lt1"/>
+          </a:fillRef>
+          <a:effectRef idx="0">
+            <a:schemeClr val="accent6"/>
+          </a:effectRef>
+          <a:fontRef idx="minor">
+            <a:schemeClr val="dk1"/>
+          </a:fontRef>
+        </p:style>
+        <p:txBody>
+          <a:bodyPr rtlCol="0" anchor="ctr"/>
+          <a:lstStyle/>
+          <a:p>
+            <a:pPr algn="ctr"/>
+            <a:r>
+              <a:rPr lang="es-ES" sz="800" dirty="0" smtClean="0">
+                <a:solidFill>
+                  <a:schemeClr val="tx1"/>
+                </a:solidFill>
+                <a:latin typeface="Arial" panose="020B0604020202020204" pitchFamily="34" charset="0"/>
+                <a:cs typeface="Arial" panose="020B0604020202020204" pitchFamily="34" charset="0"/>
+              </a:rPr>
+              <a:t>números </a:t>
+            </a:r>
+            <a:r>
+              <a:rPr lang="es-ES" sz="800" dirty="0" smtClean="0">
+                <a:solidFill>
+                  <a:schemeClr val="tx1"/>
+                </a:solidFill>
+                <a:latin typeface="Arial" panose="020B0604020202020204" pitchFamily="34" charset="0"/>
+                <a:cs typeface="Arial" panose="020B0604020202020204" pitchFamily="34" charset="0"/>
+              </a:rPr>
+              <a:t>que tienen más de dos divisores diferentes</a:t>
+            </a:r>
+            <a:endParaRPr lang="es-ES" sz="800" dirty="0">
+              <a:solidFill>
+                <a:schemeClr val="tx1"/>
+              </a:solidFill>
+              <a:latin typeface="Arial" panose="020B0604020202020204" pitchFamily="34" charset="0"/>
+              <a:cs typeface="Arial" panose="020B0604020202020204" pitchFamily="34" charset="0"/>
+            </a:endParaRPr>
+          </a:p>
+        </p:txBody>
+      </p:sp>
+      <p:cxnSp>
+        <p:nvCxnSpPr>
+          <p:cNvPr id="79" name="Conector angular 78"/>
+          <p:cNvCxnSpPr/>
+          <p:nvPr/>
+        </p:nvCxnSpPr>
+        <p:spPr>
+          <a:xfrm rot="16200000" flipH="1">
+            <a:off x="4657745" y="847396"/>
+            <a:ext cx="143029" cy="877"/>
+          </a:xfrm>
+          <a:prstGeom prst="bentConnector3">
+            <a:avLst>
+              <a:gd name="adj1" fmla="val 50000"/>
+            </a:avLst>
+          </a:prstGeom>
+          <a:ln w="12700">
+            <a:solidFill>
+              <a:schemeClr val="tx1"/>
+            </a:solidFill>
+          </a:ln>
+        </p:spPr>
+        <p:style>
+          <a:lnRef idx="1">
+            <a:schemeClr val="accent1"/>
+          </a:lnRef>
+          <a:fillRef idx="0">
+            <a:schemeClr val="accent1"/>
+          </a:fillRef>
+          <a:effectRef idx="0">
+            <a:schemeClr val="accent1"/>
+          </a:effectRef>
+          <a:fontRef idx="minor">
+            <a:schemeClr val="tx1"/>
+          </a:fontRef>
+        </p:style>
+      </p:cxnSp>
+      <p:cxnSp>
+        <p:nvCxnSpPr>
+          <p:cNvPr id="80" name="Conector angular 79"/>
+          <p:cNvCxnSpPr/>
+          <p:nvPr/>
+        </p:nvCxnSpPr>
+        <p:spPr>
+          <a:xfrm rot="16200000" flipH="1">
+            <a:off x="4657746" y="518070"/>
+            <a:ext cx="143029" cy="877"/>
+          </a:xfrm>
+          <a:prstGeom prst="bentConnector3">
+            <a:avLst>
+              <a:gd name="adj1" fmla="val 50000"/>
+            </a:avLst>
+          </a:prstGeom>
+          <a:ln w="12700">
+            <a:solidFill>
+              <a:schemeClr val="tx1"/>
+            </a:solidFill>
+          </a:ln>
+        </p:spPr>
+        <p:style>
+          <a:lnRef idx="1">
+            <a:schemeClr val="accent1"/>
+          </a:lnRef>
+          <a:fillRef idx="0">
+            <a:schemeClr val="accent1"/>
+          </a:fillRef>
+          <a:effectRef idx="0">
+            <a:schemeClr val="accent1"/>
+          </a:effectRef>
+          <a:fontRef idx="minor">
+            <a:schemeClr val="tx1"/>
+          </a:fontRef>
+        </p:style>
+      </p:cxnSp>
+      <p:cxnSp>
+        <p:nvCxnSpPr>
+          <p:cNvPr id="83" name="Conector angular 82"/>
+          <p:cNvCxnSpPr/>
+          <p:nvPr/>
+        </p:nvCxnSpPr>
+        <p:spPr>
+          <a:xfrm rot="16200000" flipH="1">
+            <a:off x="4656868" y="1790401"/>
+            <a:ext cx="143029" cy="877"/>
+          </a:xfrm>
+          <a:prstGeom prst="bentConnector3">
+            <a:avLst>
+              <a:gd name="adj1" fmla="val 50000"/>
+            </a:avLst>
+          </a:prstGeom>
+          <a:ln w="12700">
+            <a:solidFill>
+              <a:schemeClr val="tx1"/>
+            </a:solidFill>
+          </a:ln>
+        </p:spPr>
+        <p:style>
+          <a:lnRef idx="1">
+            <a:schemeClr val="accent1"/>
+          </a:lnRef>
+          <a:fillRef idx="0">
+            <a:schemeClr val="accent1"/>
+          </a:fillRef>
+          <a:effectRef idx="0">
+            <a:schemeClr val="accent1"/>
+          </a:effectRef>
+          <a:fontRef idx="minor">
+            <a:schemeClr val="tx1"/>
+          </a:fontRef>
+        </p:style>
+      </p:cxnSp>
+      <p:cxnSp>
+        <p:nvCxnSpPr>
+          <p:cNvPr id="88" name="Conector angular 87"/>
+          <p:cNvCxnSpPr/>
+          <p:nvPr/>
+        </p:nvCxnSpPr>
+        <p:spPr>
+          <a:xfrm rot="16200000" flipH="1">
+            <a:off x="4657745" y="1457635"/>
+            <a:ext cx="143029" cy="877"/>
+          </a:xfrm>
+          <a:prstGeom prst="bentConnector3">
+            <a:avLst>
+              <a:gd name="adj1" fmla="val 50000"/>
+            </a:avLst>
+          </a:prstGeom>
+          <a:ln w="12700">
+            <a:solidFill>
+              <a:schemeClr val="tx1"/>
+            </a:solidFill>
+          </a:ln>
+        </p:spPr>
+        <p:style>
+          <a:lnRef idx="1">
+            <a:schemeClr val="accent1"/>
+          </a:lnRef>
+          <a:fillRef idx="0">
+            <a:schemeClr val="accent1"/>
+          </a:fillRef>
+          <a:effectRef idx="0">
+            <a:schemeClr val="accent1"/>
+          </a:effectRef>
+          <a:fontRef idx="minor">
+            <a:schemeClr val="tx1"/>
+          </a:fontRef>
+        </p:style>
+      </p:cxnSp>
+      <p:cxnSp>
+        <p:nvCxnSpPr>
+          <p:cNvPr id="108" name="Conector angular 107"/>
+          <p:cNvCxnSpPr/>
+          <p:nvPr/>
+        </p:nvCxnSpPr>
+        <p:spPr>
+          <a:xfrm>
+            <a:off x="2062032" y="3817066"/>
+            <a:ext cx="1144962" cy="82444"/>
+          </a:xfrm>
+          <a:prstGeom prst="bentConnector3">
+            <a:avLst>
+              <a:gd name="adj1" fmla="val 100348"/>
+            </a:avLst>
+          </a:prstGeom>
+          <a:ln w="12700">
+            <a:solidFill>
+              <a:schemeClr val="tx1"/>
+            </a:solidFill>
+          </a:ln>
+        </p:spPr>
+        <p:style>
+          <a:lnRef idx="1">
+            <a:schemeClr val="accent1"/>
+          </a:lnRef>
+          <a:fillRef idx="0">
+            <a:schemeClr val="accent1"/>
+          </a:fillRef>
+          <a:effectRef idx="0">
+            <a:schemeClr val="accent1"/>
+          </a:effectRef>
+          <a:fontRef idx="minor">
+            <a:schemeClr val="tx1"/>
+          </a:fontRef>
+        </p:style>
+      </p:cxnSp>
+      <p:cxnSp>
+        <p:nvCxnSpPr>
+          <p:cNvPr id="112" name="Conector angular 111"/>
+          <p:cNvCxnSpPr/>
+          <p:nvPr/>
+        </p:nvCxnSpPr>
+        <p:spPr>
+          <a:xfrm rot="5400000">
+            <a:off x="3135920" y="4108309"/>
+            <a:ext cx="143025" cy="876"/>
+          </a:xfrm>
+          <a:prstGeom prst="bentConnector3">
+            <a:avLst>
+              <a:gd name="adj1" fmla="val 116912"/>
+            </a:avLst>
+          </a:prstGeom>
+          <a:ln w="12700">
+            <a:solidFill>
+              <a:schemeClr val="tx1"/>
+            </a:solidFill>
+          </a:ln>
+        </p:spPr>
+        <p:style>
+          <a:lnRef idx="1">
+            <a:schemeClr val="accent1"/>
+          </a:lnRef>
+          <a:fillRef idx="0">
+            <a:schemeClr val="accent1"/>
+          </a:fillRef>
+          <a:effectRef idx="0">
+            <a:schemeClr val="accent1"/>
+          </a:effectRef>
+          <a:fontRef idx="minor">
+            <a:schemeClr val="tx1"/>
+          </a:fontRef>
+        </p:style>
+      </p:cxnSp>
+      <p:sp>
+        <p:nvSpPr>
+          <p:cNvPr id="115" name="Rectángulo 114" descr="Nodo de cuarto nivel&#10;" title="Nodo04"/>
+          <p:cNvSpPr/>
+          <p:nvPr/>
+        </p:nvSpPr>
+        <p:spPr>
+          <a:xfrm>
+            <a:off x="548053" y="4215707"/>
+            <a:ext cx="1118301" cy="289982"/>
+          </a:xfrm>
+          <a:prstGeom prst="rect">
+            <a:avLst/>
+          </a:prstGeom>
+          <a:noFill/>
+          <a:ln>
+            <a:solidFill>
+              <a:schemeClr val="tx1"/>
+            </a:solidFill>
+          </a:ln>
+        </p:spPr>
+        <p:style>
+          <a:lnRef idx="2">
+            <a:schemeClr val="accent6"/>
+          </a:lnRef>
+          <a:fillRef idx="1">
+            <a:schemeClr val="lt1"/>
+          </a:fillRef>
+          <a:effectRef idx="0">
+            <a:schemeClr val="accent6"/>
+          </a:effectRef>
+          <a:fontRef idx="minor">
+            <a:schemeClr val="dk1"/>
+          </a:fontRef>
+        </p:style>
+        <p:txBody>
+          <a:bodyPr rtlCol="0" anchor="ctr"/>
+          <a:lstStyle/>
+          <a:p>
+            <a:pPr algn="ctr"/>
+            <a:r>
+              <a:rPr lang="es-ES" sz="800" dirty="0" smtClean="0">
+                <a:solidFill>
+                  <a:schemeClr val="tx1"/>
+                </a:solidFill>
+                <a:latin typeface="Arial" panose="020B0604020202020204" pitchFamily="34" charset="0"/>
+                <a:cs typeface="Arial" panose="020B0604020202020204" pitchFamily="34" charset="0"/>
+              </a:rPr>
+              <a:t>propiedades</a:t>
+            </a:r>
+            <a:endParaRPr lang="es-ES" sz="800" dirty="0">
+              <a:solidFill>
+                <a:schemeClr val="tx1"/>
+              </a:solidFill>
+              <a:latin typeface="Arial" panose="020B0604020202020204" pitchFamily="34" charset="0"/>
+              <a:cs typeface="Arial" panose="020B0604020202020204" pitchFamily="34" charset="0"/>
+            </a:endParaRPr>
+          </a:p>
+        </p:txBody>
+      </p:sp>
+      <p:cxnSp>
+        <p:nvCxnSpPr>
+          <p:cNvPr id="120" name="Conector angular 119"/>
+          <p:cNvCxnSpPr/>
+          <p:nvPr/>
+        </p:nvCxnSpPr>
+        <p:spPr>
+          <a:xfrm rot="5400000">
+            <a:off x="942517" y="4592338"/>
+            <a:ext cx="143025" cy="876"/>
+          </a:xfrm>
+          <a:prstGeom prst="bentConnector3">
+            <a:avLst>
+              <a:gd name="adj1" fmla="val 50000"/>
+            </a:avLst>
+          </a:prstGeom>
+          <a:ln w="12700">
+            <a:solidFill>
+              <a:schemeClr val="tx1"/>
+            </a:solidFill>
+          </a:ln>
+        </p:spPr>
+        <p:style>
+          <a:lnRef idx="1">
+            <a:schemeClr val="accent1"/>
+          </a:lnRef>
+          <a:fillRef idx="0">
+            <a:schemeClr val="accent1"/>
+          </a:fillRef>
+          <a:effectRef idx="0">
+            <a:schemeClr val="accent1"/>
+          </a:effectRef>
+          <a:fontRef idx="minor">
+            <a:schemeClr val="tx1"/>
+          </a:fontRef>
+        </p:style>
+      </p:cxnSp>
+      <p:cxnSp>
+        <p:nvCxnSpPr>
+          <p:cNvPr id="121" name="Conector angular 120"/>
+          <p:cNvCxnSpPr/>
+          <p:nvPr/>
+        </p:nvCxnSpPr>
+        <p:spPr>
+          <a:xfrm rot="5400000">
+            <a:off x="930261" y="4955694"/>
+            <a:ext cx="143025" cy="876"/>
+          </a:xfrm>
+          <a:prstGeom prst="bentConnector3">
+            <a:avLst>
+              <a:gd name="adj1" fmla="val 50000"/>
+            </a:avLst>
+          </a:prstGeom>
+          <a:ln w="12700">
+            <a:solidFill>
+              <a:schemeClr val="tx1"/>
+            </a:solidFill>
+          </a:ln>
+        </p:spPr>
+        <p:style>
+          <a:lnRef idx="1">
+            <a:schemeClr val="accent1"/>
+          </a:lnRef>
+          <a:fillRef idx="0">
+            <a:schemeClr val="accent1"/>
+          </a:fillRef>
+          <a:effectRef idx="0">
+            <a:schemeClr val="accent1"/>
+          </a:effectRef>
+          <a:fontRef idx="minor">
+            <a:schemeClr val="tx1"/>
+          </a:fontRef>
+        </p:style>
+      </p:cxnSp>
+      <p:sp>
+        <p:nvSpPr>
+          <p:cNvPr id="122" name="Rectángulo 121" descr="Nodo de cuarto nivel&#10;" title="Nodo04"/>
+          <p:cNvSpPr/>
+          <p:nvPr/>
+        </p:nvSpPr>
+        <p:spPr>
+          <a:xfrm>
+            <a:off x="2622438" y="4217641"/>
+            <a:ext cx="1118301" cy="289982"/>
+          </a:xfrm>
+          <a:prstGeom prst="rect">
+            <a:avLst/>
+          </a:prstGeom>
+          <a:noFill/>
+          <a:ln>
+            <a:solidFill>
+              <a:schemeClr val="tx1"/>
+            </a:solidFill>
+          </a:ln>
+        </p:spPr>
+        <p:style>
+          <a:lnRef idx="2">
+            <a:schemeClr val="accent6"/>
+          </a:lnRef>
+          <a:fillRef idx="1">
+            <a:schemeClr val="lt1"/>
+          </a:fillRef>
+          <a:effectRef idx="0">
+            <a:schemeClr val="accent6"/>
+          </a:effectRef>
+          <a:fontRef idx="minor">
+            <a:schemeClr val="dk1"/>
+          </a:fontRef>
+        </p:style>
+        <p:txBody>
+          <a:bodyPr rtlCol="0" anchor="ctr"/>
+          <a:lstStyle/>
+          <a:p>
+            <a:pPr algn="ctr"/>
+            <a:r>
+              <a:rPr lang="es-ES" sz="800" dirty="0" smtClean="0">
+                <a:solidFill>
+                  <a:schemeClr val="tx1"/>
+                </a:solidFill>
+                <a:latin typeface="Arial" panose="020B0604020202020204" pitchFamily="34" charset="0"/>
+                <a:cs typeface="Arial" panose="020B0604020202020204" pitchFamily="34" charset="0"/>
+              </a:rPr>
+              <a:t>el mínimo común múltiplo</a:t>
+            </a:r>
+            <a:endParaRPr lang="es-ES" sz="800" dirty="0">
+              <a:solidFill>
+                <a:schemeClr val="tx1"/>
+              </a:solidFill>
+              <a:latin typeface="Arial" panose="020B0604020202020204" pitchFamily="34" charset="0"/>
+              <a:cs typeface="Arial" panose="020B0604020202020204" pitchFamily="34" charset="0"/>
+            </a:endParaRPr>
+          </a:p>
+        </p:txBody>
+      </p:sp>
+      <p:sp>
+        <p:nvSpPr>
+          <p:cNvPr id="125" name="CuadroTexto 124" descr="Conector entre nodos" title="conector"/>
+          <p:cNvSpPr txBox="1"/>
+          <p:nvPr/>
+        </p:nvSpPr>
+        <p:spPr>
+          <a:xfrm>
+            <a:off x="2673651" y="4610863"/>
+            <a:ext cx="1117174" cy="230832"/>
+          </a:xfrm>
+          <a:prstGeom prst="rect">
+            <a:avLst/>
+          </a:prstGeom>
+          <a:noFill/>
+        </p:spPr>
+        <p:txBody>
+          <a:bodyPr wrap="square" rtlCol="0">
+            <a:spAutoFit/>
+          </a:bodyPr>
+          <a:lstStyle/>
+          <a:p>
+            <a:pPr algn="ctr"/>
+            <a:r>
+              <a:rPr lang="es-ES" sz="900" dirty="0" smtClean="0">
+                <a:latin typeface="Arial" panose="020B0604020202020204" pitchFamily="34" charset="0"/>
+                <a:cs typeface="Arial" panose="020B0604020202020204" pitchFamily="34" charset="0"/>
+              </a:rPr>
+              <a:t>se </a:t>
+            </a:r>
+            <a:r>
+              <a:rPr lang="es-ES" sz="900" dirty="0" smtClean="0">
+                <a:latin typeface="Arial" panose="020B0604020202020204" pitchFamily="34" charset="0"/>
+                <a:cs typeface="Arial" panose="020B0604020202020204" pitchFamily="34" charset="0"/>
+              </a:rPr>
+              <a:t>define </a:t>
+            </a:r>
+            <a:r>
+              <a:rPr lang="es-ES" sz="900" dirty="0" smtClean="0">
+                <a:latin typeface="Arial" panose="020B0604020202020204" pitchFamily="34" charset="0"/>
+                <a:cs typeface="Arial" panose="020B0604020202020204" pitchFamily="34" charset="0"/>
+              </a:rPr>
+              <a:t>como</a:t>
+            </a:r>
+            <a:endParaRPr lang="es-ES" sz="900" dirty="0">
+              <a:latin typeface="Arial" panose="020B0604020202020204" pitchFamily="34" charset="0"/>
+              <a:cs typeface="Arial" panose="020B0604020202020204" pitchFamily="34" charset="0"/>
+            </a:endParaRPr>
+          </a:p>
+        </p:txBody>
+      </p:sp>
+      <p:cxnSp>
+        <p:nvCxnSpPr>
+          <p:cNvPr id="126" name="Conector angular 125"/>
+          <p:cNvCxnSpPr/>
+          <p:nvPr/>
+        </p:nvCxnSpPr>
+        <p:spPr>
+          <a:xfrm rot="5400000">
+            <a:off x="3126568" y="4585934"/>
+            <a:ext cx="143025" cy="876"/>
+          </a:xfrm>
+          <a:prstGeom prst="bentConnector3">
+            <a:avLst>
+              <a:gd name="adj1" fmla="val 50000"/>
+            </a:avLst>
+          </a:prstGeom>
+          <a:ln w="12700">
+            <a:solidFill>
+              <a:schemeClr val="tx1"/>
+            </a:solidFill>
+          </a:ln>
+        </p:spPr>
+        <p:style>
+          <a:lnRef idx="1">
+            <a:schemeClr val="accent1"/>
+          </a:lnRef>
+          <a:fillRef idx="0">
+            <a:schemeClr val="accent1"/>
+          </a:fillRef>
+          <a:effectRef idx="0">
+            <a:schemeClr val="accent1"/>
+          </a:effectRef>
+          <a:fontRef idx="minor">
+            <a:schemeClr val="tx1"/>
+          </a:fontRef>
+        </p:style>
+      </p:cxnSp>
+      <p:cxnSp>
+        <p:nvCxnSpPr>
+          <p:cNvPr id="127" name="Conector angular 126"/>
+          <p:cNvCxnSpPr/>
+          <p:nvPr/>
+        </p:nvCxnSpPr>
+        <p:spPr>
+          <a:xfrm rot="5400000">
+            <a:off x="3128880" y="4852727"/>
+            <a:ext cx="143025" cy="876"/>
+          </a:xfrm>
+          <a:prstGeom prst="bentConnector3">
+            <a:avLst>
+              <a:gd name="adj1" fmla="val 701865"/>
+            </a:avLst>
+          </a:prstGeom>
+          <a:ln w="12700">
+            <a:solidFill>
+              <a:schemeClr val="tx1"/>
+            </a:solidFill>
+          </a:ln>
+        </p:spPr>
+        <p:style>
+          <a:lnRef idx="1">
+            <a:schemeClr val="accent1"/>
+          </a:lnRef>
+          <a:fillRef idx="0">
+            <a:schemeClr val="accent1"/>
+          </a:fillRef>
+          <a:effectRef idx="0">
+            <a:schemeClr val="accent1"/>
+          </a:effectRef>
+          <a:fontRef idx="minor">
+            <a:schemeClr val="tx1"/>
+          </a:fontRef>
+        </p:style>
+      </p:cxnSp>
+      <p:cxnSp>
+        <p:nvCxnSpPr>
+          <p:cNvPr id="137" name="Conector angular 136"/>
+          <p:cNvCxnSpPr/>
+          <p:nvPr/>
+        </p:nvCxnSpPr>
+        <p:spPr>
+          <a:xfrm rot="5400000">
+            <a:off x="4864435" y="4102757"/>
+            <a:ext cx="143025" cy="876"/>
+          </a:xfrm>
+          <a:prstGeom prst="bentConnector3">
+            <a:avLst>
+              <a:gd name="adj1" fmla="val 50000"/>
+            </a:avLst>
+          </a:prstGeom>
+          <a:ln w="12700">
+            <a:solidFill>
+              <a:schemeClr val="tx1"/>
+            </a:solidFill>
+          </a:ln>
+        </p:spPr>
+        <p:style>
+          <a:lnRef idx="1">
+            <a:schemeClr val="accent1"/>
+          </a:lnRef>
+          <a:fillRef idx="0">
+            <a:schemeClr val="accent1"/>
+          </a:fillRef>
+          <a:effectRef idx="0">
+            <a:schemeClr val="accent1"/>
+          </a:effectRef>
+          <a:fontRef idx="minor">
+            <a:schemeClr val="tx1"/>
+          </a:fontRef>
+        </p:style>
+      </p:cxnSp>
+      <p:sp>
+        <p:nvSpPr>
+          <p:cNvPr id="144" name="Rectángulo 143" descr="Nodo de cuarto nivel&#10;" title="Nodo04"/>
+          <p:cNvSpPr/>
+          <p:nvPr/>
+        </p:nvSpPr>
+        <p:spPr>
+          <a:xfrm>
+            <a:off x="4435141" y="4193189"/>
+            <a:ext cx="1027008" cy="249878"/>
+          </a:xfrm>
+          <a:prstGeom prst="rect">
+            <a:avLst/>
+          </a:prstGeom>
+          <a:noFill/>
+          <a:ln>
+            <a:solidFill>
+              <a:schemeClr val="tx1"/>
+            </a:solidFill>
+          </a:ln>
+        </p:spPr>
+        <p:style>
+          <a:lnRef idx="2">
+            <a:schemeClr val="accent6"/>
+          </a:lnRef>
+          <a:fillRef idx="1">
+            <a:schemeClr val="lt1"/>
+          </a:fillRef>
+          <a:effectRef idx="0">
+            <a:schemeClr val="accent6"/>
+          </a:effectRef>
+          <a:fontRef idx="minor">
+            <a:schemeClr val="dk1"/>
+          </a:fontRef>
+        </p:style>
+        <p:txBody>
+          <a:bodyPr rtlCol="0" anchor="ctr"/>
+          <a:lstStyle/>
+          <a:p>
+            <a:pPr algn="ctr"/>
+            <a:r>
+              <a:rPr lang="es-ES" sz="800" dirty="0" smtClean="0">
+                <a:solidFill>
+                  <a:schemeClr val="tx1"/>
+                </a:solidFill>
+                <a:latin typeface="Arial" panose="020B0604020202020204" pitchFamily="34" charset="0"/>
+                <a:cs typeface="Arial" panose="020B0604020202020204" pitchFamily="34" charset="0"/>
+              </a:rPr>
+              <a:t>propiedades</a:t>
+            </a:r>
+            <a:endParaRPr lang="es-ES" sz="800" dirty="0">
+              <a:solidFill>
+                <a:schemeClr val="tx1"/>
+              </a:solidFill>
+              <a:latin typeface="Arial" panose="020B0604020202020204" pitchFamily="34" charset="0"/>
+              <a:cs typeface="Arial" panose="020B0604020202020204" pitchFamily="34" charset="0"/>
+            </a:endParaRPr>
+          </a:p>
+        </p:txBody>
+      </p:sp>
+      <p:cxnSp>
+        <p:nvCxnSpPr>
+          <p:cNvPr id="156" name="Conector angular 155"/>
+          <p:cNvCxnSpPr/>
+          <p:nvPr/>
+        </p:nvCxnSpPr>
+        <p:spPr>
+          <a:xfrm rot="10800000" flipV="1">
+            <a:off x="4106507" y="5305037"/>
+            <a:ext cx="1234089" cy="99252"/>
+          </a:xfrm>
+          <a:prstGeom prst="bentConnector3">
+            <a:avLst>
+              <a:gd name="adj1" fmla="val 100134"/>
+            </a:avLst>
+          </a:prstGeom>
+          <a:ln w="12700">
+            <a:solidFill>
+              <a:schemeClr val="tx1"/>
+            </a:solidFill>
+          </a:ln>
+        </p:spPr>
+        <p:style>
+          <a:lnRef idx="1">
+            <a:schemeClr val="accent1"/>
+          </a:lnRef>
+          <a:fillRef idx="0">
+            <a:schemeClr val="accent1"/>
+          </a:fillRef>
+          <a:effectRef idx="0">
+            <a:schemeClr val="accent1"/>
+          </a:effectRef>
+          <a:fontRef idx="minor">
+            <a:schemeClr val="tx1"/>
+          </a:fontRef>
+        </p:style>
+      </p:cxnSp>
+      <p:cxnSp>
+        <p:nvCxnSpPr>
+          <p:cNvPr id="157" name="Conector angular 156"/>
+          <p:cNvCxnSpPr/>
+          <p:nvPr/>
+        </p:nvCxnSpPr>
+        <p:spPr>
+          <a:xfrm>
+            <a:off x="5306537" y="5301290"/>
+            <a:ext cx="702266" cy="105986"/>
+          </a:xfrm>
+          <a:prstGeom prst="bentConnector2">
+            <a:avLst/>
+          </a:prstGeom>
+          <a:ln w="12700">
+            <a:solidFill>
+              <a:schemeClr val="tx1"/>
+            </a:solidFill>
+          </a:ln>
+        </p:spPr>
+        <p:style>
+          <a:lnRef idx="1">
+            <a:schemeClr val="accent1"/>
+          </a:lnRef>
+          <a:fillRef idx="0">
+            <a:schemeClr val="accent1"/>
+          </a:fillRef>
+          <a:effectRef idx="0">
+            <a:schemeClr val="accent1"/>
+          </a:effectRef>
+          <a:fontRef idx="minor">
+            <a:schemeClr val="tx1"/>
+          </a:fontRef>
+        </p:style>
+      </p:cxnSp>
+      <p:sp>
+        <p:nvSpPr>
+          <p:cNvPr id="161" name="CuadroTexto 160" descr="Conector entre nodos" title="conector"/>
+          <p:cNvSpPr txBox="1"/>
+          <p:nvPr/>
+        </p:nvSpPr>
+        <p:spPr>
+          <a:xfrm>
+            <a:off x="5919609" y="3772575"/>
+            <a:ext cx="894796" cy="215444"/>
+          </a:xfrm>
+          <a:prstGeom prst="rect">
+            <a:avLst/>
+          </a:prstGeom>
+          <a:noFill/>
+        </p:spPr>
+        <p:txBody>
+          <a:bodyPr wrap="square" rtlCol="0">
+            <a:spAutoFit/>
+          </a:bodyPr>
+          <a:lstStyle/>
+          <a:p>
+            <a:pPr algn="ctr"/>
+            <a:r>
+              <a:rPr lang="es-ES" sz="800" dirty="0" smtClean="0">
+                <a:latin typeface="Arial" panose="020B0604020202020204" pitchFamily="34" charset="0"/>
+                <a:cs typeface="Arial" panose="020B0604020202020204" pitchFamily="34" charset="0"/>
+              </a:rPr>
+              <a:t>se establece</a:t>
+            </a:r>
+            <a:endParaRPr lang="es-ES" sz="800" dirty="0">
+              <a:latin typeface="Arial" panose="020B0604020202020204" pitchFamily="34" charset="0"/>
+              <a:cs typeface="Arial" panose="020B0604020202020204" pitchFamily="34" charset="0"/>
+            </a:endParaRPr>
+          </a:p>
+        </p:txBody>
+      </p:sp>
+      <p:sp>
+        <p:nvSpPr>
+          <p:cNvPr id="189" name="Rectángulo 188" descr="Nodo de cuarto nivel&#10;" title="Nodo04"/>
+          <p:cNvSpPr/>
+          <p:nvPr/>
+        </p:nvSpPr>
+        <p:spPr>
+          <a:xfrm>
+            <a:off x="5943395" y="4188409"/>
+            <a:ext cx="835088" cy="249878"/>
+          </a:xfrm>
+          <a:prstGeom prst="rect">
+            <a:avLst/>
+          </a:prstGeom>
+          <a:noFill/>
+          <a:ln>
+            <a:solidFill>
+              <a:schemeClr val="tx1"/>
+            </a:solidFill>
+          </a:ln>
+        </p:spPr>
+        <p:style>
+          <a:lnRef idx="2">
+            <a:schemeClr val="accent6"/>
+          </a:lnRef>
+          <a:fillRef idx="1">
+            <a:schemeClr val="lt1"/>
+          </a:fillRef>
+          <a:effectRef idx="0">
+            <a:schemeClr val="accent6"/>
+          </a:effectRef>
+          <a:fontRef idx="minor">
+            <a:schemeClr val="dk1"/>
+          </a:fontRef>
+        </p:style>
+        <p:txBody>
+          <a:bodyPr rtlCol="0" anchor="ctr"/>
+          <a:lstStyle/>
+          <a:p>
+            <a:pPr algn="ctr"/>
+            <a:r>
+              <a:rPr lang="es-ES" sz="800" dirty="0" smtClean="0">
+                <a:solidFill>
+                  <a:schemeClr val="tx1"/>
+                </a:solidFill>
+                <a:latin typeface="Arial" panose="020B0604020202020204" pitchFamily="34" charset="0"/>
+                <a:cs typeface="Arial" panose="020B0604020202020204" pitchFamily="34" charset="0"/>
+              </a:rPr>
+              <a:t>el máximo común divisor</a:t>
+            </a:r>
+            <a:endParaRPr lang="es-ES" sz="800" dirty="0">
+              <a:solidFill>
+                <a:schemeClr val="tx1"/>
+              </a:solidFill>
+              <a:latin typeface="Arial" panose="020B0604020202020204" pitchFamily="34" charset="0"/>
+              <a:cs typeface="Arial" panose="020B0604020202020204" pitchFamily="34" charset="0"/>
+            </a:endParaRPr>
+          </a:p>
+        </p:txBody>
+      </p:sp>
+      <p:cxnSp>
+        <p:nvCxnSpPr>
+          <p:cNvPr id="190" name="Conector angular 189"/>
+          <p:cNvCxnSpPr/>
+          <p:nvPr/>
+        </p:nvCxnSpPr>
+        <p:spPr>
+          <a:xfrm rot="5400000">
+            <a:off x="6283360" y="3735606"/>
+            <a:ext cx="143025" cy="876"/>
+          </a:xfrm>
+          <a:prstGeom prst="bentConnector3">
+            <a:avLst>
+              <a:gd name="adj1" fmla="val 50000"/>
+            </a:avLst>
+          </a:prstGeom>
+          <a:ln w="12700">
+            <a:solidFill>
+              <a:schemeClr val="tx1"/>
+            </a:solidFill>
+          </a:ln>
+        </p:spPr>
+        <p:style>
+          <a:lnRef idx="1">
+            <a:schemeClr val="accent1"/>
+          </a:lnRef>
+          <a:fillRef idx="0">
+            <a:schemeClr val="accent1"/>
+          </a:fillRef>
+          <a:effectRef idx="0">
+            <a:schemeClr val="accent1"/>
+          </a:effectRef>
+          <a:fontRef idx="minor">
+            <a:schemeClr val="tx1"/>
+          </a:fontRef>
+        </p:style>
+      </p:cxnSp>
+      <p:sp>
+        <p:nvSpPr>
+          <p:cNvPr id="191" name="CuadroTexto 190" descr="Conector entre nodos" title="conector"/>
+          <p:cNvSpPr txBox="1"/>
+          <p:nvPr/>
+        </p:nvSpPr>
+        <p:spPr>
+          <a:xfrm>
+            <a:off x="5797603" y="4494337"/>
+            <a:ext cx="1117174" cy="215444"/>
+          </a:xfrm>
+          <a:prstGeom prst="rect">
+            <a:avLst/>
+          </a:prstGeom>
+          <a:noFill/>
+        </p:spPr>
+        <p:txBody>
+          <a:bodyPr wrap="square" rtlCol="0">
+            <a:spAutoFit/>
+          </a:bodyPr>
+          <a:lstStyle/>
+          <a:p>
+            <a:pPr algn="ctr"/>
+            <a:r>
+              <a:rPr lang="es-ES" sz="800" dirty="0" smtClean="0">
+                <a:latin typeface="Arial" panose="020B0604020202020204" pitchFamily="34" charset="0"/>
+                <a:cs typeface="Arial" panose="020B0604020202020204" pitchFamily="34" charset="0"/>
+              </a:rPr>
+              <a:t>se </a:t>
+            </a:r>
+            <a:r>
+              <a:rPr lang="es-ES" sz="800" dirty="0" smtClean="0">
+                <a:latin typeface="Arial" panose="020B0604020202020204" pitchFamily="34" charset="0"/>
+                <a:cs typeface="Arial" panose="020B0604020202020204" pitchFamily="34" charset="0"/>
+              </a:rPr>
+              <a:t>define </a:t>
+            </a:r>
+            <a:r>
+              <a:rPr lang="es-ES" sz="800" dirty="0" smtClean="0">
+                <a:latin typeface="Arial" panose="020B0604020202020204" pitchFamily="34" charset="0"/>
+                <a:cs typeface="Arial" panose="020B0604020202020204" pitchFamily="34" charset="0"/>
+              </a:rPr>
+              <a:t>como</a:t>
+            </a:r>
+            <a:endParaRPr lang="es-ES" sz="800" dirty="0">
+              <a:latin typeface="Arial" panose="020B0604020202020204" pitchFamily="34" charset="0"/>
+              <a:cs typeface="Arial" panose="020B0604020202020204" pitchFamily="34" charset="0"/>
+            </a:endParaRPr>
+          </a:p>
+        </p:txBody>
+      </p:sp>
+      <p:sp>
+        <p:nvSpPr>
+          <p:cNvPr id="192" name="CuadroTexto 191" descr="Conector entre nodos" title="conector"/>
+          <p:cNvSpPr txBox="1"/>
+          <p:nvPr/>
+        </p:nvSpPr>
+        <p:spPr>
+          <a:xfrm>
+            <a:off x="7491817" y="3717383"/>
+            <a:ext cx="894796" cy="215444"/>
+          </a:xfrm>
+          <a:prstGeom prst="rect">
+            <a:avLst/>
+          </a:prstGeom>
+          <a:noFill/>
+        </p:spPr>
+        <p:txBody>
+          <a:bodyPr wrap="square" rtlCol="0">
+            <a:spAutoFit/>
+          </a:bodyPr>
+          <a:lstStyle/>
+          <a:p>
+            <a:pPr algn="ctr"/>
+            <a:r>
+              <a:rPr lang="es-ES" sz="800" dirty="0" smtClean="0">
+                <a:latin typeface="Arial" panose="020B0604020202020204" pitchFamily="34" charset="0"/>
+                <a:cs typeface="Arial" panose="020B0604020202020204" pitchFamily="34" charset="0"/>
+              </a:rPr>
+              <a:t>determina</a:t>
+            </a:r>
+            <a:endParaRPr lang="es-ES" sz="800" dirty="0">
+              <a:latin typeface="Arial" panose="020B0604020202020204" pitchFamily="34" charset="0"/>
+              <a:cs typeface="Arial" panose="020B0604020202020204" pitchFamily="34" charset="0"/>
+            </a:endParaRPr>
+          </a:p>
+        </p:txBody>
+      </p:sp>
+      <p:cxnSp>
+        <p:nvCxnSpPr>
+          <p:cNvPr id="195" name="Conector angular 194"/>
+          <p:cNvCxnSpPr/>
+          <p:nvPr/>
+        </p:nvCxnSpPr>
+        <p:spPr>
+          <a:xfrm>
+            <a:off x="6464812" y="3661510"/>
+            <a:ext cx="1483039" cy="76638"/>
+          </a:xfrm>
+          <a:prstGeom prst="bentConnector3">
+            <a:avLst>
+              <a:gd name="adj1" fmla="val 99234"/>
+            </a:avLst>
+          </a:prstGeom>
+          <a:ln w="12700">
+            <a:solidFill>
+              <a:schemeClr val="tx1"/>
+            </a:solidFill>
+          </a:ln>
+        </p:spPr>
+        <p:style>
+          <a:lnRef idx="1">
+            <a:schemeClr val="accent1"/>
+          </a:lnRef>
+          <a:fillRef idx="0">
+            <a:schemeClr val="accent1"/>
+          </a:fillRef>
+          <a:effectRef idx="0">
+            <a:schemeClr val="accent1"/>
+          </a:effectRef>
+          <a:fontRef idx="minor">
+            <a:schemeClr val="tx1"/>
+          </a:fontRef>
+        </p:style>
+      </p:cxnSp>
+      <p:cxnSp>
+        <p:nvCxnSpPr>
+          <p:cNvPr id="196" name="Conector angular 195"/>
+          <p:cNvCxnSpPr/>
+          <p:nvPr/>
+        </p:nvCxnSpPr>
+        <p:spPr>
+          <a:xfrm rot="5400000">
+            <a:off x="4863734" y="4827712"/>
+            <a:ext cx="143025" cy="876"/>
+          </a:xfrm>
+          <a:prstGeom prst="bentConnector3">
+            <a:avLst>
+              <a:gd name="adj1" fmla="val 729779"/>
+            </a:avLst>
+          </a:prstGeom>
+          <a:ln w="12700">
+            <a:solidFill>
+              <a:schemeClr val="tx1"/>
+            </a:solidFill>
+          </a:ln>
+        </p:spPr>
+        <p:style>
+          <a:lnRef idx="1">
+            <a:schemeClr val="accent1"/>
+          </a:lnRef>
+          <a:fillRef idx="0">
+            <a:schemeClr val="accent1"/>
+          </a:fillRef>
+          <a:effectRef idx="0">
+            <a:schemeClr val="accent1"/>
+          </a:effectRef>
+          <a:fontRef idx="minor">
+            <a:schemeClr val="tx1"/>
+          </a:fontRef>
+        </p:style>
+      </p:cxnSp>
+      <p:sp>
+        <p:nvSpPr>
+          <p:cNvPr id="203" name="CuadroTexto 202" descr="Conector entre nodos" title="conector"/>
+          <p:cNvSpPr txBox="1"/>
+          <p:nvPr/>
+        </p:nvSpPr>
+        <p:spPr>
+          <a:xfrm>
+            <a:off x="8475886" y="4526279"/>
+            <a:ext cx="592793" cy="215444"/>
+          </a:xfrm>
+          <a:prstGeom prst="rect">
+            <a:avLst/>
+          </a:prstGeom>
+          <a:noFill/>
+        </p:spPr>
+        <p:txBody>
+          <a:bodyPr wrap="square" rtlCol="0">
+            <a:spAutoFit/>
+          </a:bodyPr>
+          <a:lstStyle/>
+          <a:p>
+            <a:pPr algn="ctr"/>
+            <a:r>
+              <a:rPr lang="es-ES" sz="800" dirty="0" smtClean="0">
+                <a:latin typeface="Arial" panose="020B0604020202020204" pitchFamily="34" charset="0"/>
+                <a:cs typeface="Arial" panose="020B0604020202020204" pitchFamily="34" charset="0"/>
+              </a:rPr>
+              <a:t>que son</a:t>
+            </a:r>
+            <a:endParaRPr lang="es-ES" sz="800" dirty="0">
+              <a:latin typeface="Arial" panose="020B0604020202020204" pitchFamily="34" charset="0"/>
+              <a:cs typeface="Arial" panose="020B0604020202020204" pitchFamily="34" charset="0"/>
+            </a:endParaRPr>
+          </a:p>
+        </p:txBody>
+      </p:sp>
+      <p:cxnSp>
+        <p:nvCxnSpPr>
+          <p:cNvPr id="204" name="Conector angular 203"/>
+          <p:cNvCxnSpPr/>
+          <p:nvPr/>
+        </p:nvCxnSpPr>
+        <p:spPr>
+          <a:xfrm rot="16200000" flipV="1">
+            <a:off x="7648452" y="5690411"/>
+            <a:ext cx="753420" cy="8568"/>
+          </a:xfrm>
+          <a:prstGeom prst="bentConnector3">
+            <a:avLst>
+              <a:gd name="adj1" fmla="val -768"/>
+            </a:avLst>
+          </a:prstGeom>
+          <a:ln w="12700">
+            <a:solidFill>
+              <a:schemeClr val="tx1"/>
+            </a:solidFill>
+          </a:ln>
+        </p:spPr>
+        <p:style>
+          <a:lnRef idx="1">
+            <a:schemeClr val="accent1"/>
+          </a:lnRef>
+          <a:fillRef idx="0">
+            <a:schemeClr val="accent1"/>
+          </a:fillRef>
+          <a:effectRef idx="0">
+            <a:schemeClr val="accent1"/>
+          </a:effectRef>
+          <a:fontRef idx="minor">
+            <a:schemeClr val="tx1"/>
+          </a:fontRef>
+        </p:style>
+      </p:cxnSp>
+      <p:cxnSp>
+        <p:nvCxnSpPr>
+          <p:cNvPr id="205" name="Conector angular 204"/>
+          <p:cNvCxnSpPr/>
+          <p:nvPr/>
+        </p:nvCxnSpPr>
+        <p:spPr>
+          <a:xfrm rot="5400000">
+            <a:off x="8715257" y="4756637"/>
+            <a:ext cx="72000" cy="0"/>
+          </a:xfrm>
+          <a:prstGeom prst="bentConnector3">
+            <a:avLst>
+              <a:gd name="adj1" fmla="val 852472"/>
+            </a:avLst>
+          </a:prstGeom>
+          <a:ln w="12700">
+            <a:solidFill>
+              <a:schemeClr val="tx1"/>
+            </a:solidFill>
+          </a:ln>
+        </p:spPr>
+        <p:style>
+          <a:lnRef idx="1">
+            <a:schemeClr val="accent1"/>
+          </a:lnRef>
+          <a:fillRef idx="0">
+            <a:schemeClr val="accent1"/>
+          </a:fillRef>
+          <a:effectRef idx="0">
+            <a:schemeClr val="accent1"/>
+          </a:effectRef>
+          <a:fontRef idx="minor">
+            <a:schemeClr val="tx1"/>
+          </a:fontRef>
+        </p:style>
+      </p:cxnSp>
+      <p:cxnSp>
+        <p:nvCxnSpPr>
+          <p:cNvPr id="206" name="Conector angular 205"/>
+          <p:cNvCxnSpPr/>
+          <p:nvPr/>
+        </p:nvCxnSpPr>
+        <p:spPr>
+          <a:xfrm rot="5400000">
+            <a:off x="6270533" y="4490063"/>
+            <a:ext cx="143025" cy="876"/>
+          </a:xfrm>
+          <a:prstGeom prst="bentConnector3">
+            <a:avLst>
+              <a:gd name="adj1" fmla="val 50000"/>
+            </a:avLst>
+          </a:prstGeom>
+          <a:ln w="12700">
+            <a:solidFill>
+              <a:schemeClr val="tx1"/>
+            </a:solidFill>
+          </a:ln>
+        </p:spPr>
+        <p:style>
+          <a:lnRef idx="1">
+            <a:schemeClr val="accent1"/>
+          </a:lnRef>
+          <a:fillRef idx="0">
+            <a:schemeClr val="accent1"/>
+          </a:fillRef>
+          <a:effectRef idx="0">
+            <a:schemeClr val="accent1"/>
+          </a:effectRef>
+          <a:fontRef idx="minor">
+            <a:schemeClr val="tx1"/>
+          </a:fontRef>
+        </p:style>
+      </p:cxnSp>
+      <p:cxnSp>
+        <p:nvCxnSpPr>
+          <p:cNvPr id="207" name="Conector angular 206"/>
+          <p:cNvCxnSpPr/>
+          <p:nvPr/>
+        </p:nvCxnSpPr>
+        <p:spPr>
+          <a:xfrm rot="5400000">
+            <a:off x="6259010" y="4769745"/>
+            <a:ext cx="143025" cy="876"/>
+          </a:xfrm>
+          <a:prstGeom prst="bentConnector3">
+            <a:avLst>
+              <a:gd name="adj1" fmla="val 50000"/>
+            </a:avLst>
+          </a:prstGeom>
+          <a:ln w="12700">
+            <a:solidFill>
+              <a:schemeClr val="tx1"/>
+            </a:solidFill>
+          </a:ln>
+        </p:spPr>
+        <p:style>
+          <a:lnRef idx="1">
+            <a:schemeClr val="accent1"/>
+          </a:lnRef>
+          <a:fillRef idx="0">
+            <a:schemeClr val="accent1"/>
+          </a:fillRef>
+          <a:effectRef idx="0">
+            <a:schemeClr val="accent1"/>
+          </a:effectRef>
+          <a:fontRef idx="minor">
+            <a:schemeClr val="tx1"/>
+          </a:fontRef>
+        </p:style>
+      </p:cxnSp>
+      <p:cxnSp>
+        <p:nvCxnSpPr>
+          <p:cNvPr id="208" name="Conector angular 207"/>
+          <p:cNvCxnSpPr/>
+          <p:nvPr/>
+        </p:nvCxnSpPr>
+        <p:spPr>
+          <a:xfrm rot="5400000">
+            <a:off x="7961567" y="5086360"/>
+            <a:ext cx="143025" cy="876"/>
+          </a:xfrm>
+          <a:prstGeom prst="bentConnector3">
+            <a:avLst>
+              <a:gd name="adj1" fmla="val 50000"/>
+            </a:avLst>
+          </a:prstGeom>
+          <a:ln w="12700">
+            <a:solidFill>
+              <a:schemeClr val="tx1"/>
+            </a:solidFill>
+          </a:ln>
+        </p:spPr>
+        <p:style>
+          <a:lnRef idx="1">
+            <a:schemeClr val="accent1"/>
+          </a:lnRef>
+          <a:fillRef idx="0">
+            <a:schemeClr val="accent1"/>
+          </a:fillRef>
+          <a:effectRef idx="0">
+            <a:schemeClr val="accent1"/>
+          </a:effectRef>
+          <a:fontRef idx="minor">
+            <a:schemeClr val="tx1"/>
+          </a:fontRef>
+        </p:style>
+      </p:cxnSp>
+      <p:cxnSp>
+        <p:nvCxnSpPr>
+          <p:cNvPr id="209" name="Conector angular 208"/>
+          <p:cNvCxnSpPr/>
+          <p:nvPr/>
+        </p:nvCxnSpPr>
+        <p:spPr>
+          <a:xfrm rot="5400000">
+            <a:off x="8703087" y="4502954"/>
+            <a:ext cx="143025" cy="876"/>
+          </a:xfrm>
+          <a:prstGeom prst="bentConnector3">
+            <a:avLst>
+              <a:gd name="adj1" fmla="val 50000"/>
+            </a:avLst>
+          </a:prstGeom>
+          <a:ln w="12700">
+            <a:solidFill>
+              <a:schemeClr val="tx1"/>
+            </a:solidFill>
+          </a:ln>
+        </p:spPr>
+        <p:style>
+          <a:lnRef idx="1">
+            <a:schemeClr val="accent1"/>
+          </a:lnRef>
+          <a:fillRef idx="0">
+            <a:schemeClr val="accent1"/>
+          </a:fillRef>
+          <a:effectRef idx="0">
+            <a:schemeClr val="accent1"/>
+          </a:effectRef>
+          <a:fontRef idx="minor">
+            <a:schemeClr val="tx1"/>
+          </a:fontRef>
+        </p:style>
+      </p:cxnSp>
+      <p:cxnSp>
+        <p:nvCxnSpPr>
+          <p:cNvPr id="210" name="Conector angular 209"/>
+          <p:cNvCxnSpPr/>
+          <p:nvPr/>
+        </p:nvCxnSpPr>
+        <p:spPr>
+          <a:xfrm rot="5400000">
+            <a:off x="6288988" y="4044292"/>
+            <a:ext cx="143025" cy="876"/>
+          </a:xfrm>
+          <a:prstGeom prst="bentConnector3">
+            <a:avLst>
+              <a:gd name="adj1" fmla="val 150194"/>
+            </a:avLst>
+          </a:prstGeom>
+          <a:ln w="12700">
+            <a:solidFill>
+              <a:schemeClr val="tx1"/>
+            </a:solidFill>
+          </a:ln>
+        </p:spPr>
+        <p:style>
+          <a:lnRef idx="1">
+            <a:schemeClr val="accent1"/>
+          </a:lnRef>
+          <a:fillRef idx="0">
+            <a:schemeClr val="accent1"/>
+          </a:fillRef>
+          <a:effectRef idx="0">
+            <a:schemeClr val="accent1"/>
+          </a:effectRef>
+          <a:fontRef idx="minor">
+            <a:schemeClr val="tx1"/>
+          </a:fontRef>
+        </p:style>
+      </p:cxnSp>
+      <p:cxnSp>
+        <p:nvCxnSpPr>
+          <p:cNvPr id="212" name="Conector angular 211"/>
+          <p:cNvCxnSpPr/>
+          <p:nvPr/>
+        </p:nvCxnSpPr>
+        <p:spPr>
+          <a:xfrm>
+            <a:off x="7291123" y="3987717"/>
+            <a:ext cx="1483039" cy="76638"/>
+          </a:xfrm>
+          <a:prstGeom prst="bentConnector3">
+            <a:avLst>
+              <a:gd name="adj1" fmla="val 99234"/>
+            </a:avLst>
+          </a:prstGeom>
+          <a:ln w="12700">
+            <a:solidFill>
+              <a:schemeClr val="tx1"/>
+            </a:solidFill>
+          </a:ln>
+        </p:spPr>
+        <p:style>
+          <a:lnRef idx="1">
+            <a:schemeClr val="accent1"/>
+          </a:lnRef>
+          <a:fillRef idx="0">
+            <a:schemeClr val="accent1"/>
+          </a:fillRef>
+          <a:effectRef idx="0">
+            <a:schemeClr val="accent1"/>
+          </a:effectRef>
+          <a:fontRef idx="minor">
+            <a:schemeClr val="tx1"/>
+          </a:fontRef>
+        </p:style>
+      </p:cxnSp>
+      <p:cxnSp>
+        <p:nvCxnSpPr>
+          <p:cNvPr id="213" name="Conector angular 212"/>
+          <p:cNvCxnSpPr/>
+          <p:nvPr/>
+        </p:nvCxnSpPr>
+        <p:spPr>
+          <a:xfrm rot="5400000">
+            <a:off x="7233604" y="4050704"/>
+            <a:ext cx="143025" cy="876"/>
+          </a:xfrm>
+          <a:prstGeom prst="bentConnector3">
+            <a:avLst>
+              <a:gd name="adj1" fmla="val 50000"/>
+            </a:avLst>
+          </a:prstGeom>
+          <a:ln w="12700">
+            <a:solidFill>
+              <a:schemeClr val="tx1"/>
+            </a:solidFill>
+          </a:ln>
+        </p:spPr>
+        <p:style>
+          <a:lnRef idx="1">
+            <a:schemeClr val="accent1"/>
+          </a:lnRef>
+          <a:fillRef idx="0">
+            <a:schemeClr val="accent1"/>
+          </a:fillRef>
+          <a:effectRef idx="0">
+            <a:schemeClr val="accent1"/>
+          </a:effectRef>
+          <a:fontRef idx="minor">
+            <a:schemeClr val="tx1"/>
+          </a:fontRef>
+        </p:style>
+      </p:cxnSp>
+      <p:cxnSp>
+        <p:nvCxnSpPr>
+          <p:cNvPr id="214" name="Conector angular 213"/>
+          <p:cNvCxnSpPr/>
+          <p:nvPr/>
+        </p:nvCxnSpPr>
+        <p:spPr>
+          <a:xfrm rot="5400000">
+            <a:off x="7585512" y="4280478"/>
+            <a:ext cx="716042" cy="8635"/>
+          </a:xfrm>
+          <a:prstGeom prst="bentConnector3">
+            <a:avLst>
+              <a:gd name="adj1" fmla="val 101462"/>
+            </a:avLst>
+          </a:prstGeom>
+          <a:ln w="12700">
+            <a:solidFill>
+              <a:schemeClr val="tx1"/>
+            </a:solidFill>
+          </a:ln>
+        </p:spPr>
+        <p:style>
+          <a:lnRef idx="1">
+            <a:schemeClr val="accent1"/>
+          </a:lnRef>
+          <a:fillRef idx="0">
+            <a:schemeClr val="accent1"/>
+          </a:fillRef>
+          <a:effectRef idx="0">
+            <a:schemeClr val="accent1"/>
+          </a:effectRef>
+          <a:fontRef idx="minor">
+            <a:schemeClr val="tx1"/>
+          </a:fontRef>
+        </p:style>
+      </p:cxnSp>
+      <p:sp>
+        <p:nvSpPr>
+          <p:cNvPr id="215" name="Rectángulo 214" descr="Nodo de segundo nivel" title="Nodo02"/>
+          <p:cNvSpPr/>
+          <p:nvPr/>
+        </p:nvSpPr>
+        <p:spPr>
+          <a:xfrm>
+            <a:off x="1210196" y="1996628"/>
+            <a:ext cx="1485401" cy="493800"/>
           </a:xfrm>
           <a:prstGeom prst="rect">
             <a:avLst/>
@@ -2748,144 +5189,334 @@
           <a:lstStyle/>
           <a:p>
             <a:pPr algn="ctr"/>
-            <a:r>
-              <a:rPr lang="es-ES_tradnl" sz="1050" dirty="0" smtClean="0">
+            <a:endParaRPr lang="es-ES" sz="1000" b="1" dirty="0" smtClean="0">
+              <a:solidFill>
+                <a:schemeClr val="bg1"/>
+              </a:solidFill>
+              <a:latin typeface="Arial" panose="020B0604020202020204" pitchFamily="34" charset="0"/>
+              <a:cs typeface="Arial" panose="020B0604020202020204" pitchFamily="34" charset="0"/>
+            </a:endParaRPr>
+          </a:p>
+          <a:p>
+            <a:pPr algn="ctr"/>
+            <a:r>
+              <a:rPr lang="es-ES" sz="1000" b="1" dirty="0" smtClean="0">
                 <a:solidFill>
                   <a:schemeClr val="bg1"/>
                 </a:solidFill>
-              </a:rPr>
-              <a:t>El mayor de los divisores </a:t>
-            </a:r>
-            <a:r>
-              <a:rPr lang="es-ES_tradnl" sz="1050" dirty="0" smtClean="0">
+                <a:latin typeface="Arial" panose="020B0604020202020204" pitchFamily="34" charset="0"/>
+                <a:cs typeface="Arial" panose="020B0604020202020204" pitchFamily="34" charset="0"/>
+              </a:rPr>
+              <a:t>ser </a:t>
+            </a:r>
+            <a:r>
+              <a:rPr lang="es-ES" sz="1000" b="1" dirty="0">
                 <a:solidFill>
                   <a:schemeClr val="bg1"/>
                 </a:solidFill>
-              </a:rPr>
-              <a:t>comunes entre dichos números</a:t>
-            </a:r>
-            <a:endParaRPr lang="es-ES" sz="1050" dirty="0">
+                <a:latin typeface="Arial" panose="020B0604020202020204" pitchFamily="34" charset="0"/>
+                <a:cs typeface="Arial" panose="020B0604020202020204" pitchFamily="34" charset="0"/>
+              </a:rPr>
+              <a:t>múltiplo de </a:t>
+            </a:r>
+            <a:r>
+              <a:rPr lang="es-ES" sz="1000" b="1" i="1" dirty="0">
+                <a:solidFill>
+                  <a:schemeClr val="bg1"/>
+                </a:solidFill>
+                <a:latin typeface="Arial" panose="020B0604020202020204" pitchFamily="34" charset="0"/>
+                <a:cs typeface="Arial" panose="020B0604020202020204" pitchFamily="34" charset="0"/>
+              </a:rPr>
+              <a:t>n</a:t>
+            </a:r>
+            <a:r>
+              <a:rPr lang="es-ES" sz="1000" b="1" dirty="0">
+                <a:solidFill>
+                  <a:schemeClr val="bg1"/>
+                </a:solidFill>
+                <a:latin typeface="Arial" panose="020B0604020202020204" pitchFamily="34" charset="0"/>
+                <a:cs typeface="Arial" panose="020B0604020202020204" pitchFamily="34" charset="0"/>
+              </a:rPr>
+              <a:t>, si </a:t>
+            </a:r>
+            <a:r>
+              <a:rPr lang="es-ES" sz="1000" b="1" i="1" dirty="0">
+                <a:solidFill>
+                  <a:schemeClr val="bg1"/>
+                </a:solidFill>
+                <a:latin typeface="Arial" panose="020B0604020202020204" pitchFamily="34" charset="0"/>
+                <a:cs typeface="Arial" panose="020B0604020202020204" pitchFamily="34" charset="0"/>
+              </a:rPr>
+              <a:t>n</a:t>
+            </a:r>
+            <a:r>
+              <a:rPr lang="es-ES" sz="1000" b="1" dirty="0">
+                <a:solidFill>
+                  <a:schemeClr val="bg1"/>
+                </a:solidFill>
+                <a:latin typeface="Arial" panose="020B0604020202020204" pitchFamily="34" charset="0"/>
+                <a:cs typeface="Arial" panose="020B0604020202020204" pitchFamily="34" charset="0"/>
+              </a:rPr>
+              <a:t> es número natural</a:t>
+            </a:r>
+            <a:endParaRPr lang="es-ES" sz="1000" b="1" i="1" dirty="0">
               <a:solidFill>
                 <a:schemeClr val="bg1"/>
               </a:solidFill>
+              <a:latin typeface="Arial" panose="020B0604020202020204" pitchFamily="34" charset="0"/>
+              <a:cs typeface="Arial" panose="020B0604020202020204" pitchFamily="34" charset="0"/>
+            </a:endParaRPr>
+          </a:p>
+          <a:p>
+            <a:pPr algn="ctr"/>
+            <a:r>
+              <a:rPr lang="es-ES" sz="950" dirty="0" smtClean="0">
+                <a:solidFill>
+                  <a:schemeClr val="bg1"/>
+                </a:solidFill>
+                <a:latin typeface="Arial" panose="020B0604020202020204" pitchFamily="34" charset="0"/>
+                <a:cs typeface="Arial" panose="020B0604020202020204" pitchFamily="34" charset="0"/>
+              </a:rPr>
+              <a:t> </a:t>
+            </a:r>
+            <a:endParaRPr lang="es-ES" sz="950" dirty="0">
+              <a:solidFill>
+                <a:schemeClr val="bg1"/>
+              </a:solidFill>
+              <a:latin typeface="Arial" panose="020B0604020202020204" pitchFamily="34" charset="0"/>
+              <a:cs typeface="Arial" panose="020B0604020202020204" pitchFamily="34" charset="0"/>
             </a:endParaRPr>
           </a:p>
         </p:txBody>
       </p:sp>
-      <p:cxnSp>
-        <p:nvCxnSpPr>
-          <p:cNvPr id="164" name="Conector angular 44"/>
-          <p:cNvCxnSpPr>
-            <a:stCxn id="162" idx="2"/>
-            <a:endCxn id="163" idx="0"/>
-          </p:cNvCxnSpPr>
-          <p:nvPr/>
-        </p:nvCxnSpPr>
-        <p:spPr>
-          <a:xfrm rot="16200000" flipH="1">
-            <a:off x="7899941" y="1981326"/>
-            <a:ext cx="143029" cy="124558"/>
-          </a:xfrm>
-          <a:prstGeom prst="bentConnector3">
-            <a:avLst>
-              <a:gd name="adj1" fmla="val 50000"/>
-            </a:avLst>
-          </a:prstGeom>
-          <a:ln w="12700">
-            <a:solidFill>
-              <a:schemeClr val="tx1"/>
-            </a:solidFill>
-          </a:ln>
-        </p:spPr>
-        <p:style>
-          <a:lnRef idx="1">
-            <a:schemeClr val="accent1"/>
-          </a:lnRef>
-          <a:fillRef idx="0">
-            <a:schemeClr val="accent1"/>
-          </a:fillRef>
-          <a:effectRef idx="0">
-            <a:schemeClr val="accent1"/>
-          </a:effectRef>
-          <a:fontRef idx="minor">
-            <a:schemeClr val="tx1"/>
-          </a:fontRef>
-        </p:style>
-      </p:cxnSp>
-      <p:cxnSp>
-        <p:nvCxnSpPr>
-          <p:cNvPr id="165" name="Conector angular 11"/>
-          <p:cNvCxnSpPr/>
-          <p:nvPr/>
-        </p:nvCxnSpPr>
+      <p:sp>
+        <p:nvSpPr>
+          <p:cNvPr id="217" name="Rectángulo 216" descr="Nodo de segundo nivel" title="Nodo02"/>
+          <p:cNvSpPr/>
+          <p:nvPr/>
+        </p:nvSpPr>
         <p:spPr>
           <a:xfrm>
-            <a:off x="5359400" y="901700"/>
-            <a:ext cx="2540000" cy="444500"/>
-          </a:xfrm>
-          <a:prstGeom prst="bentConnector3">
-            <a:avLst>
-              <a:gd name="adj1" fmla="val 99500"/>
-            </a:avLst>
-          </a:prstGeom>
-          <a:ln w="12700">
-            <a:solidFill>
-              <a:schemeClr val="tx1"/>
-            </a:solidFill>
-          </a:ln>
-        </p:spPr>
-        <p:style>
-          <a:lnRef idx="1">
-            <a:schemeClr val="accent1"/>
-          </a:lnRef>
-          <a:fillRef idx="0">
-            <a:schemeClr val="accent1"/>
-          </a:fillRef>
-          <a:effectRef idx="0">
-            <a:schemeClr val="accent1"/>
-          </a:effectRef>
-          <a:fontRef idx="minor">
-            <a:schemeClr val="tx1"/>
-          </a:fontRef>
-        </p:style>
-      </p:cxnSp>
-      <p:cxnSp>
-        <p:nvCxnSpPr>
-          <p:cNvPr id="171" name="Conector angular 337"/>
-          <p:cNvCxnSpPr>
-            <a:endCxn id="153" idx="0"/>
-          </p:cNvCxnSpPr>
-          <p:nvPr/>
-        </p:nvCxnSpPr>
-        <p:spPr>
-          <a:xfrm flipH="1">
-            <a:off x="3361077" y="889000"/>
-            <a:ext cx="17123" cy="415796"/>
-          </a:xfrm>
-          <a:prstGeom prst="straightConnector1">
+            <a:off x="5772622" y="1965270"/>
+            <a:ext cx="1485401" cy="493800"/>
+          </a:xfrm>
+          <a:prstGeom prst="rect">
             <a:avLst/>
           </a:prstGeom>
-          <a:ln w="12700">
-            <a:solidFill>
-              <a:schemeClr val="tx1"/>
-            </a:solidFill>
-          </a:ln>
-        </p:spPr>
-        <p:style>
-          <a:lnRef idx="1">
-            <a:schemeClr val="accent1"/>
-          </a:lnRef>
-          <a:fillRef idx="0">
-            <a:schemeClr val="accent1"/>
-          </a:fillRef>
-          <a:effectRef idx="0">
-            <a:schemeClr val="accent1"/>
-          </a:effectRef>
-          <a:fontRef idx="minor">
-            <a:schemeClr val="tx1"/>
-          </a:fontRef>
-        </p:style>
-      </p:cxnSp>
+          <a:solidFill>
+            <a:schemeClr val="bg2">
+              <a:lumMod val="50000"/>
+            </a:schemeClr>
+          </a:solidFill>
+          <a:ln>
+            <a:solidFill>
+              <a:schemeClr val="tx1"/>
+            </a:solidFill>
+          </a:ln>
+        </p:spPr>
+        <p:style>
+          <a:lnRef idx="2">
+            <a:schemeClr val="accent6"/>
+          </a:lnRef>
+          <a:fillRef idx="1">
+            <a:schemeClr val="lt1"/>
+          </a:fillRef>
+          <a:effectRef idx="0">
+            <a:schemeClr val="accent6"/>
+          </a:effectRef>
+          <a:fontRef idx="minor">
+            <a:schemeClr val="dk1"/>
+          </a:fontRef>
+        </p:style>
+        <p:txBody>
+          <a:bodyPr rtlCol="0" anchor="ctr"/>
+          <a:lstStyle/>
+          <a:p>
+            <a:pPr algn="ctr"/>
+            <a:endParaRPr lang="es-ES" sz="1000" b="1" dirty="0" smtClean="0">
+              <a:solidFill>
+                <a:schemeClr val="bg1"/>
+              </a:solidFill>
+              <a:latin typeface="Arial" panose="020B0604020202020204" pitchFamily="34" charset="0"/>
+              <a:cs typeface="Arial" panose="020B0604020202020204" pitchFamily="34" charset="0"/>
+            </a:endParaRPr>
+          </a:p>
+          <a:p>
+            <a:pPr algn="ctr"/>
+            <a:r>
+              <a:rPr lang="es-ES" sz="1000" b="1" dirty="0" smtClean="0">
+                <a:solidFill>
+                  <a:schemeClr val="bg1"/>
+                </a:solidFill>
+                <a:latin typeface="Arial" panose="020B0604020202020204" pitchFamily="34" charset="0"/>
+                <a:cs typeface="Arial" panose="020B0604020202020204" pitchFamily="34" charset="0"/>
+              </a:rPr>
+              <a:t>ser divisor </a:t>
+            </a:r>
+            <a:r>
+              <a:rPr lang="es-ES" sz="1000" b="1" dirty="0">
+                <a:solidFill>
+                  <a:schemeClr val="bg1"/>
+                </a:solidFill>
+                <a:latin typeface="Arial" panose="020B0604020202020204" pitchFamily="34" charset="0"/>
+                <a:cs typeface="Arial" panose="020B0604020202020204" pitchFamily="34" charset="0"/>
+              </a:rPr>
+              <a:t>de </a:t>
+            </a:r>
+            <a:r>
+              <a:rPr lang="es-ES" sz="1000" b="1" i="1" dirty="0">
+                <a:solidFill>
+                  <a:schemeClr val="bg1"/>
+                </a:solidFill>
+                <a:latin typeface="Arial" panose="020B0604020202020204" pitchFamily="34" charset="0"/>
+                <a:cs typeface="Arial" panose="020B0604020202020204" pitchFamily="34" charset="0"/>
+              </a:rPr>
+              <a:t>n</a:t>
+            </a:r>
+            <a:r>
+              <a:rPr lang="es-ES" sz="1000" b="1" dirty="0">
+                <a:solidFill>
+                  <a:schemeClr val="bg1"/>
+                </a:solidFill>
+                <a:latin typeface="Arial" panose="020B0604020202020204" pitchFamily="34" charset="0"/>
+                <a:cs typeface="Arial" panose="020B0604020202020204" pitchFamily="34" charset="0"/>
+              </a:rPr>
+              <a:t>, si </a:t>
+            </a:r>
+            <a:r>
+              <a:rPr lang="es-ES" sz="1000" b="1" i="1" dirty="0">
+                <a:solidFill>
+                  <a:schemeClr val="bg1"/>
+                </a:solidFill>
+                <a:latin typeface="Arial" panose="020B0604020202020204" pitchFamily="34" charset="0"/>
+                <a:cs typeface="Arial" panose="020B0604020202020204" pitchFamily="34" charset="0"/>
+              </a:rPr>
+              <a:t>n</a:t>
+            </a:r>
+            <a:r>
+              <a:rPr lang="es-ES" sz="1000" b="1" dirty="0">
+                <a:solidFill>
+                  <a:schemeClr val="bg1"/>
+                </a:solidFill>
+                <a:latin typeface="Arial" panose="020B0604020202020204" pitchFamily="34" charset="0"/>
+                <a:cs typeface="Arial" panose="020B0604020202020204" pitchFamily="34" charset="0"/>
+              </a:rPr>
+              <a:t> es número natural</a:t>
+            </a:r>
+            <a:endParaRPr lang="es-ES" sz="1000" b="1" i="1" dirty="0">
+              <a:solidFill>
+                <a:schemeClr val="bg1"/>
+              </a:solidFill>
+              <a:latin typeface="Arial" panose="020B0604020202020204" pitchFamily="34" charset="0"/>
+              <a:cs typeface="Arial" panose="020B0604020202020204" pitchFamily="34" charset="0"/>
+            </a:endParaRPr>
+          </a:p>
+          <a:p>
+            <a:pPr algn="ctr"/>
+            <a:r>
+              <a:rPr lang="es-ES" sz="950" dirty="0" smtClean="0">
+                <a:solidFill>
+                  <a:schemeClr val="bg1"/>
+                </a:solidFill>
+                <a:latin typeface="Arial" panose="020B0604020202020204" pitchFamily="34" charset="0"/>
+                <a:cs typeface="Arial" panose="020B0604020202020204" pitchFamily="34" charset="0"/>
+              </a:rPr>
+              <a:t> </a:t>
+            </a:r>
+            <a:endParaRPr lang="es-ES" sz="950" dirty="0">
+              <a:solidFill>
+                <a:schemeClr val="bg1"/>
+              </a:solidFill>
+              <a:latin typeface="Arial" panose="020B0604020202020204" pitchFamily="34" charset="0"/>
+              <a:cs typeface="Arial" panose="020B0604020202020204" pitchFamily="34" charset="0"/>
+            </a:endParaRPr>
+          </a:p>
+        </p:txBody>
+      </p:sp>
+      <p:sp>
+        <p:nvSpPr>
+          <p:cNvPr id="218" name="Rectángulo 217" descr="Nodo de segundo nivel" title="Nodo02"/>
+          <p:cNvSpPr/>
+          <p:nvPr/>
+        </p:nvSpPr>
+        <p:spPr>
+          <a:xfrm>
+            <a:off x="5724337" y="2905363"/>
+            <a:ext cx="1480950" cy="623518"/>
+          </a:xfrm>
+          <a:prstGeom prst="rect">
+            <a:avLst/>
+          </a:prstGeom>
+          <a:solidFill>
+            <a:schemeClr val="bg2">
+              <a:lumMod val="90000"/>
+            </a:schemeClr>
+          </a:solidFill>
+          <a:ln>
+            <a:solidFill>
+              <a:schemeClr val="tx1"/>
+            </a:solidFill>
+          </a:ln>
+        </p:spPr>
+        <p:style>
+          <a:lnRef idx="2">
+            <a:schemeClr val="accent6"/>
+          </a:lnRef>
+          <a:fillRef idx="1">
+            <a:schemeClr val="lt1"/>
+          </a:fillRef>
+          <a:effectRef idx="0">
+            <a:schemeClr val="accent6"/>
+          </a:effectRef>
+          <a:fontRef idx="minor">
+            <a:schemeClr val="dk1"/>
+          </a:fontRef>
+        </p:style>
+        <p:txBody>
+          <a:bodyPr rtlCol="0" anchor="ctr"/>
+          <a:lstStyle/>
+          <a:p>
+            <a:pPr algn="ctr"/>
+            <a:r>
+              <a:rPr lang="es-ES" sz="900" dirty="0">
+                <a:solidFill>
+                  <a:schemeClr val="tx1"/>
+                </a:solidFill>
+                <a:latin typeface="Arial" panose="020B0604020202020204" pitchFamily="34" charset="0"/>
+                <a:cs typeface="Arial" panose="020B0604020202020204" pitchFamily="34" charset="0"/>
+              </a:rPr>
+              <a:t>todos los números que dividen exactamente a </a:t>
+            </a:r>
+            <a:r>
+              <a:rPr lang="es-ES" sz="900" i="1" dirty="0">
+                <a:solidFill>
+                  <a:schemeClr val="tx1"/>
+                </a:solidFill>
+                <a:latin typeface="Arial" panose="020B0604020202020204" pitchFamily="34" charset="0"/>
+                <a:cs typeface="Arial" panose="020B0604020202020204" pitchFamily="34" charset="0"/>
+              </a:rPr>
+              <a:t>n </a:t>
+            </a:r>
+            <a:r>
+              <a:rPr lang="es-ES" sz="900" dirty="0">
+                <a:solidFill>
+                  <a:schemeClr val="tx1"/>
+                </a:solidFill>
+                <a:latin typeface="Arial" panose="020B0604020202020204" pitchFamily="34" charset="0"/>
+                <a:cs typeface="Arial" panose="020B0604020202020204" pitchFamily="34" charset="0"/>
+              </a:rPr>
+              <a:t>en forma exacta</a:t>
+            </a:r>
+            <a:endParaRPr lang="es-ES" sz="900" dirty="0">
+              <a:solidFill>
+                <a:schemeClr val="tx1"/>
+              </a:solidFill>
+              <a:latin typeface="Arial" panose="020B0604020202020204" pitchFamily="34" charset="0"/>
+              <a:cs typeface="Arial" panose="020B0604020202020204" pitchFamily="34" charset="0"/>
+            </a:endParaRPr>
+          </a:p>
+        </p:txBody>
+      </p:sp>
     </p:spTree>
     <p:extLst>
       <p:ext uri="{BB962C8B-B14F-4D97-AF65-F5344CB8AC3E}">
@@ -2899,7 +5530,7 @@
   <p:timing>
     <p:tnLst>
       <p:par>
-        <p:cTn xmlns:p14="http://schemas.microsoft.com/office/powerpoint/2010/main" id="1" dur="indefinite" restart="never" nodeType="tmRoot"/>
+        <p:cTn id="1" dur="indefinite" restart="never" nodeType="tmRoot"/>
       </p:par>
     </p:tnLst>
   </p:timing>
@@ -2949,7 +5580,7 @@
     </a:clrScheme>
     <a:fontScheme name="Tema de Office">
       <a:majorFont>
-        <a:latin typeface="Calibri Light"/>
+        <a:latin typeface="Calibri Light" panose="020F0302020204030204"/>
         <a:ea typeface=""/>
         <a:cs typeface=""/>
         <a:font script="Jpan" typeface="ＭＳ Ｐゴシック"/>
@@ -2984,7 +5615,7 @@
         <a:font script="Geor" typeface="Sylfaen"/>
       </a:majorFont>
       <a:minorFont>
-        <a:latin typeface="Calibri"/>
+        <a:latin typeface="Calibri" panose="020F0502020204030204"/>
         <a:ea typeface=""/>
         <a:cs typeface=""/>
         <a:font script="Jpan" typeface="ＭＳ Ｐゴシック"/>
@@ -3161,7 +5792,268 @@
   <a:extraClrSchemeLst/>
   <a:extLst>
     <a:ext uri="{05A4C25C-085E-4340-85A3-A5531E510DB2}">
-      <thm15:themeFamily xmlns="" xmlns:thm15="http://schemas.microsoft.com/office/thememl/2012/main" name="Office Theme" id="{62F939B6-93AF-4DB8-9C6B-D6C7DFDC589F}" vid="{4A3C46E8-61CC-4603-A589-7422A47A8E4A}"/>
+      <thm15:themeFamily xmlns:thm15="http://schemas.microsoft.com/office/thememl/2012/main" name="Office Theme" id="{62F939B6-93AF-4DB8-9C6B-D6C7DFDC589F}" vid="{4A3C46E8-61CC-4603-A589-7422A47A8E4A}"/>
+    </a:ext>
+  </a:extLst>
+</a:theme>
+</file>
+
+<file path=ppt/theme/theme2.xml><?xml version="1.0" encoding="utf-8"?>
+<a:theme xmlns:a="http://schemas.openxmlformats.org/drawingml/2006/main" name="Tema de Office">
+  <a:themeElements>
+    <a:clrScheme name="Office">
+      <a:dk1>
+        <a:sysClr val="windowText" lastClr="000000"/>
+      </a:dk1>
+      <a:lt1>
+        <a:sysClr val="window" lastClr="FFFFFF"/>
+      </a:lt1>
+      <a:dk2>
+        <a:srgbClr val="44546A"/>
+      </a:dk2>
+      <a:lt2>
+        <a:srgbClr val="E7E6E6"/>
+      </a:lt2>
+      <a:accent1>
+        <a:srgbClr val="5B9BD5"/>
+      </a:accent1>
+      <a:accent2>
+        <a:srgbClr val="ED7D31"/>
+      </a:accent2>
+      <a:accent3>
+        <a:srgbClr val="A5A5A5"/>
+      </a:accent3>
+      <a:accent4>
+        <a:srgbClr val="FFC000"/>
+      </a:accent4>
+      <a:accent5>
+        <a:srgbClr val="4472C4"/>
+      </a:accent5>
+      <a:accent6>
+        <a:srgbClr val="70AD47"/>
+      </a:accent6>
+      <a:hlink>
+        <a:srgbClr val="0563C1"/>
+      </a:hlink>
+      <a:folHlink>
+        <a:srgbClr val="954F72"/>
+      </a:folHlink>
+    </a:clrScheme>
+    <a:fontScheme name="Office">
+      <a:majorFont>
+        <a:latin typeface="Calibri Light" panose="020F0302020204030204"/>
+        <a:ea typeface=""/>
+        <a:cs typeface=""/>
+        <a:font script="Jpan" typeface="ＭＳ Ｐゴシック"/>
+        <a:font script="Hang" typeface="맑은 고딕"/>
+        <a:font script="Hans" typeface="宋体"/>
+        <a:font script="Hant" typeface="新細明體"/>
+        <a:font script="Arab" typeface="Times New Roman"/>
+        <a:font script="Hebr" typeface="Times New Roman"/>
+        <a:font script="Thai" typeface="Angsana New"/>
+        <a:font script="Ethi" typeface="Nyala"/>
+        <a:font script="Beng" typeface="Vrinda"/>
+        <a:font script="Gujr" typeface="Shruti"/>
+        <a:font script="Khmr" typeface="MoolBoran"/>
+        <a:font script="Knda" typeface="Tunga"/>
+        <a:font script="Guru" typeface="Raavi"/>
+        <a:font script="Cans" typeface="Euphemia"/>
+        <a:font script="Cher" typeface="Plantagenet Cherokee"/>
+        <a:font script="Yiii" typeface="Microsoft Yi Baiti"/>
+        <a:font script="Tibt" typeface="Microsoft Himalaya"/>
+        <a:font script="Thaa" typeface="MV Boli"/>
+        <a:font script="Deva" typeface="Mangal"/>
+        <a:font script="Telu" typeface="Gautami"/>
+        <a:font script="Taml" typeface="Latha"/>
+        <a:font script="Syrc" typeface="Estrangelo Edessa"/>
+        <a:font script="Orya" typeface="Kalinga"/>
+        <a:font script="Mlym" typeface="Kartika"/>
+        <a:font script="Laoo" typeface="DokChampa"/>
+        <a:font script="Sinh" typeface="Iskoola Pota"/>
+        <a:font script="Mong" typeface="Mongolian Baiti"/>
+        <a:font script="Viet" typeface="Times New Roman"/>
+        <a:font script="Uigh" typeface="Microsoft Uighur"/>
+        <a:font script="Geor" typeface="Sylfaen"/>
+      </a:majorFont>
+      <a:minorFont>
+        <a:latin typeface="Calibri" panose="020F0502020204030204"/>
+        <a:ea typeface=""/>
+        <a:cs typeface=""/>
+        <a:font script="Jpan" typeface="ＭＳ Ｐゴシック"/>
+        <a:font script="Hang" typeface="맑은 고딕"/>
+        <a:font script="Hans" typeface="宋体"/>
+        <a:font script="Hant" typeface="新細明體"/>
+        <a:font script="Arab" typeface="Arial"/>
+        <a:font script="Hebr" typeface="Arial"/>
+        <a:font script="Thai" typeface="Cordia New"/>
+        <a:font script="Ethi" typeface="Nyala"/>
+        <a:font script="Beng" typeface="Vrinda"/>
+        <a:font script="Gujr" typeface="Shruti"/>
+        <a:font script="Khmr" typeface="DaunPenh"/>
+        <a:font script="Knda" typeface="Tunga"/>
+        <a:font script="Guru" typeface="Raavi"/>
+        <a:font script="Cans" typeface="Euphemia"/>
+        <a:font script="Cher" typeface="Plantagenet Cherokee"/>
+        <a:font script="Yiii" typeface="Microsoft Yi Baiti"/>
+        <a:font script="Tibt" typeface="Microsoft Himalaya"/>
+        <a:font script="Thaa" typeface="MV Boli"/>
+        <a:font script="Deva" typeface="Mangal"/>
+        <a:font script="Telu" typeface="Gautami"/>
+        <a:font script="Taml" typeface="Latha"/>
+        <a:font script="Syrc" typeface="Estrangelo Edessa"/>
+        <a:font script="Orya" typeface="Kalinga"/>
+        <a:font script="Mlym" typeface="Kartika"/>
+        <a:font script="Laoo" typeface="DokChampa"/>
+        <a:font script="Sinh" typeface="Iskoola Pota"/>
+        <a:font script="Mong" typeface="Mongolian Baiti"/>
+        <a:font script="Viet" typeface="Arial"/>
+        <a:font script="Uigh" typeface="Microsoft Uighur"/>
+        <a:font script="Geor" typeface="Sylfaen"/>
+      </a:minorFont>
+    </a:fontScheme>
+    <a:fmtScheme name="Office">
+      <a:fillStyleLst>
+        <a:solidFill>
+          <a:schemeClr val="phClr"/>
+        </a:solidFill>
+        <a:gradFill rotWithShape="1">
+          <a:gsLst>
+            <a:gs pos="0">
+              <a:schemeClr val="phClr">
+                <a:lumMod val="110000"/>
+                <a:satMod val="105000"/>
+                <a:tint val="67000"/>
+              </a:schemeClr>
+            </a:gs>
+            <a:gs pos="50000">
+              <a:schemeClr val="phClr">
+                <a:lumMod val="105000"/>
+                <a:satMod val="103000"/>
+                <a:tint val="73000"/>
+              </a:schemeClr>
+            </a:gs>
+            <a:gs pos="100000">
+              <a:schemeClr val="phClr">
+                <a:lumMod val="105000"/>
+                <a:satMod val="109000"/>
+                <a:tint val="81000"/>
+              </a:schemeClr>
+            </a:gs>
+          </a:gsLst>
+          <a:lin ang="5400000" scaled="0"/>
+        </a:gradFill>
+        <a:gradFill rotWithShape="1">
+          <a:gsLst>
+            <a:gs pos="0">
+              <a:schemeClr val="phClr">
+                <a:satMod val="103000"/>
+                <a:lumMod val="102000"/>
+                <a:tint val="94000"/>
+              </a:schemeClr>
+            </a:gs>
+            <a:gs pos="50000">
+              <a:schemeClr val="phClr">
+                <a:satMod val="110000"/>
+                <a:lumMod val="100000"/>
+                <a:shade val="100000"/>
+              </a:schemeClr>
+            </a:gs>
+            <a:gs pos="100000">
+              <a:schemeClr val="phClr">
+                <a:lumMod val="99000"/>
+                <a:satMod val="120000"/>
+                <a:shade val="78000"/>
+              </a:schemeClr>
+            </a:gs>
+          </a:gsLst>
+          <a:lin ang="5400000" scaled="0"/>
+        </a:gradFill>
+      </a:fillStyleLst>
+      <a:lnStyleLst>
+        <a:ln w="6350" cap="flat" cmpd="sng" algn="ctr">
+          <a:solidFill>
+            <a:schemeClr val="phClr"/>
+          </a:solidFill>
+          <a:prstDash val="solid"/>
+          <a:miter lim="800000"/>
+        </a:ln>
+        <a:ln w="12700" cap="flat" cmpd="sng" algn="ctr">
+          <a:solidFill>
+            <a:schemeClr val="phClr"/>
+          </a:solidFill>
+          <a:prstDash val="solid"/>
+          <a:miter lim="800000"/>
+        </a:ln>
+        <a:ln w="19050" cap="flat" cmpd="sng" algn="ctr">
+          <a:solidFill>
+            <a:schemeClr val="phClr"/>
+          </a:solidFill>
+          <a:prstDash val="solid"/>
+          <a:miter lim="800000"/>
+        </a:ln>
+      </a:lnStyleLst>
+      <a:effectStyleLst>
+        <a:effectStyle>
+          <a:effectLst/>
+        </a:effectStyle>
+        <a:effectStyle>
+          <a:effectLst/>
+        </a:effectStyle>
+        <a:effectStyle>
+          <a:effectLst>
+            <a:outerShdw blurRad="57150" dist="19050" dir="5400000" algn="ctr" rotWithShape="0">
+              <a:srgbClr val="000000">
+                <a:alpha val="63000"/>
+              </a:srgbClr>
+            </a:outerShdw>
+          </a:effectLst>
+        </a:effectStyle>
+      </a:effectStyleLst>
+      <a:bgFillStyleLst>
+        <a:solidFill>
+          <a:schemeClr val="phClr"/>
+        </a:solidFill>
+        <a:solidFill>
+          <a:schemeClr val="phClr">
+            <a:tint val="95000"/>
+            <a:satMod val="170000"/>
+          </a:schemeClr>
+        </a:solidFill>
+        <a:gradFill rotWithShape="1">
+          <a:gsLst>
+            <a:gs pos="0">
+              <a:schemeClr val="phClr">
+                <a:tint val="93000"/>
+                <a:satMod val="150000"/>
+                <a:shade val="98000"/>
+                <a:lumMod val="102000"/>
+              </a:schemeClr>
+            </a:gs>
+            <a:gs pos="50000">
+              <a:schemeClr val="phClr">
+                <a:tint val="98000"/>
+                <a:satMod val="130000"/>
+                <a:shade val="90000"/>
+                <a:lumMod val="103000"/>
+              </a:schemeClr>
+            </a:gs>
+            <a:gs pos="100000">
+              <a:schemeClr val="phClr">
+                <a:shade val="63000"/>
+                <a:satMod val="120000"/>
+              </a:schemeClr>
+            </a:gs>
+          </a:gsLst>
+          <a:lin ang="5400000" scaled="0"/>
+        </a:gradFill>
+      </a:bgFillStyleLst>
+    </a:fmtScheme>
+  </a:themeElements>
+  <a:objectDefaults/>
+  <a:extraClrSchemeLst/>
+  <a:extLst>
+    <a:ext uri="{05A4C25C-085E-4340-85A3-A5531E510DB2}">
+      <thm15:themeFamily xmlns:thm15="http://schemas.microsoft.com/office/thememl/2012/main" name="Office Theme" id="{62F939B6-93AF-4DB8-9C6B-D6C7DFDC589F}" vid="{4A3C46E8-61CC-4603-A589-7422A47A8E4A}"/>
     </a:ext>
   </a:extLst>
 </a:theme>

--- a/fuentes/contenidos/grado06/guion04/MA_06_04_CO_Mapa conceptual.pptx
+++ b/fuentes/contenidos/grado06/guion04/MA_06_04_CO_Mapa conceptual.pptx
@@ -197,7 +197,7 @@
           <a:p>
             <a:fld id="{7A3C5493-B8A1-4477-8B1C-2F671EBCDBF5}" type="datetimeFigureOut">
               <a:rPr lang="es-CO" smtClean="0"/>
-              <a:t>23/10/2015</a:t>
+              <a:t>16/12/2015</a:t>
             </a:fld>
             <a:endParaRPr lang="es-CO"/>
           </a:p>
@@ -887,7 +887,7 @@
           <a:p>
             <a:fld id="{5001C876-01F7-4317-94B9-1AE222133113}" type="datetimeFigureOut">
               <a:rPr lang="es-ES" smtClean="0"/>
-              <a:t>23/10/2015</a:t>
+              <a:t>16/12/2015</a:t>
             </a:fld>
             <a:endParaRPr lang="es-ES"/>
           </a:p>
@@ -1075,8 +1075,8 @@
         </p:nvSpPr>
         <p:spPr>
           <a:xfrm rot="16200000">
-            <a:off x="-1278861" y="1710405"/>
-            <a:ext cx="3121368" cy="276999"/>
+            <a:off x="-1257221" y="1710405"/>
+            <a:ext cx="3078087" cy="276999"/>
           </a:xfrm>
           <a:prstGeom prst="rect">
             <a:avLst/>
@@ -1095,7 +1095,14 @@
                 <a:latin typeface="Arial" panose="020B0604020202020204" pitchFamily="34" charset="0"/>
                 <a:cs typeface="Arial" panose="020B0604020202020204" pitchFamily="34" charset="0"/>
               </a:rPr>
-              <a:t>© Editorial Planeta Colombiana S.A., 2015.</a:t>
+              <a:t>© Editorial Planeta Colombiana S.A., </a:t>
+            </a:r>
+            <a:r>
+              <a:rPr lang="es-ES" sz="1200" dirty="0" smtClean="0">
+                <a:latin typeface="Arial" panose="020B0604020202020204" pitchFamily="34" charset="0"/>
+                <a:cs typeface="Arial" panose="020B0604020202020204" pitchFamily="34" charset="0"/>
+              </a:rPr>
+              <a:t>2016</a:t>
             </a:r>
             <a:endParaRPr lang="es-ES" sz="1200" dirty="0">
               <a:latin typeface="Arial" panose="020B0604020202020204" pitchFamily="34" charset="0"/>
@@ -1607,27 +1614,7 @@
                 <a:latin typeface="Arial" panose="020B0604020202020204" pitchFamily="34" charset="0"/>
                 <a:cs typeface="Arial" panose="020B0604020202020204" pitchFamily="34" charset="0"/>
               </a:rPr>
-              <a:t>todos </a:t>
-            </a:r>
-            <a:r>
-              <a:rPr lang="es-ES" sz="900" dirty="0" smtClean="0">
-                <a:solidFill>
-                  <a:schemeClr val="tx1"/>
-                </a:solidFill>
-                <a:latin typeface="Arial" panose="020B0604020202020204" pitchFamily="34" charset="0"/>
-                <a:cs typeface="Arial" panose="020B0604020202020204" pitchFamily="34" charset="0"/>
-              </a:rPr>
-              <a:t>los </a:t>
-            </a:r>
-            <a:r>
-              <a:rPr lang="es-ES" sz="900" dirty="0" smtClean="0">
-                <a:solidFill>
-                  <a:schemeClr val="tx1"/>
-                </a:solidFill>
-                <a:latin typeface="Arial" panose="020B0604020202020204" pitchFamily="34" charset="0"/>
-                <a:cs typeface="Arial" panose="020B0604020202020204" pitchFamily="34" charset="0"/>
-              </a:rPr>
-              <a:t>producto obtenidos al multiplicar </a:t>
+              <a:t>todos los producto obtenidos al multiplicar </a:t>
             </a:r>
             <a:r>
               <a:rPr lang="es-ES" sz="900" i="1" dirty="0" smtClean="0">
@@ -1960,14 +1947,7 @@
                 <a:latin typeface="Arial" panose="020B0604020202020204" pitchFamily="34" charset="0"/>
                 <a:cs typeface="Arial" panose="020B0604020202020204" pitchFamily="34" charset="0"/>
               </a:rPr>
-              <a:t>ermite </a:t>
-            </a:r>
-            <a:r>
-              <a:rPr lang="es-ES" sz="900" dirty="0" smtClean="0">
-                <a:latin typeface="Arial" panose="020B0604020202020204" pitchFamily="34" charset="0"/>
-                <a:cs typeface="Arial" panose="020B0604020202020204" pitchFamily="34" charset="0"/>
-              </a:rPr>
-              <a:t>definir</a:t>
+              <a:t>ermite definir</a:t>
             </a:r>
             <a:endParaRPr lang="es-ES" sz="900" dirty="0">
               <a:latin typeface="Arial" panose="020B0604020202020204" pitchFamily="34" charset="0"/>
@@ -2030,14 +2010,7 @@
                 <a:latin typeface="Arial" panose="020B0604020202020204" pitchFamily="34" charset="0"/>
                 <a:cs typeface="Arial" panose="020B0604020202020204" pitchFamily="34" charset="0"/>
               </a:rPr>
-              <a:t>Relaciones </a:t>
-            </a:r>
-            <a:r>
-              <a:rPr lang="es-ES" sz="1200" b="1" dirty="0" smtClean="0">
-                <a:latin typeface="Arial" panose="020B0604020202020204" pitchFamily="34" charset="0"/>
-                <a:cs typeface="Arial" panose="020B0604020202020204" pitchFamily="34" charset="0"/>
-              </a:rPr>
-              <a:t>multiplicativas</a:t>
+              <a:t>Relaciones multiplicativas</a:t>
             </a:r>
             <a:endParaRPr lang="es-ES" sz="1200" b="1" dirty="0">
               <a:latin typeface="Arial" panose="020B0604020202020204" pitchFamily="34" charset="0"/>
@@ -2185,14 +2158,7 @@
                 <a:latin typeface="Arial" panose="020B0604020202020204" pitchFamily="34" charset="0"/>
                 <a:cs typeface="Arial" panose="020B0604020202020204" pitchFamily="34" charset="0"/>
               </a:rPr>
-              <a:t>que corresponde </a:t>
-            </a:r>
-            <a:r>
-              <a:rPr lang="es-ES" sz="900" dirty="0" smtClean="0">
-                <a:latin typeface="Arial" panose="020B0604020202020204" pitchFamily="34" charset="0"/>
-                <a:cs typeface="Arial" panose="020B0604020202020204" pitchFamily="34" charset="0"/>
-              </a:rPr>
-              <a:t>a </a:t>
+              <a:t>que corresponde a </a:t>
             </a:r>
             <a:endParaRPr lang="es-ES" sz="900" dirty="0">
               <a:latin typeface="Arial" panose="020B0604020202020204" pitchFamily="34" charset="0"/>
@@ -2492,8 +2458,501 @@
                 <a:latin typeface="Arial" panose="020B0604020202020204" pitchFamily="34" charset="0"/>
                 <a:cs typeface="Arial" panose="020B0604020202020204" pitchFamily="34" charset="0"/>
               </a:rPr>
-              <a:t>el </a:t>
-            </a:r>
+              <a:t>el menor de los múltiplos comunes entre dos o más números </a:t>
+            </a:r>
+            <a:endParaRPr lang="es-ES" sz="750" dirty="0">
+              <a:solidFill>
+                <a:schemeClr val="tx1"/>
+              </a:solidFill>
+              <a:latin typeface="Arial" panose="020B0604020202020204" pitchFamily="34" charset="0"/>
+              <a:cs typeface="Arial" panose="020B0604020202020204" pitchFamily="34" charset="0"/>
+            </a:endParaRPr>
+          </a:p>
+        </p:txBody>
+      </p:sp>
+      <p:cxnSp>
+        <p:nvCxnSpPr>
+          <p:cNvPr id="167" name="Conector angular 166"/>
+          <p:cNvCxnSpPr/>
+          <p:nvPr/>
+        </p:nvCxnSpPr>
+        <p:spPr>
+          <a:xfrm rot="5400000">
+            <a:off x="959481" y="4145690"/>
+            <a:ext cx="143025" cy="876"/>
+          </a:xfrm>
+          <a:prstGeom prst="bentConnector3">
+            <a:avLst>
+              <a:gd name="adj1" fmla="val 50000"/>
+            </a:avLst>
+          </a:prstGeom>
+          <a:ln w="12700">
+            <a:solidFill>
+              <a:schemeClr val="tx1"/>
+            </a:solidFill>
+          </a:ln>
+        </p:spPr>
+        <p:style>
+          <a:lnRef idx="1">
+            <a:schemeClr val="accent1"/>
+          </a:lnRef>
+          <a:fillRef idx="0">
+            <a:schemeClr val="accent1"/>
+          </a:fillRef>
+          <a:effectRef idx="0">
+            <a:schemeClr val="accent1"/>
+          </a:effectRef>
+          <a:fontRef idx="minor">
+            <a:schemeClr val="tx1"/>
+          </a:fontRef>
+        </p:style>
+      </p:cxnSp>
+      <p:sp>
+        <p:nvSpPr>
+          <p:cNvPr id="171" name="Rectángulo 170" descr="Nodo de cuarto nivel&#10;" title="Nodo04"/>
+          <p:cNvSpPr/>
+          <p:nvPr/>
+        </p:nvSpPr>
+        <p:spPr>
+          <a:xfrm>
+            <a:off x="3867203" y="5410261"/>
+            <a:ext cx="672123" cy="536201"/>
+          </a:xfrm>
+          <a:prstGeom prst="rect">
+            <a:avLst/>
+          </a:prstGeom>
+          <a:solidFill>
+            <a:schemeClr val="bg1"/>
+          </a:solidFill>
+          <a:ln>
+            <a:solidFill>
+              <a:schemeClr val="tx1"/>
+            </a:solidFill>
+          </a:ln>
+        </p:spPr>
+        <p:style>
+          <a:lnRef idx="2">
+            <a:schemeClr val="accent6"/>
+          </a:lnRef>
+          <a:fillRef idx="1">
+            <a:schemeClr val="lt1"/>
+          </a:fillRef>
+          <a:effectRef idx="0">
+            <a:schemeClr val="accent6"/>
+          </a:effectRef>
+          <a:fontRef idx="minor">
+            <a:schemeClr val="dk1"/>
+          </a:fontRef>
+        </p:style>
+        <p:txBody>
+          <a:bodyPr rtlCol="0" anchor="ctr"/>
+          <a:lstStyle/>
+          <a:p>
+            <a:pPr algn="ctr"/>
+            <a:r>
+              <a:rPr lang="es-ES" sz="800" dirty="0" smtClean="0">
+                <a:solidFill>
+                  <a:schemeClr val="tx1"/>
+                </a:solidFill>
+                <a:latin typeface="Arial" panose="020B0604020202020204" pitchFamily="34" charset="0"/>
+                <a:cs typeface="Arial" panose="020B0604020202020204" pitchFamily="34" charset="0"/>
+              </a:rPr>
+              <a:t>todo número es divisor de sí mismo</a:t>
+            </a:r>
+            <a:endParaRPr lang="es-ES" sz="800" dirty="0">
+              <a:solidFill>
+                <a:schemeClr val="tx1"/>
+              </a:solidFill>
+              <a:latin typeface="Arial" panose="020B0604020202020204" pitchFamily="34" charset="0"/>
+              <a:cs typeface="Arial" panose="020B0604020202020204" pitchFamily="34" charset="0"/>
+            </a:endParaRPr>
+          </a:p>
+        </p:txBody>
+      </p:sp>
+      <p:sp>
+        <p:nvSpPr>
+          <p:cNvPr id="172" name="CuadroTexto 171" descr="Conector entre nodos" title="conector"/>
+          <p:cNvSpPr txBox="1"/>
+          <p:nvPr/>
+        </p:nvSpPr>
+        <p:spPr>
+          <a:xfrm>
+            <a:off x="4375954" y="4562279"/>
+            <a:ext cx="1117174" cy="215444"/>
+          </a:xfrm>
+          <a:prstGeom prst="rect">
+            <a:avLst/>
+          </a:prstGeom>
+          <a:noFill/>
+        </p:spPr>
+        <p:txBody>
+          <a:bodyPr wrap="square" rtlCol="0">
+            <a:spAutoFit/>
+          </a:bodyPr>
+          <a:lstStyle/>
+          <a:p>
+            <a:pPr algn="ctr"/>
+            <a:r>
+              <a:rPr lang="es-ES" sz="800" dirty="0" smtClean="0">
+                <a:latin typeface="Arial" panose="020B0604020202020204" pitchFamily="34" charset="0"/>
+                <a:cs typeface="Arial" panose="020B0604020202020204" pitchFamily="34" charset="0"/>
+              </a:rPr>
+              <a:t>como</a:t>
+            </a:r>
+            <a:endParaRPr lang="es-ES" sz="800" dirty="0">
+              <a:latin typeface="Arial" panose="020B0604020202020204" pitchFamily="34" charset="0"/>
+              <a:cs typeface="Arial" panose="020B0604020202020204" pitchFamily="34" charset="0"/>
+            </a:endParaRPr>
+          </a:p>
+        </p:txBody>
+      </p:sp>
+      <p:sp>
+        <p:nvSpPr>
+          <p:cNvPr id="176" name="Rectángulo 175" descr="Nodo de cuarto nivel&#10;" title="Nodo04"/>
+          <p:cNvSpPr/>
+          <p:nvPr/>
+        </p:nvSpPr>
+        <p:spPr>
+          <a:xfrm>
+            <a:off x="4625520" y="5814820"/>
+            <a:ext cx="646249" cy="576405"/>
+          </a:xfrm>
+          <a:prstGeom prst="rect">
+            <a:avLst/>
+          </a:prstGeom>
+          <a:solidFill>
+            <a:schemeClr val="bg1"/>
+          </a:solidFill>
+          <a:ln>
+            <a:solidFill>
+              <a:schemeClr val="tx1"/>
+            </a:solidFill>
+          </a:ln>
+        </p:spPr>
+        <p:style>
+          <a:lnRef idx="2">
+            <a:schemeClr val="accent6"/>
+          </a:lnRef>
+          <a:fillRef idx="1">
+            <a:schemeClr val="lt1"/>
+          </a:fillRef>
+          <a:effectRef idx="0">
+            <a:schemeClr val="accent6"/>
+          </a:effectRef>
+          <a:fontRef idx="minor">
+            <a:schemeClr val="dk1"/>
+          </a:fontRef>
+        </p:style>
+        <p:txBody>
+          <a:bodyPr rtlCol="0" anchor="ctr"/>
+          <a:lstStyle/>
+          <a:p>
+            <a:pPr algn="ctr"/>
+            <a:r>
+              <a:rPr lang="es-ES" sz="800" dirty="0" smtClean="0">
+                <a:solidFill>
+                  <a:schemeClr val="tx1"/>
+                </a:solidFill>
+                <a:latin typeface="Arial" panose="020B0604020202020204" pitchFamily="34" charset="0"/>
+                <a:cs typeface="Arial" panose="020B0604020202020204" pitchFamily="34" charset="0"/>
+              </a:rPr>
+              <a:t>uno es divisor de todos los números</a:t>
+            </a:r>
+            <a:endParaRPr lang="es-ES" sz="800" dirty="0">
+              <a:solidFill>
+                <a:schemeClr val="tx1"/>
+              </a:solidFill>
+              <a:latin typeface="Arial" panose="020B0604020202020204" pitchFamily="34" charset="0"/>
+              <a:cs typeface="Arial" panose="020B0604020202020204" pitchFamily="34" charset="0"/>
+            </a:endParaRPr>
+          </a:p>
+        </p:txBody>
+      </p:sp>
+      <p:sp>
+        <p:nvSpPr>
+          <p:cNvPr id="178" name="CuadroTexto 177" descr="Conector entre nodos" title="conector"/>
+          <p:cNvSpPr txBox="1"/>
+          <p:nvPr/>
+        </p:nvSpPr>
+        <p:spPr>
+          <a:xfrm>
+            <a:off x="4490176" y="3800266"/>
+            <a:ext cx="941455" cy="215444"/>
+          </a:xfrm>
+          <a:prstGeom prst="rect">
+            <a:avLst/>
+          </a:prstGeom>
+          <a:noFill/>
+        </p:spPr>
+        <p:txBody>
+          <a:bodyPr wrap="square" rtlCol="0">
+            <a:spAutoFit/>
+          </a:bodyPr>
+          <a:lstStyle/>
+          <a:p>
+            <a:pPr algn="ctr"/>
+            <a:r>
+              <a:rPr lang="es-ES" sz="800" dirty="0" smtClean="0">
+                <a:latin typeface="Arial" panose="020B0604020202020204" pitchFamily="34" charset="0"/>
+                <a:cs typeface="Arial" panose="020B0604020202020204" pitchFamily="34" charset="0"/>
+              </a:rPr>
+              <a:t>cumplen</a:t>
+            </a:r>
+            <a:endParaRPr lang="es-ES" sz="800" dirty="0">
+              <a:latin typeface="Arial" panose="020B0604020202020204" pitchFamily="34" charset="0"/>
+              <a:cs typeface="Arial" panose="020B0604020202020204" pitchFamily="34" charset="0"/>
+            </a:endParaRPr>
+          </a:p>
+        </p:txBody>
+      </p:sp>
+      <p:cxnSp>
+        <p:nvCxnSpPr>
+          <p:cNvPr id="179" name="Conector angular 178"/>
+          <p:cNvCxnSpPr/>
+          <p:nvPr/>
+        </p:nvCxnSpPr>
+        <p:spPr>
+          <a:xfrm rot="10800000" flipV="1">
+            <a:off x="4941786" y="3664531"/>
+            <a:ext cx="1534069" cy="170064"/>
+          </a:xfrm>
+          <a:prstGeom prst="bentConnector2">
+            <a:avLst/>
+          </a:prstGeom>
+          <a:ln w="12700">
+            <a:solidFill>
+              <a:schemeClr val="tx1"/>
+            </a:solidFill>
+          </a:ln>
+        </p:spPr>
+        <p:style>
+          <a:lnRef idx="1">
+            <a:schemeClr val="accent1"/>
+          </a:lnRef>
+          <a:fillRef idx="0">
+            <a:schemeClr val="accent1"/>
+          </a:fillRef>
+          <a:effectRef idx="0">
+            <a:schemeClr val="accent1"/>
+          </a:effectRef>
+          <a:fontRef idx="minor">
+            <a:schemeClr val="tx1"/>
+          </a:fontRef>
+        </p:style>
+      </p:cxnSp>
+      <p:sp>
+        <p:nvSpPr>
+          <p:cNvPr id="180" name="CuadroTexto 179" descr="Conector entre nodos" title="conector"/>
+          <p:cNvSpPr txBox="1"/>
+          <p:nvPr/>
+        </p:nvSpPr>
+        <p:spPr>
+          <a:xfrm>
+            <a:off x="5931256" y="2560938"/>
+            <a:ext cx="1211833" cy="230832"/>
+          </a:xfrm>
+          <a:prstGeom prst="rect">
+            <a:avLst/>
+          </a:prstGeom>
+          <a:noFill/>
+        </p:spPr>
+        <p:txBody>
+          <a:bodyPr wrap="square" rtlCol="0">
+            <a:spAutoFit/>
+          </a:bodyPr>
+          <a:lstStyle/>
+          <a:p>
+            <a:pPr algn="ctr"/>
+            <a:r>
+              <a:rPr lang="es-ES" sz="900" dirty="0" smtClean="0">
+                <a:latin typeface="Arial" panose="020B0604020202020204" pitchFamily="34" charset="0"/>
+                <a:cs typeface="Arial" panose="020B0604020202020204" pitchFamily="34" charset="0"/>
+              </a:rPr>
+              <a:t>que corresponde a </a:t>
+            </a:r>
+            <a:endParaRPr lang="es-ES" sz="900" dirty="0">
+              <a:latin typeface="Arial" panose="020B0604020202020204" pitchFamily="34" charset="0"/>
+              <a:cs typeface="Arial" panose="020B0604020202020204" pitchFamily="34" charset="0"/>
+            </a:endParaRPr>
+          </a:p>
+        </p:txBody>
+      </p:sp>
+      <p:cxnSp>
+        <p:nvCxnSpPr>
+          <p:cNvPr id="181" name="Conector angular 180"/>
+          <p:cNvCxnSpPr/>
+          <p:nvPr/>
+        </p:nvCxnSpPr>
+        <p:spPr>
+          <a:xfrm rot="5400000">
+            <a:off x="6285115" y="2545050"/>
+            <a:ext cx="143025" cy="876"/>
+          </a:xfrm>
+          <a:prstGeom prst="bentConnector3">
+            <a:avLst>
+              <a:gd name="adj1" fmla="val 50000"/>
+            </a:avLst>
+          </a:prstGeom>
+          <a:ln w="12700">
+            <a:solidFill>
+              <a:schemeClr val="tx1"/>
+            </a:solidFill>
+          </a:ln>
+        </p:spPr>
+        <p:style>
+          <a:lnRef idx="1">
+            <a:schemeClr val="accent1"/>
+          </a:lnRef>
+          <a:fillRef idx="0">
+            <a:schemeClr val="accent1"/>
+          </a:fillRef>
+          <a:effectRef idx="0">
+            <a:schemeClr val="accent1"/>
+          </a:effectRef>
+          <a:fontRef idx="minor">
+            <a:schemeClr val="tx1"/>
+          </a:fontRef>
+        </p:style>
+      </p:cxnSp>
+      <p:sp>
+        <p:nvSpPr>
+          <p:cNvPr id="183" name="Rectángulo 182" descr="Nodo de cuarto nivel&#10;" title="Nodo04"/>
+          <p:cNvSpPr/>
+          <p:nvPr/>
+        </p:nvSpPr>
+        <p:spPr>
+          <a:xfrm>
+            <a:off x="5475252" y="5427423"/>
+            <a:ext cx="805968" cy="576404"/>
+          </a:xfrm>
+          <a:prstGeom prst="rect">
+            <a:avLst/>
+          </a:prstGeom>
+          <a:solidFill>
+            <a:schemeClr val="bg1"/>
+          </a:solidFill>
+          <a:ln>
+            <a:solidFill>
+              <a:schemeClr val="tx1"/>
+            </a:solidFill>
+          </a:ln>
+        </p:spPr>
+        <p:style>
+          <a:lnRef idx="2">
+            <a:schemeClr val="accent6"/>
+          </a:lnRef>
+          <a:fillRef idx="1">
+            <a:schemeClr val="lt1"/>
+          </a:fillRef>
+          <a:effectRef idx="0">
+            <a:schemeClr val="accent6"/>
+          </a:effectRef>
+          <a:fontRef idx="minor">
+            <a:schemeClr val="dk1"/>
+          </a:fontRef>
+        </p:style>
+        <p:txBody>
+          <a:bodyPr rtlCol="0" anchor="ctr"/>
+          <a:lstStyle/>
+          <a:p>
+            <a:pPr algn="ctr"/>
+            <a:r>
+              <a:rPr lang="es-ES" sz="800" dirty="0" smtClean="0">
+                <a:solidFill>
+                  <a:schemeClr val="tx1"/>
+                </a:solidFill>
+                <a:latin typeface="Arial" panose="020B0604020202020204" pitchFamily="34" charset="0"/>
+                <a:cs typeface="Arial" panose="020B0604020202020204" pitchFamily="34" charset="0"/>
+              </a:rPr>
+              <a:t>los divisores de un número son finitos</a:t>
+            </a:r>
+            <a:endParaRPr lang="es-ES" sz="800" dirty="0">
+              <a:solidFill>
+                <a:schemeClr val="tx1"/>
+              </a:solidFill>
+              <a:latin typeface="Arial" panose="020B0604020202020204" pitchFamily="34" charset="0"/>
+              <a:cs typeface="Arial" panose="020B0604020202020204" pitchFamily="34" charset="0"/>
+            </a:endParaRPr>
+          </a:p>
+        </p:txBody>
+      </p:sp>
+      <p:cxnSp>
+        <p:nvCxnSpPr>
+          <p:cNvPr id="186" name="Conector angular 185"/>
+          <p:cNvCxnSpPr/>
+          <p:nvPr/>
+        </p:nvCxnSpPr>
+        <p:spPr>
+          <a:xfrm rot="5400000">
+            <a:off x="6285114" y="2824331"/>
+            <a:ext cx="143025" cy="876"/>
+          </a:xfrm>
+          <a:prstGeom prst="bentConnector3">
+            <a:avLst>
+              <a:gd name="adj1" fmla="val 50000"/>
+            </a:avLst>
+          </a:prstGeom>
+          <a:ln w="12700">
+            <a:solidFill>
+              <a:schemeClr val="tx1"/>
+            </a:solidFill>
+          </a:ln>
+        </p:spPr>
+        <p:style>
+          <a:lnRef idx="1">
+            <a:schemeClr val="accent1"/>
+          </a:lnRef>
+          <a:fillRef idx="0">
+            <a:schemeClr val="accent1"/>
+          </a:fillRef>
+          <a:effectRef idx="0">
+            <a:schemeClr val="accent1"/>
+          </a:effectRef>
+          <a:fontRef idx="minor">
+            <a:schemeClr val="tx1"/>
+          </a:fontRef>
+        </p:style>
+      </p:cxnSp>
+      <p:sp>
+        <p:nvSpPr>
+          <p:cNvPr id="187" name="Rectángulo 186" descr="Nodo de tercer nivel" title="Nodo03"/>
+          <p:cNvSpPr/>
+          <p:nvPr/>
+        </p:nvSpPr>
+        <p:spPr>
+          <a:xfrm>
+            <a:off x="5626907" y="4841695"/>
+            <a:ext cx="1234800" cy="374902"/>
+          </a:xfrm>
+          <a:prstGeom prst="rect">
+            <a:avLst/>
+          </a:prstGeom>
+          <a:noFill/>
+          <a:ln>
+            <a:solidFill>
+              <a:schemeClr val="tx1"/>
+            </a:solidFill>
+          </a:ln>
+        </p:spPr>
+        <p:style>
+          <a:lnRef idx="2">
+            <a:schemeClr val="accent6"/>
+          </a:lnRef>
+          <a:fillRef idx="1">
+            <a:schemeClr val="lt1"/>
+          </a:fillRef>
+          <a:effectRef idx="0">
+            <a:schemeClr val="accent6"/>
+          </a:effectRef>
+          <a:fontRef idx="minor">
+            <a:schemeClr val="dk1"/>
+          </a:fontRef>
+        </p:style>
+        <p:txBody>
+          <a:bodyPr rtlCol="0" anchor="ctr"/>
+          <a:lstStyle/>
+          <a:p>
+            <a:pPr algn="ctr"/>
             <a:r>
               <a:rPr lang="es-ES" sz="750" dirty="0" smtClean="0">
                 <a:solidFill>
@@ -2502,7 +2961,7 @@
                 <a:latin typeface="Arial" panose="020B0604020202020204" pitchFamily="34" charset="0"/>
                 <a:cs typeface="Arial" panose="020B0604020202020204" pitchFamily="34" charset="0"/>
               </a:rPr>
-              <a:t>menor de los múltiplos comunes entre dos o más números </a:t>
+              <a:t>el mayor de los divisores comunes entre dos o más números </a:t>
             </a:r>
             <a:endParaRPr lang="es-ES" sz="750" dirty="0">
               <a:solidFill>
@@ -2516,13 +2975,13 @@
       </p:sp>
       <p:cxnSp>
         <p:nvCxnSpPr>
-          <p:cNvPr id="167" name="Conector angular 166"/>
+          <p:cNvPr id="188" name="Conector angular 187"/>
           <p:cNvCxnSpPr/>
           <p:nvPr/>
         </p:nvCxnSpPr>
         <p:spPr>
           <a:xfrm rot="5400000">
-            <a:off x="959481" y="4145690"/>
+            <a:off x="6284237" y="3613307"/>
             <a:ext cx="143025" cy="876"/>
           </a:xfrm>
           <a:prstGeom prst="bentConnector3">
@@ -2553,21 +3012,19 @@
       </p:cxnSp>
       <p:sp>
         <p:nvSpPr>
-          <p:cNvPr id="171" name="Rectángulo 170" descr="Nodo de cuarto nivel&#10;" title="Nodo04"/>
+          <p:cNvPr id="194" name="Rectángulo 193" descr="Nodo de cuarto nivel&#10;" title="Nodo04"/>
           <p:cNvSpPr/>
           <p:nvPr/>
         </p:nvSpPr>
         <p:spPr>
           <a:xfrm>
-            <a:off x="3867203" y="5410261"/>
-            <a:ext cx="672123" cy="536201"/>
+            <a:off x="6904760" y="4122654"/>
+            <a:ext cx="812429" cy="353519"/>
           </a:xfrm>
           <a:prstGeom prst="rect">
             <a:avLst/>
           </a:prstGeom>
-          <a:solidFill>
-            <a:schemeClr val="bg1"/>
-          </a:solidFill>
+          <a:noFill/>
           <a:ln>
             <a:solidFill>
               <a:schemeClr val="tx1"/>
@@ -2601,8 +3058,58 @@
                 <a:latin typeface="Arial" panose="020B0604020202020204" pitchFamily="34" charset="0"/>
                 <a:cs typeface="Arial" panose="020B0604020202020204" pitchFamily="34" charset="0"/>
               </a:rPr>
-              <a:t>todo </a:t>
-            </a:r>
+              <a:t>criterios de divisibilidad</a:t>
+            </a:r>
+            <a:endParaRPr lang="es-ES" sz="800" dirty="0">
+              <a:solidFill>
+                <a:schemeClr val="tx1"/>
+              </a:solidFill>
+              <a:latin typeface="Arial" panose="020B0604020202020204" pitchFamily="34" charset="0"/>
+              <a:cs typeface="Arial" panose="020B0604020202020204" pitchFamily="34" charset="0"/>
+            </a:endParaRPr>
+          </a:p>
+        </p:txBody>
+      </p:sp>
+      <p:sp>
+        <p:nvSpPr>
+          <p:cNvPr id="199" name="Rectángulo 198" descr="Nodo de cuarto nivel&#10;" title="Nodo04"/>
+          <p:cNvSpPr/>
+          <p:nvPr/>
+        </p:nvSpPr>
+        <p:spPr>
+          <a:xfrm>
+            <a:off x="7753036" y="4652290"/>
+            <a:ext cx="614563" cy="353519"/>
+          </a:xfrm>
+          <a:prstGeom prst="rect">
+            <a:avLst/>
+          </a:prstGeom>
+          <a:noFill/>
+          <a:ln>
+            <a:solidFill>
+              <a:schemeClr val="tx1"/>
+            </a:solidFill>
+          </a:ln>
+        </p:spPr>
+        <p:style>
+          <a:lnRef idx="2">
+            <a:schemeClr val="accent6"/>
+          </a:lnRef>
+          <a:fillRef idx="1">
+            <a:schemeClr val="lt1"/>
+          </a:fillRef>
+          <a:effectRef idx="0">
+            <a:schemeClr val="accent6"/>
+          </a:effectRef>
+          <a:fontRef idx="minor">
+            <a:schemeClr val="dk1"/>
+          </a:fontRef>
+        </p:style>
+        <p:txBody>
+          <a:bodyPr rtlCol="0" anchor="ctr"/>
+          <a:lstStyle/>
+          <a:p>
+            <a:pPr algn="ctr"/>
             <a:r>
               <a:rPr lang="es-ES" sz="800" dirty="0" smtClean="0">
                 <a:solidFill>
@@ -2611,7 +3118,7 @@
                 <a:latin typeface="Arial" panose="020B0604020202020204" pitchFamily="34" charset="0"/>
                 <a:cs typeface="Arial" panose="020B0604020202020204" pitchFamily="34" charset="0"/>
               </a:rPr>
-              <a:t>número es divisor de sí mismo</a:t>
+              <a:t>números primos </a:t>
             </a:r>
             <a:endParaRPr lang="es-ES" sz="800" dirty="0">
               <a:solidFill>
@@ -2625,58 +3132,19 @@
       </p:sp>
       <p:sp>
         <p:nvSpPr>
-          <p:cNvPr id="172" name="CuadroTexto 171" descr="Conector entre nodos" title="conector"/>
-          <p:cNvSpPr txBox="1"/>
+          <p:cNvPr id="201" name="Rectángulo 200" descr="Nodo de cuarto nivel&#10;" title="Nodo04"/>
+          <p:cNvSpPr/>
           <p:nvPr/>
         </p:nvSpPr>
         <p:spPr>
           <a:xfrm>
-            <a:off x="4375954" y="4562279"/>
-            <a:ext cx="1117174" cy="215444"/>
+            <a:off x="8270154" y="4081125"/>
+            <a:ext cx="802464" cy="353519"/>
           </a:xfrm>
           <a:prstGeom prst="rect">
             <a:avLst/>
           </a:prstGeom>
           <a:noFill/>
-        </p:spPr>
-        <p:txBody>
-          <a:bodyPr wrap="square" rtlCol="0">
-            <a:spAutoFit/>
-          </a:bodyPr>
-          <a:lstStyle/>
-          <a:p>
-            <a:pPr algn="ctr"/>
-            <a:r>
-              <a:rPr lang="es-ES" sz="800" dirty="0" smtClean="0">
-                <a:latin typeface="Arial" panose="020B0604020202020204" pitchFamily="34" charset="0"/>
-                <a:cs typeface="Arial" panose="020B0604020202020204" pitchFamily="34" charset="0"/>
-              </a:rPr>
-              <a:t>como</a:t>
-            </a:r>
-            <a:endParaRPr lang="es-ES" sz="800" dirty="0">
-              <a:latin typeface="Arial" panose="020B0604020202020204" pitchFamily="34" charset="0"/>
-              <a:cs typeface="Arial" panose="020B0604020202020204" pitchFamily="34" charset="0"/>
-            </a:endParaRPr>
-          </a:p>
-        </p:txBody>
-      </p:sp>
-      <p:sp>
-        <p:nvSpPr>
-          <p:cNvPr id="176" name="Rectángulo 175" descr="Nodo de cuarto nivel&#10;" title="Nodo04"/>
-          <p:cNvSpPr/>
-          <p:nvPr/>
-        </p:nvSpPr>
-        <p:spPr>
-          <a:xfrm>
-            <a:off x="4625520" y="5814820"/>
-            <a:ext cx="646249" cy="576405"/>
-          </a:xfrm>
-          <a:prstGeom prst="rect">
-            <a:avLst/>
-          </a:prstGeom>
-          <a:solidFill>
-            <a:schemeClr val="bg1"/>
-          </a:solidFill>
           <a:ln>
             <a:solidFill>
               <a:schemeClr val="tx1"/>
@@ -2710,8 +3178,134 @@
                 <a:latin typeface="Arial" panose="020B0604020202020204" pitchFamily="34" charset="0"/>
                 <a:cs typeface="Arial" panose="020B0604020202020204" pitchFamily="34" charset="0"/>
               </a:rPr>
-              <a:t>uno </a:t>
-            </a:r>
+              <a:t>números compuestos</a:t>
+            </a:r>
+            <a:endParaRPr lang="es-ES" sz="800" dirty="0">
+              <a:solidFill>
+                <a:schemeClr val="tx1"/>
+              </a:solidFill>
+              <a:latin typeface="Arial" panose="020B0604020202020204" pitchFamily="34" charset="0"/>
+              <a:cs typeface="Arial" panose="020B0604020202020204" pitchFamily="34" charset="0"/>
+            </a:endParaRPr>
+          </a:p>
+        </p:txBody>
+      </p:sp>
+      <p:cxnSp>
+        <p:nvCxnSpPr>
+          <p:cNvPr id="84" name="Conector angular 83"/>
+          <p:cNvCxnSpPr/>
+          <p:nvPr/>
+        </p:nvCxnSpPr>
+        <p:spPr>
+          <a:xfrm rot="5400000">
+            <a:off x="4863467" y="4524587"/>
+            <a:ext cx="143025" cy="876"/>
+          </a:xfrm>
+          <a:prstGeom prst="bentConnector3">
+            <a:avLst>
+              <a:gd name="adj1" fmla="val 50000"/>
+            </a:avLst>
+          </a:prstGeom>
+          <a:ln w="12700">
+            <a:solidFill>
+              <a:schemeClr val="tx1"/>
+            </a:solidFill>
+          </a:ln>
+        </p:spPr>
+        <p:style>
+          <a:lnRef idx="1">
+            <a:schemeClr val="accent1"/>
+          </a:lnRef>
+          <a:fillRef idx="0">
+            <a:schemeClr val="accent1"/>
+          </a:fillRef>
+          <a:effectRef idx="0">
+            <a:schemeClr val="accent1"/>
+          </a:effectRef>
+          <a:fontRef idx="minor">
+            <a:schemeClr val="tx1"/>
+          </a:fontRef>
+        </p:style>
+      </p:cxnSp>
+      <p:cxnSp>
+        <p:nvCxnSpPr>
+          <p:cNvPr id="86" name="Conector angular 85"/>
+          <p:cNvCxnSpPr/>
+          <p:nvPr/>
+        </p:nvCxnSpPr>
+        <p:spPr>
+          <a:xfrm rot="5400000">
+            <a:off x="7278660" y="4521263"/>
+            <a:ext cx="72000" cy="0"/>
+          </a:xfrm>
+          <a:prstGeom prst="bentConnector3">
+            <a:avLst>
+              <a:gd name="adj1" fmla="val 852472"/>
+            </a:avLst>
+          </a:prstGeom>
+          <a:ln w="12700">
+            <a:solidFill>
+              <a:schemeClr val="tx1"/>
+            </a:solidFill>
+          </a:ln>
+        </p:spPr>
+        <p:style>
+          <a:lnRef idx="1">
+            <a:schemeClr val="accent1"/>
+          </a:lnRef>
+          <a:fillRef idx="0">
+            <a:schemeClr val="accent1"/>
+          </a:fillRef>
+          <a:effectRef idx="0">
+            <a:schemeClr val="accent1"/>
+          </a:effectRef>
+          <a:fontRef idx="minor">
+            <a:schemeClr val="tx1"/>
+          </a:fontRef>
+        </p:style>
+      </p:cxnSp>
+      <p:sp>
+        <p:nvSpPr>
+          <p:cNvPr id="92" name="Rectángulo 91" descr="Nodo de cuarto nivel&#10;" title="Nodo04"/>
+          <p:cNvSpPr/>
+          <p:nvPr/>
+        </p:nvSpPr>
+        <p:spPr>
+          <a:xfrm>
+            <a:off x="6651668" y="5500895"/>
+            <a:ext cx="1235721" cy="485362"/>
+          </a:xfrm>
+          <a:prstGeom prst="rect">
+            <a:avLst/>
+          </a:prstGeom>
+          <a:solidFill>
+            <a:schemeClr val="bg1"/>
+          </a:solidFill>
+          <a:ln>
+            <a:solidFill>
+              <a:schemeClr val="tx1"/>
+            </a:solidFill>
+          </a:ln>
+        </p:spPr>
+        <p:style>
+          <a:lnRef idx="2">
+            <a:schemeClr val="accent6"/>
+          </a:lnRef>
+          <a:fillRef idx="1">
+            <a:schemeClr val="lt1"/>
+          </a:fillRef>
+          <a:effectRef idx="0">
+            <a:schemeClr val="accent6"/>
+          </a:effectRef>
+          <a:fontRef idx="minor">
+            <a:schemeClr val="dk1"/>
+          </a:fontRef>
+        </p:style>
+        <p:txBody>
+          <a:bodyPr rtlCol="0" anchor="ctr"/>
+          <a:lstStyle/>
+          <a:p>
+            <a:pPr algn="ctr"/>
             <a:r>
               <a:rPr lang="es-ES" sz="800" dirty="0" smtClean="0">
                 <a:solidFill>
@@ -2720,7 +3314,7 @@
                 <a:latin typeface="Arial" panose="020B0604020202020204" pitchFamily="34" charset="0"/>
                 <a:cs typeface="Arial" panose="020B0604020202020204" pitchFamily="34" charset="0"/>
               </a:rPr>
-              <a:t>es divisor de todos los números</a:t>
+              <a:t>reglas para determinar por inspección si un número es divisible entre otro</a:t>
             </a:r>
             <a:endParaRPr lang="es-ES" sz="800" dirty="0">
               <a:solidFill>
@@ -2734,14 +3328,14 @@
       </p:sp>
       <p:sp>
         <p:nvSpPr>
-          <p:cNvPr id="178" name="CuadroTexto 177" descr="Conector entre nodos" title="conector"/>
+          <p:cNvPr id="93" name="CuadroTexto 92" descr="Conector entre nodos" title="conector"/>
           <p:cNvSpPr txBox="1"/>
           <p:nvPr/>
         </p:nvSpPr>
         <p:spPr>
           <a:xfrm>
-            <a:off x="4490176" y="3800266"/>
-            <a:ext cx="941455" cy="215444"/>
+            <a:off x="6914777" y="5123493"/>
+            <a:ext cx="871361" cy="215444"/>
           </a:xfrm>
           <a:prstGeom prst="rect">
             <a:avLst/>
@@ -2760,7 +3354,7 @@
                 <a:latin typeface="Arial" panose="020B0604020202020204" pitchFamily="34" charset="0"/>
                 <a:cs typeface="Arial" panose="020B0604020202020204" pitchFamily="34" charset="0"/>
               </a:rPr>
-              <a:t>cumplen</a:t>
+              <a:t>que son</a:t>
             </a:r>
             <a:endParaRPr lang="es-ES" sz="800" dirty="0">
               <a:latin typeface="Arial" panose="020B0604020202020204" pitchFamily="34" charset="0"/>
@@ -2771,93 +3365,14 @@
       </p:sp>
       <p:cxnSp>
         <p:nvCxnSpPr>
-          <p:cNvPr id="179" name="Conector angular 178"/>
+          <p:cNvPr id="94" name="Conector angular 93"/>
           <p:cNvCxnSpPr/>
           <p:nvPr/>
         </p:nvCxnSpPr>
         <p:spPr>
-          <a:xfrm rot="10800000" flipV="1">
-            <a:off x="4941786" y="3664531"/>
-            <a:ext cx="1534069" cy="170064"/>
-          </a:xfrm>
-          <a:prstGeom prst="bentConnector2">
-            <a:avLst/>
-          </a:prstGeom>
-          <a:ln w="12700">
-            <a:solidFill>
-              <a:schemeClr val="tx1"/>
-            </a:solidFill>
-          </a:ln>
-        </p:spPr>
-        <p:style>
-          <a:lnRef idx="1">
-            <a:schemeClr val="accent1"/>
-          </a:lnRef>
-          <a:fillRef idx="0">
-            <a:schemeClr val="accent1"/>
-          </a:fillRef>
-          <a:effectRef idx="0">
-            <a:schemeClr val="accent1"/>
-          </a:effectRef>
-          <a:fontRef idx="minor">
-            <a:schemeClr val="tx1"/>
-          </a:fontRef>
-        </p:style>
-      </p:cxnSp>
-      <p:sp>
-        <p:nvSpPr>
-          <p:cNvPr id="180" name="CuadroTexto 179" descr="Conector entre nodos" title="conector"/>
-          <p:cNvSpPr txBox="1"/>
-          <p:nvPr/>
-        </p:nvSpPr>
-        <p:spPr>
-          <a:xfrm>
-            <a:off x="5931256" y="2560938"/>
-            <a:ext cx="1211833" cy="230832"/>
-          </a:xfrm>
-          <a:prstGeom prst="rect">
-            <a:avLst/>
-          </a:prstGeom>
-          <a:noFill/>
-        </p:spPr>
-        <p:txBody>
-          <a:bodyPr wrap="square" rtlCol="0">
-            <a:spAutoFit/>
-          </a:bodyPr>
-          <a:lstStyle/>
-          <a:p>
-            <a:pPr algn="ctr"/>
-            <a:r>
-              <a:rPr lang="es-ES" sz="900" dirty="0" smtClean="0">
-                <a:latin typeface="Arial" panose="020B0604020202020204" pitchFamily="34" charset="0"/>
-                <a:cs typeface="Arial" panose="020B0604020202020204" pitchFamily="34" charset="0"/>
-              </a:rPr>
-              <a:t>que corresponde </a:t>
-            </a:r>
-            <a:r>
-              <a:rPr lang="es-ES" sz="900" dirty="0" smtClean="0">
-                <a:latin typeface="Arial" panose="020B0604020202020204" pitchFamily="34" charset="0"/>
-                <a:cs typeface="Arial" panose="020B0604020202020204" pitchFamily="34" charset="0"/>
-              </a:rPr>
-              <a:t>a </a:t>
-            </a:r>
-            <a:endParaRPr lang="es-ES" sz="900" dirty="0">
-              <a:latin typeface="Arial" panose="020B0604020202020204" pitchFamily="34" charset="0"/>
-              <a:cs typeface="Arial" panose="020B0604020202020204" pitchFamily="34" charset="0"/>
-            </a:endParaRPr>
-          </a:p>
-        </p:txBody>
-      </p:sp>
-      <p:cxnSp>
-        <p:nvCxnSpPr>
-          <p:cNvPr id="181" name="Conector angular 180"/>
-          <p:cNvCxnSpPr/>
-          <p:nvPr/>
-        </p:nvCxnSpPr>
-        <p:spPr>
-          <a:xfrm rot="5400000">
-            <a:off x="6285115" y="2545050"/>
-            <a:ext cx="143025" cy="876"/>
+          <a:xfrm rot="16200000" flipH="1">
+            <a:off x="7245369" y="5427566"/>
+            <a:ext cx="133174" cy="1963"/>
           </a:xfrm>
           <a:prstGeom prst="bentConnector3">
             <a:avLst>
@@ -2887,14 +3402,14 @@
       </p:cxnSp>
       <p:sp>
         <p:nvSpPr>
-          <p:cNvPr id="183" name="Rectángulo 182" descr="Nodo de cuarto nivel&#10;" title="Nodo04"/>
+          <p:cNvPr id="96" name="Rectángulo 95" descr="Nodo de cuarto nivel&#10;" title="Nodo04"/>
           <p:cNvSpPr/>
           <p:nvPr/>
         </p:nvSpPr>
         <p:spPr>
           <a:xfrm>
-            <a:off x="5475252" y="5427423"/>
-            <a:ext cx="805968" cy="576404"/>
+            <a:off x="7143089" y="6083278"/>
+            <a:ext cx="1148200" cy="521369"/>
           </a:xfrm>
           <a:prstGeom prst="rect">
             <a:avLst/>
@@ -2935,8 +3450,97 @@
                 <a:latin typeface="Arial" panose="020B0604020202020204" pitchFamily="34" charset="0"/>
                 <a:cs typeface="Arial" panose="020B0604020202020204" pitchFamily="34" charset="0"/>
               </a:rPr>
-              <a:t>los </a:t>
-            </a:r>
+              <a:t>números que tienen dos divisores diferentes; 1 y él mismo</a:t>
+            </a:r>
+            <a:endParaRPr lang="es-ES" sz="800" dirty="0">
+              <a:solidFill>
+                <a:schemeClr val="tx1"/>
+              </a:solidFill>
+              <a:latin typeface="Arial" panose="020B0604020202020204" pitchFamily="34" charset="0"/>
+              <a:cs typeface="Arial" panose="020B0604020202020204" pitchFamily="34" charset="0"/>
+            </a:endParaRPr>
+          </a:p>
+        </p:txBody>
+      </p:sp>
+      <p:sp>
+        <p:nvSpPr>
+          <p:cNvPr id="97" name="CuadroTexto 96" descr="Conector entre nodos" title="conector"/>
+          <p:cNvSpPr txBox="1"/>
+          <p:nvPr/>
+        </p:nvSpPr>
+        <p:spPr>
+          <a:xfrm>
+            <a:off x="7509838" y="5096437"/>
+            <a:ext cx="1117174" cy="215444"/>
+          </a:xfrm>
+          <a:prstGeom prst="rect">
+            <a:avLst/>
+          </a:prstGeom>
+          <a:noFill/>
+        </p:spPr>
+        <p:txBody>
+          <a:bodyPr wrap="square" rtlCol="0">
+            <a:spAutoFit/>
+          </a:bodyPr>
+          <a:lstStyle/>
+          <a:p>
+            <a:pPr algn="ctr"/>
+            <a:r>
+              <a:rPr lang="es-ES" sz="800" dirty="0" smtClean="0">
+                <a:latin typeface="Arial" panose="020B0604020202020204" pitchFamily="34" charset="0"/>
+                <a:cs typeface="Arial" panose="020B0604020202020204" pitchFamily="34" charset="0"/>
+              </a:rPr>
+              <a:t>corresponden a</a:t>
+            </a:r>
+            <a:endParaRPr lang="es-ES" sz="800" dirty="0">
+              <a:latin typeface="Arial" panose="020B0604020202020204" pitchFamily="34" charset="0"/>
+              <a:cs typeface="Arial" panose="020B0604020202020204" pitchFamily="34" charset="0"/>
+            </a:endParaRPr>
+          </a:p>
+        </p:txBody>
+      </p:sp>
+      <p:sp>
+        <p:nvSpPr>
+          <p:cNvPr id="100" name="Rectángulo 99" descr="Nodo de cuarto nivel&#10;" title="Nodo04"/>
+          <p:cNvSpPr/>
+          <p:nvPr/>
+        </p:nvSpPr>
+        <p:spPr>
+          <a:xfrm>
+            <a:off x="8376180" y="5361284"/>
+            <a:ext cx="694923" cy="873600"/>
+          </a:xfrm>
+          <a:prstGeom prst="rect">
+            <a:avLst/>
+          </a:prstGeom>
+          <a:solidFill>
+            <a:schemeClr val="bg1"/>
+          </a:solidFill>
+          <a:ln>
+            <a:solidFill>
+              <a:schemeClr val="tx1"/>
+            </a:solidFill>
+          </a:ln>
+        </p:spPr>
+        <p:style>
+          <a:lnRef idx="2">
+            <a:schemeClr val="accent6"/>
+          </a:lnRef>
+          <a:fillRef idx="1">
+            <a:schemeClr val="lt1"/>
+          </a:fillRef>
+          <a:effectRef idx="0">
+            <a:schemeClr val="accent6"/>
+          </a:effectRef>
+          <a:fontRef idx="minor">
+            <a:schemeClr val="dk1"/>
+          </a:fontRef>
+        </p:style>
+        <p:txBody>
+          <a:bodyPr rtlCol="0" anchor="ctr"/>
+          <a:lstStyle/>
+          <a:p>
+            <a:pPr algn="ctr"/>
             <a:r>
               <a:rPr lang="es-ES" sz="800" dirty="0" smtClean="0">
                 <a:solidFill>
@@ -2945,782 +3549,7 @@
                 <a:latin typeface="Arial" panose="020B0604020202020204" pitchFamily="34" charset="0"/>
                 <a:cs typeface="Arial" panose="020B0604020202020204" pitchFamily="34" charset="0"/>
               </a:rPr>
-              <a:t>divisores de un número son finitos</a:t>
-            </a:r>
-            <a:endParaRPr lang="es-ES" sz="800" dirty="0">
-              <a:solidFill>
-                <a:schemeClr val="tx1"/>
-              </a:solidFill>
-              <a:latin typeface="Arial" panose="020B0604020202020204" pitchFamily="34" charset="0"/>
-              <a:cs typeface="Arial" panose="020B0604020202020204" pitchFamily="34" charset="0"/>
-            </a:endParaRPr>
-          </a:p>
-        </p:txBody>
-      </p:sp>
-      <p:cxnSp>
-        <p:nvCxnSpPr>
-          <p:cNvPr id="186" name="Conector angular 185"/>
-          <p:cNvCxnSpPr/>
-          <p:nvPr/>
-        </p:nvCxnSpPr>
-        <p:spPr>
-          <a:xfrm rot="5400000">
-            <a:off x="6285114" y="2824331"/>
-            <a:ext cx="143025" cy="876"/>
-          </a:xfrm>
-          <a:prstGeom prst="bentConnector3">
-            <a:avLst>
-              <a:gd name="adj1" fmla="val 50000"/>
-            </a:avLst>
-          </a:prstGeom>
-          <a:ln w="12700">
-            <a:solidFill>
-              <a:schemeClr val="tx1"/>
-            </a:solidFill>
-          </a:ln>
-        </p:spPr>
-        <p:style>
-          <a:lnRef idx="1">
-            <a:schemeClr val="accent1"/>
-          </a:lnRef>
-          <a:fillRef idx="0">
-            <a:schemeClr val="accent1"/>
-          </a:fillRef>
-          <a:effectRef idx="0">
-            <a:schemeClr val="accent1"/>
-          </a:effectRef>
-          <a:fontRef idx="minor">
-            <a:schemeClr val="tx1"/>
-          </a:fontRef>
-        </p:style>
-      </p:cxnSp>
-      <p:sp>
-        <p:nvSpPr>
-          <p:cNvPr id="187" name="Rectángulo 186" descr="Nodo de tercer nivel" title="Nodo03"/>
-          <p:cNvSpPr/>
-          <p:nvPr/>
-        </p:nvSpPr>
-        <p:spPr>
-          <a:xfrm>
-            <a:off x="5626907" y="4841695"/>
-            <a:ext cx="1234800" cy="374902"/>
-          </a:xfrm>
-          <a:prstGeom prst="rect">
-            <a:avLst/>
-          </a:prstGeom>
-          <a:noFill/>
-          <a:ln>
-            <a:solidFill>
-              <a:schemeClr val="tx1"/>
-            </a:solidFill>
-          </a:ln>
-        </p:spPr>
-        <p:style>
-          <a:lnRef idx="2">
-            <a:schemeClr val="accent6"/>
-          </a:lnRef>
-          <a:fillRef idx="1">
-            <a:schemeClr val="lt1"/>
-          </a:fillRef>
-          <a:effectRef idx="0">
-            <a:schemeClr val="accent6"/>
-          </a:effectRef>
-          <a:fontRef idx="minor">
-            <a:schemeClr val="dk1"/>
-          </a:fontRef>
-        </p:style>
-        <p:txBody>
-          <a:bodyPr rtlCol="0" anchor="ctr"/>
-          <a:lstStyle/>
-          <a:p>
-            <a:pPr algn="ctr"/>
-            <a:r>
-              <a:rPr lang="es-ES" sz="750" dirty="0" smtClean="0">
-                <a:solidFill>
-                  <a:schemeClr val="tx1"/>
-                </a:solidFill>
-                <a:latin typeface="Arial" panose="020B0604020202020204" pitchFamily="34" charset="0"/>
-                <a:cs typeface="Arial" panose="020B0604020202020204" pitchFamily="34" charset="0"/>
-              </a:rPr>
-              <a:t>el </a:t>
-            </a:r>
-            <a:r>
-              <a:rPr lang="es-ES" sz="750" dirty="0" smtClean="0">
-                <a:solidFill>
-                  <a:schemeClr val="tx1"/>
-                </a:solidFill>
-                <a:latin typeface="Arial" panose="020B0604020202020204" pitchFamily="34" charset="0"/>
-                <a:cs typeface="Arial" panose="020B0604020202020204" pitchFamily="34" charset="0"/>
-              </a:rPr>
-              <a:t>mayor de los divisores comunes entre dos o más números </a:t>
-            </a:r>
-            <a:endParaRPr lang="es-ES" sz="750" dirty="0">
-              <a:solidFill>
-                <a:schemeClr val="tx1"/>
-              </a:solidFill>
-              <a:latin typeface="Arial" panose="020B0604020202020204" pitchFamily="34" charset="0"/>
-              <a:cs typeface="Arial" panose="020B0604020202020204" pitchFamily="34" charset="0"/>
-            </a:endParaRPr>
-          </a:p>
-        </p:txBody>
-      </p:sp>
-      <p:cxnSp>
-        <p:nvCxnSpPr>
-          <p:cNvPr id="188" name="Conector angular 187"/>
-          <p:cNvCxnSpPr/>
-          <p:nvPr/>
-        </p:nvCxnSpPr>
-        <p:spPr>
-          <a:xfrm rot="5400000">
-            <a:off x="6284237" y="3613307"/>
-            <a:ext cx="143025" cy="876"/>
-          </a:xfrm>
-          <a:prstGeom prst="bentConnector3">
-            <a:avLst>
-              <a:gd name="adj1" fmla="val 50000"/>
-            </a:avLst>
-          </a:prstGeom>
-          <a:ln w="12700">
-            <a:solidFill>
-              <a:schemeClr val="tx1"/>
-            </a:solidFill>
-          </a:ln>
-        </p:spPr>
-        <p:style>
-          <a:lnRef idx="1">
-            <a:schemeClr val="accent1"/>
-          </a:lnRef>
-          <a:fillRef idx="0">
-            <a:schemeClr val="accent1"/>
-          </a:fillRef>
-          <a:effectRef idx="0">
-            <a:schemeClr val="accent1"/>
-          </a:effectRef>
-          <a:fontRef idx="minor">
-            <a:schemeClr val="tx1"/>
-          </a:fontRef>
-        </p:style>
-      </p:cxnSp>
-      <p:sp>
-        <p:nvSpPr>
-          <p:cNvPr id="194" name="Rectángulo 193" descr="Nodo de cuarto nivel&#10;" title="Nodo04"/>
-          <p:cNvSpPr/>
-          <p:nvPr/>
-        </p:nvSpPr>
-        <p:spPr>
-          <a:xfrm>
-            <a:off x="6904760" y="4122654"/>
-            <a:ext cx="812429" cy="353519"/>
-          </a:xfrm>
-          <a:prstGeom prst="rect">
-            <a:avLst/>
-          </a:prstGeom>
-          <a:noFill/>
-          <a:ln>
-            <a:solidFill>
-              <a:schemeClr val="tx1"/>
-            </a:solidFill>
-          </a:ln>
-        </p:spPr>
-        <p:style>
-          <a:lnRef idx="2">
-            <a:schemeClr val="accent6"/>
-          </a:lnRef>
-          <a:fillRef idx="1">
-            <a:schemeClr val="lt1"/>
-          </a:fillRef>
-          <a:effectRef idx="0">
-            <a:schemeClr val="accent6"/>
-          </a:effectRef>
-          <a:fontRef idx="minor">
-            <a:schemeClr val="dk1"/>
-          </a:fontRef>
-        </p:style>
-        <p:txBody>
-          <a:bodyPr rtlCol="0" anchor="ctr"/>
-          <a:lstStyle/>
-          <a:p>
-            <a:pPr algn="ctr"/>
-            <a:r>
-              <a:rPr lang="es-ES" sz="800" dirty="0" smtClean="0">
-                <a:solidFill>
-                  <a:schemeClr val="tx1"/>
-                </a:solidFill>
-                <a:latin typeface="Arial" panose="020B0604020202020204" pitchFamily="34" charset="0"/>
-                <a:cs typeface="Arial" panose="020B0604020202020204" pitchFamily="34" charset="0"/>
-              </a:rPr>
-              <a:t>criterios </a:t>
-            </a:r>
-            <a:r>
-              <a:rPr lang="es-ES" sz="800" dirty="0" smtClean="0">
-                <a:solidFill>
-                  <a:schemeClr val="tx1"/>
-                </a:solidFill>
-                <a:latin typeface="Arial" panose="020B0604020202020204" pitchFamily="34" charset="0"/>
-                <a:cs typeface="Arial" panose="020B0604020202020204" pitchFamily="34" charset="0"/>
-              </a:rPr>
-              <a:t>de divisibilidad</a:t>
-            </a:r>
-            <a:endParaRPr lang="es-ES" sz="800" dirty="0">
-              <a:solidFill>
-                <a:schemeClr val="tx1"/>
-              </a:solidFill>
-              <a:latin typeface="Arial" panose="020B0604020202020204" pitchFamily="34" charset="0"/>
-              <a:cs typeface="Arial" panose="020B0604020202020204" pitchFamily="34" charset="0"/>
-            </a:endParaRPr>
-          </a:p>
-        </p:txBody>
-      </p:sp>
-      <p:sp>
-        <p:nvSpPr>
-          <p:cNvPr id="199" name="Rectángulo 198" descr="Nodo de cuarto nivel&#10;" title="Nodo04"/>
-          <p:cNvSpPr/>
-          <p:nvPr/>
-        </p:nvSpPr>
-        <p:spPr>
-          <a:xfrm>
-            <a:off x="7753036" y="4652290"/>
-            <a:ext cx="614563" cy="353519"/>
-          </a:xfrm>
-          <a:prstGeom prst="rect">
-            <a:avLst/>
-          </a:prstGeom>
-          <a:noFill/>
-          <a:ln>
-            <a:solidFill>
-              <a:schemeClr val="tx1"/>
-            </a:solidFill>
-          </a:ln>
-        </p:spPr>
-        <p:style>
-          <a:lnRef idx="2">
-            <a:schemeClr val="accent6"/>
-          </a:lnRef>
-          <a:fillRef idx="1">
-            <a:schemeClr val="lt1"/>
-          </a:fillRef>
-          <a:effectRef idx="0">
-            <a:schemeClr val="accent6"/>
-          </a:effectRef>
-          <a:fontRef idx="minor">
-            <a:schemeClr val="dk1"/>
-          </a:fontRef>
-        </p:style>
-        <p:txBody>
-          <a:bodyPr rtlCol="0" anchor="ctr"/>
-          <a:lstStyle/>
-          <a:p>
-            <a:pPr algn="ctr"/>
-            <a:r>
-              <a:rPr lang="es-ES" sz="800" dirty="0" smtClean="0">
-                <a:solidFill>
-                  <a:schemeClr val="tx1"/>
-                </a:solidFill>
-                <a:latin typeface="Arial" panose="020B0604020202020204" pitchFamily="34" charset="0"/>
-                <a:cs typeface="Arial" panose="020B0604020202020204" pitchFamily="34" charset="0"/>
-              </a:rPr>
-              <a:t>números </a:t>
-            </a:r>
-            <a:r>
-              <a:rPr lang="es-ES" sz="800" dirty="0" smtClean="0">
-                <a:solidFill>
-                  <a:schemeClr val="tx1"/>
-                </a:solidFill>
-                <a:latin typeface="Arial" panose="020B0604020202020204" pitchFamily="34" charset="0"/>
-                <a:cs typeface="Arial" panose="020B0604020202020204" pitchFamily="34" charset="0"/>
-              </a:rPr>
-              <a:t>primos </a:t>
-            </a:r>
-            <a:endParaRPr lang="es-ES" sz="800" dirty="0">
-              <a:solidFill>
-                <a:schemeClr val="tx1"/>
-              </a:solidFill>
-              <a:latin typeface="Arial" panose="020B0604020202020204" pitchFamily="34" charset="0"/>
-              <a:cs typeface="Arial" panose="020B0604020202020204" pitchFamily="34" charset="0"/>
-            </a:endParaRPr>
-          </a:p>
-        </p:txBody>
-      </p:sp>
-      <p:sp>
-        <p:nvSpPr>
-          <p:cNvPr id="201" name="Rectángulo 200" descr="Nodo de cuarto nivel&#10;" title="Nodo04"/>
-          <p:cNvSpPr/>
-          <p:nvPr/>
-        </p:nvSpPr>
-        <p:spPr>
-          <a:xfrm>
-            <a:off x="8270154" y="4081125"/>
-            <a:ext cx="802464" cy="353519"/>
-          </a:xfrm>
-          <a:prstGeom prst="rect">
-            <a:avLst/>
-          </a:prstGeom>
-          <a:noFill/>
-          <a:ln>
-            <a:solidFill>
-              <a:schemeClr val="tx1"/>
-            </a:solidFill>
-          </a:ln>
-        </p:spPr>
-        <p:style>
-          <a:lnRef idx="2">
-            <a:schemeClr val="accent6"/>
-          </a:lnRef>
-          <a:fillRef idx="1">
-            <a:schemeClr val="lt1"/>
-          </a:fillRef>
-          <a:effectRef idx="0">
-            <a:schemeClr val="accent6"/>
-          </a:effectRef>
-          <a:fontRef idx="minor">
-            <a:schemeClr val="dk1"/>
-          </a:fontRef>
-        </p:style>
-        <p:txBody>
-          <a:bodyPr rtlCol="0" anchor="ctr"/>
-          <a:lstStyle/>
-          <a:p>
-            <a:pPr algn="ctr"/>
-            <a:r>
-              <a:rPr lang="es-ES" sz="800" dirty="0" smtClean="0">
-                <a:solidFill>
-                  <a:schemeClr val="tx1"/>
-                </a:solidFill>
-                <a:latin typeface="Arial" panose="020B0604020202020204" pitchFamily="34" charset="0"/>
-                <a:cs typeface="Arial" panose="020B0604020202020204" pitchFamily="34" charset="0"/>
-              </a:rPr>
-              <a:t>números </a:t>
-            </a:r>
-            <a:r>
-              <a:rPr lang="es-ES" sz="800" dirty="0" smtClean="0">
-                <a:solidFill>
-                  <a:schemeClr val="tx1"/>
-                </a:solidFill>
-                <a:latin typeface="Arial" panose="020B0604020202020204" pitchFamily="34" charset="0"/>
-                <a:cs typeface="Arial" panose="020B0604020202020204" pitchFamily="34" charset="0"/>
-              </a:rPr>
-              <a:t>compuestos</a:t>
-            </a:r>
-            <a:endParaRPr lang="es-ES" sz="800" dirty="0">
-              <a:solidFill>
-                <a:schemeClr val="tx1"/>
-              </a:solidFill>
-              <a:latin typeface="Arial" panose="020B0604020202020204" pitchFamily="34" charset="0"/>
-              <a:cs typeface="Arial" panose="020B0604020202020204" pitchFamily="34" charset="0"/>
-            </a:endParaRPr>
-          </a:p>
-        </p:txBody>
-      </p:sp>
-      <p:cxnSp>
-        <p:nvCxnSpPr>
-          <p:cNvPr id="84" name="Conector angular 83"/>
-          <p:cNvCxnSpPr/>
-          <p:nvPr/>
-        </p:nvCxnSpPr>
-        <p:spPr>
-          <a:xfrm rot="5400000">
-            <a:off x="4863467" y="4524587"/>
-            <a:ext cx="143025" cy="876"/>
-          </a:xfrm>
-          <a:prstGeom prst="bentConnector3">
-            <a:avLst>
-              <a:gd name="adj1" fmla="val 50000"/>
-            </a:avLst>
-          </a:prstGeom>
-          <a:ln w="12700">
-            <a:solidFill>
-              <a:schemeClr val="tx1"/>
-            </a:solidFill>
-          </a:ln>
-        </p:spPr>
-        <p:style>
-          <a:lnRef idx="1">
-            <a:schemeClr val="accent1"/>
-          </a:lnRef>
-          <a:fillRef idx="0">
-            <a:schemeClr val="accent1"/>
-          </a:fillRef>
-          <a:effectRef idx="0">
-            <a:schemeClr val="accent1"/>
-          </a:effectRef>
-          <a:fontRef idx="minor">
-            <a:schemeClr val="tx1"/>
-          </a:fontRef>
-        </p:style>
-      </p:cxnSp>
-      <p:cxnSp>
-        <p:nvCxnSpPr>
-          <p:cNvPr id="86" name="Conector angular 85"/>
-          <p:cNvCxnSpPr/>
-          <p:nvPr/>
-        </p:nvCxnSpPr>
-        <p:spPr>
-          <a:xfrm rot="5400000">
-            <a:off x="7278660" y="4521263"/>
-            <a:ext cx="72000" cy="0"/>
-          </a:xfrm>
-          <a:prstGeom prst="bentConnector3">
-            <a:avLst>
-              <a:gd name="adj1" fmla="val 852472"/>
-            </a:avLst>
-          </a:prstGeom>
-          <a:ln w="12700">
-            <a:solidFill>
-              <a:schemeClr val="tx1"/>
-            </a:solidFill>
-          </a:ln>
-        </p:spPr>
-        <p:style>
-          <a:lnRef idx="1">
-            <a:schemeClr val="accent1"/>
-          </a:lnRef>
-          <a:fillRef idx="0">
-            <a:schemeClr val="accent1"/>
-          </a:fillRef>
-          <a:effectRef idx="0">
-            <a:schemeClr val="accent1"/>
-          </a:effectRef>
-          <a:fontRef idx="minor">
-            <a:schemeClr val="tx1"/>
-          </a:fontRef>
-        </p:style>
-      </p:cxnSp>
-      <p:sp>
-        <p:nvSpPr>
-          <p:cNvPr id="92" name="Rectángulo 91" descr="Nodo de cuarto nivel&#10;" title="Nodo04"/>
-          <p:cNvSpPr/>
-          <p:nvPr/>
-        </p:nvSpPr>
-        <p:spPr>
-          <a:xfrm>
-            <a:off x="6651668" y="5500895"/>
-            <a:ext cx="1235721" cy="485362"/>
-          </a:xfrm>
-          <a:prstGeom prst="rect">
-            <a:avLst/>
-          </a:prstGeom>
-          <a:solidFill>
-            <a:schemeClr val="bg1"/>
-          </a:solidFill>
-          <a:ln>
-            <a:solidFill>
-              <a:schemeClr val="tx1"/>
-            </a:solidFill>
-          </a:ln>
-        </p:spPr>
-        <p:style>
-          <a:lnRef idx="2">
-            <a:schemeClr val="accent6"/>
-          </a:lnRef>
-          <a:fillRef idx="1">
-            <a:schemeClr val="lt1"/>
-          </a:fillRef>
-          <a:effectRef idx="0">
-            <a:schemeClr val="accent6"/>
-          </a:effectRef>
-          <a:fontRef idx="minor">
-            <a:schemeClr val="dk1"/>
-          </a:fontRef>
-        </p:style>
-        <p:txBody>
-          <a:bodyPr rtlCol="0" anchor="ctr"/>
-          <a:lstStyle/>
-          <a:p>
-            <a:pPr algn="ctr"/>
-            <a:r>
-              <a:rPr lang="es-ES" sz="800" dirty="0" smtClean="0">
-                <a:solidFill>
-                  <a:schemeClr val="tx1"/>
-                </a:solidFill>
-                <a:latin typeface="Arial" panose="020B0604020202020204" pitchFamily="34" charset="0"/>
-                <a:cs typeface="Arial" panose="020B0604020202020204" pitchFamily="34" charset="0"/>
-              </a:rPr>
-              <a:t>reglas </a:t>
-            </a:r>
-            <a:r>
-              <a:rPr lang="es-ES" sz="800" dirty="0" smtClean="0">
-                <a:solidFill>
-                  <a:schemeClr val="tx1"/>
-                </a:solidFill>
-                <a:latin typeface="Arial" panose="020B0604020202020204" pitchFamily="34" charset="0"/>
-                <a:cs typeface="Arial" panose="020B0604020202020204" pitchFamily="34" charset="0"/>
-              </a:rPr>
-              <a:t>para determinar por inspección si un número es divisible entre otro</a:t>
-            </a:r>
-            <a:endParaRPr lang="es-ES" sz="800" dirty="0">
-              <a:solidFill>
-                <a:schemeClr val="tx1"/>
-              </a:solidFill>
-              <a:latin typeface="Arial" panose="020B0604020202020204" pitchFamily="34" charset="0"/>
-              <a:cs typeface="Arial" panose="020B0604020202020204" pitchFamily="34" charset="0"/>
-            </a:endParaRPr>
-          </a:p>
-        </p:txBody>
-      </p:sp>
-      <p:sp>
-        <p:nvSpPr>
-          <p:cNvPr id="93" name="CuadroTexto 92" descr="Conector entre nodos" title="conector"/>
-          <p:cNvSpPr txBox="1"/>
-          <p:nvPr/>
-        </p:nvSpPr>
-        <p:spPr>
-          <a:xfrm>
-            <a:off x="6914777" y="5123493"/>
-            <a:ext cx="871361" cy="215444"/>
-          </a:xfrm>
-          <a:prstGeom prst="rect">
-            <a:avLst/>
-          </a:prstGeom>
-          <a:noFill/>
-        </p:spPr>
-        <p:txBody>
-          <a:bodyPr wrap="square" rtlCol="0">
-            <a:spAutoFit/>
-          </a:bodyPr>
-          <a:lstStyle/>
-          <a:p>
-            <a:pPr algn="ctr"/>
-            <a:r>
-              <a:rPr lang="es-ES" sz="800" dirty="0" smtClean="0">
-                <a:latin typeface="Arial" panose="020B0604020202020204" pitchFamily="34" charset="0"/>
-                <a:cs typeface="Arial" panose="020B0604020202020204" pitchFamily="34" charset="0"/>
-              </a:rPr>
-              <a:t>que son</a:t>
-            </a:r>
-            <a:endParaRPr lang="es-ES" sz="800" dirty="0">
-              <a:latin typeface="Arial" panose="020B0604020202020204" pitchFamily="34" charset="0"/>
-              <a:cs typeface="Arial" panose="020B0604020202020204" pitchFamily="34" charset="0"/>
-            </a:endParaRPr>
-          </a:p>
-        </p:txBody>
-      </p:sp>
-      <p:cxnSp>
-        <p:nvCxnSpPr>
-          <p:cNvPr id="94" name="Conector angular 93"/>
-          <p:cNvCxnSpPr/>
-          <p:nvPr/>
-        </p:nvCxnSpPr>
-        <p:spPr>
-          <a:xfrm rot="16200000" flipH="1">
-            <a:off x="7245369" y="5427566"/>
-            <a:ext cx="133174" cy="1963"/>
-          </a:xfrm>
-          <a:prstGeom prst="bentConnector3">
-            <a:avLst>
-              <a:gd name="adj1" fmla="val 50000"/>
-            </a:avLst>
-          </a:prstGeom>
-          <a:ln w="12700">
-            <a:solidFill>
-              <a:schemeClr val="tx1"/>
-            </a:solidFill>
-          </a:ln>
-        </p:spPr>
-        <p:style>
-          <a:lnRef idx="1">
-            <a:schemeClr val="accent1"/>
-          </a:lnRef>
-          <a:fillRef idx="0">
-            <a:schemeClr val="accent1"/>
-          </a:fillRef>
-          <a:effectRef idx="0">
-            <a:schemeClr val="accent1"/>
-          </a:effectRef>
-          <a:fontRef idx="minor">
-            <a:schemeClr val="tx1"/>
-          </a:fontRef>
-        </p:style>
-      </p:cxnSp>
-      <p:sp>
-        <p:nvSpPr>
-          <p:cNvPr id="96" name="Rectángulo 95" descr="Nodo de cuarto nivel&#10;" title="Nodo04"/>
-          <p:cNvSpPr/>
-          <p:nvPr/>
-        </p:nvSpPr>
-        <p:spPr>
-          <a:xfrm>
-            <a:off x="7143089" y="6083278"/>
-            <a:ext cx="1148200" cy="521369"/>
-          </a:xfrm>
-          <a:prstGeom prst="rect">
-            <a:avLst/>
-          </a:prstGeom>
-          <a:solidFill>
-            <a:schemeClr val="bg1"/>
-          </a:solidFill>
-          <a:ln>
-            <a:solidFill>
-              <a:schemeClr val="tx1"/>
-            </a:solidFill>
-          </a:ln>
-        </p:spPr>
-        <p:style>
-          <a:lnRef idx="2">
-            <a:schemeClr val="accent6"/>
-          </a:lnRef>
-          <a:fillRef idx="1">
-            <a:schemeClr val="lt1"/>
-          </a:fillRef>
-          <a:effectRef idx="0">
-            <a:schemeClr val="accent6"/>
-          </a:effectRef>
-          <a:fontRef idx="minor">
-            <a:schemeClr val="dk1"/>
-          </a:fontRef>
-        </p:style>
-        <p:txBody>
-          <a:bodyPr rtlCol="0" anchor="ctr"/>
-          <a:lstStyle/>
-          <a:p>
-            <a:pPr algn="ctr"/>
-            <a:r>
-              <a:rPr lang="es-ES" sz="800" dirty="0" smtClean="0">
-                <a:solidFill>
-                  <a:schemeClr val="tx1"/>
-                </a:solidFill>
-                <a:latin typeface="Arial" panose="020B0604020202020204" pitchFamily="34" charset="0"/>
-                <a:cs typeface="Arial" panose="020B0604020202020204" pitchFamily="34" charset="0"/>
-              </a:rPr>
-              <a:t>números </a:t>
-            </a:r>
-            <a:r>
-              <a:rPr lang="es-ES" sz="800" dirty="0" smtClean="0">
-                <a:solidFill>
-                  <a:schemeClr val="tx1"/>
-                </a:solidFill>
-                <a:latin typeface="Arial" panose="020B0604020202020204" pitchFamily="34" charset="0"/>
-                <a:cs typeface="Arial" panose="020B0604020202020204" pitchFamily="34" charset="0"/>
-              </a:rPr>
-              <a:t>que tienen dos </a:t>
-            </a:r>
-            <a:r>
-              <a:rPr lang="es-ES" sz="800" dirty="0" smtClean="0">
-                <a:solidFill>
-                  <a:schemeClr val="tx1"/>
-                </a:solidFill>
-                <a:latin typeface="Arial" panose="020B0604020202020204" pitchFamily="34" charset="0"/>
-                <a:cs typeface="Arial" panose="020B0604020202020204" pitchFamily="34" charset="0"/>
-              </a:rPr>
-              <a:t>divisores diferentes; </a:t>
-            </a:r>
-            <a:r>
-              <a:rPr lang="es-ES" sz="800" dirty="0" smtClean="0">
-                <a:solidFill>
-                  <a:schemeClr val="tx1"/>
-                </a:solidFill>
-                <a:latin typeface="Arial" panose="020B0604020202020204" pitchFamily="34" charset="0"/>
-                <a:cs typeface="Arial" panose="020B0604020202020204" pitchFamily="34" charset="0"/>
-              </a:rPr>
-              <a:t>1 y él mismo</a:t>
-            </a:r>
-            <a:endParaRPr lang="es-ES" sz="800" dirty="0">
-              <a:solidFill>
-                <a:schemeClr val="tx1"/>
-              </a:solidFill>
-              <a:latin typeface="Arial" panose="020B0604020202020204" pitchFamily="34" charset="0"/>
-              <a:cs typeface="Arial" panose="020B0604020202020204" pitchFamily="34" charset="0"/>
-            </a:endParaRPr>
-          </a:p>
-        </p:txBody>
-      </p:sp>
-      <p:sp>
-        <p:nvSpPr>
-          <p:cNvPr id="97" name="CuadroTexto 96" descr="Conector entre nodos" title="conector"/>
-          <p:cNvSpPr txBox="1"/>
-          <p:nvPr/>
-        </p:nvSpPr>
-        <p:spPr>
-          <a:xfrm>
-            <a:off x="7509838" y="5096437"/>
-            <a:ext cx="1117174" cy="215444"/>
-          </a:xfrm>
-          <a:prstGeom prst="rect">
-            <a:avLst/>
-          </a:prstGeom>
-          <a:noFill/>
-        </p:spPr>
-        <p:txBody>
-          <a:bodyPr wrap="square" rtlCol="0">
-            <a:spAutoFit/>
-          </a:bodyPr>
-          <a:lstStyle/>
-          <a:p>
-            <a:pPr algn="ctr"/>
-            <a:r>
-              <a:rPr lang="es-ES" sz="800" dirty="0" smtClean="0">
-                <a:latin typeface="Arial" panose="020B0604020202020204" pitchFamily="34" charset="0"/>
-                <a:cs typeface="Arial" panose="020B0604020202020204" pitchFamily="34" charset="0"/>
-              </a:rPr>
-              <a:t>corresponden a</a:t>
-            </a:r>
-            <a:endParaRPr lang="es-ES" sz="800" dirty="0">
-              <a:latin typeface="Arial" panose="020B0604020202020204" pitchFamily="34" charset="0"/>
-              <a:cs typeface="Arial" panose="020B0604020202020204" pitchFamily="34" charset="0"/>
-            </a:endParaRPr>
-          </a:p>
-        </p:txBody>
-      </p:sp>
-      <p:sp>
-        <p:nvSpPr>
-          <p:cNvPr id="100" name="Rectángulo 99" descr="Nodo de cuarto nivel&#10;" title="Nodo04"/>
-          <p:cNvSpPr/>
-          <p:nvPr/>
-        </p:nvSpPr>
-        <p:spPr>
-          <a:xfrm>
-            <a:off x="8376180" y="5361284"/>
-            <a:ext cx="694923" cy="873600"/>
-          </a:xfrm>
-          <a:prstGeom prst="rect">
-            <a:avLst/>
-          </a:prstGeom>
-          <a:solidFill>
-            <a:schemeClr val="bg1"/>
-          </a:solidFill>
-          <a:ln>
-            <a:solidFill>
-              <a:schemeClr val="tx1"/>
-            </a:solidFill>
-          </a:ln>
-        </p:spPr>
-        <p:style>
-          <a:lnRef idx="2">
-            <a:schemeClr val="accent6"/>
-          </a:lnRef>
-          <a:fillRef idx="1">
-            <a:schemeClr val="lt1"/>
-          </a:fillRef>
-          <a:effectRef idx="0">
-            <a:schemeClr val="accent6"/>
-          </a:effectRef>
-          <a:fontRef idx="minor">
-            <a:schemeClr val="dk1"/>
-          </a:fontRef>
-        </p:style>
-        <p:txBody>
-          <a:bodyPr rtlCol="0" anchor="ctr"/>
-          <a:lstStyle/>
-          <a:p>
-            <a:pPr algn="ctr"/>
-            <a:r>
-              <a:rPr lang="es-ES" sz="800" dirty="0" smtClean="0">
-                <a:solidFill>
-                  <a:schemeClr val="tx1"/>
-                </a:solidFill>
-                <a:latin typeface="Arial" panose="020B0604020202020204" pitchFamily="34" charset="0"/>
-                <a:cs typeface="Arial" panose="020B0604020202020204" pitchFamily="34" charset="0"/>
-              </a:rPr>
-              <a:t>números </a:t>
-            </a:r>
-            <a:r>
-              <a:rPr lang="es-ES" sz="800" dirty="0" smtClean="0">
-                <a:solidFill>
-                  <a:schemeClr val="tx1"/>
-                </a:solidFill>
-                <a:latin typeface="Arial" panose="020B0604020202020204" pitchFamily="34" charset="0"/>
-                <a:cs typeface="Arial" panose="020B0604020202020204" pitchFamily="34" charset="0"/>
-              </a:rPr>
-              <a:t>que tienen más de dos divisores diferentes</a:t>
+              <a:t>números que tienen más de dos divisores diferentes</a:t>
             </a:r>
             <a:endParaRPr lang="es-ES" sz="800" dirty="0">
               <a:solidFill>
@@ -4176,21 +4005,7 @@
                 <a:latin typeface="Arial" panose="020B0604020202020204" pitchFamily="34" charset="0"/>
                 <a:cs typeface="Arial" panose="020B0604020202020204" pitchFamily="34" charset="0"/>
               </a:rPr>
-              <a:t>se </a:t>
-            </a:r>
-            <a:r>
-              <a:rPr lang="es-ES" sz="900" dirty="0" smtClean="0">
-                <a:latin typeface="Arial" panose="020B0604020202020204" pitchFamily="34" charset="0"/>
-                <a:cs typeface="Arial" panose="020B0604020202020204" pitchFamily="34" charset="0"/>
-              </a:rPr>
-              <a:t>define </a:t>
-            </a:r>
-            <a:r>
-              <a:rPr lang="es-ES" sz="900" dirty="0" smtClean="0">
-                <a:latin typeface="Arial" panose="020B0604020202020204" pitchFamily="34" charset="0"/>
-                <a:cs typeface="Arial" panose="020B0604020202020204" pitchFamily="34" charset="0"/>
-              </a:rPr>
-              <a:t>como</a:t>
+              <a:t>se define como</a:t>
             </a:r>
             <a:endParaRPr lang="es-ES" sz="900" dirty="0">
               <a:latin typeface="Arial" panose="020B0604020202020204" pitchFamily="34" charset="0"/>
@@ -4604,21 +4419,7 @@
                 <a:latin typeface="Arial" panose="020B0604020202020204" pitchFamily="34" charset="0"/>
                 <a:cs typeface="Arial" panose="020B0604020202020204" pitchFamily="34" charset="0"/>
               </a:rPr>
-              <a:t>se </a:t>
-            </a:r>
-            <a:r>
-              <a:rPr lang="es-ES" sz="800" dirty="0" smtClean="0">
-                <a:latin typeface="Arial" panose="020B0604020202020204" pitchFamily="34" charset="0"/>
-                <a:cs typeface="Arial" panose="020B0604020202020204" pitchFamily="34" charset="0"/>
-              </a:rPr>
-              <a:t>define </a:t>
-            </a:r>
-            <a:r>
-              <a:rPr lang="es-ES" sz="800" dirty="0" smtClean="0">
-                <a:latin typeface="Arial" panose="020B0604020202020204" pitchFamily="34" charset="0"/>
-                <a:cs typeface="Arial" panose="020B0604020202020204" pitchFamily="34" charset="0"/>
-              </a:rPr>
-              <a:t>como</a:t>
+              <a:t>se define como</a:t>
             </a:r>
             <a:endParaRPr lang="es-ES" sz="800" dirty="0">
               <a:latin typeface="Arial" panose="020B0604020202020204" pitchFamily="34" charset="0"/>
@@ -5507,13 +5308,6 @@
               </a:rPr>
               <a:t>en forma exacta</a:t>
             </a:r>
-            <a:endParaRPr lang="es-ES" sz="900" dirty="0">
-              <a:solidFill>
-                <a:schemeClr val="tx1"/>
-              </a:solidFill>
-              <a:latin typeface="Arial" panose="020B0604020202020204" pitchFamily="34" charset="0"/>
-              <a:cs typeface="Arial" panose="020B0604020202020204" pitchFamily="34" charset="0"/>
-            </a:endParaRPr>
           </a:p>
         </p:txBody>
       </p:sp>
